--- a/Semantic Web Paradigmen PPT.pptx
+++ b/Semantic Web Paradigmen PPT.pptx
@@ -7,7 +7,7 @@
   <p:sldIdLst>
     <p:sldId id="256" r:id="rId2"/>
     <p:sldId id="258" r:id="rId3"/>
-    <p:sldId id="259" r:id="rId4"/>
+    <p:sldId id="261" r:id="rId4"/>
   </p:sldIdLst>
   <p:sldSz cx="9144000" cy="6858000" type="screen4x3"/>
   <p:notesSz cx="6858000" cy="9144000"/>
@@ -407,7 +407,7 @@
           <a:p>
             <a:fld id="{BC2B6DF2-033D-47A1-97E2-0A3F57E3BB09}" type="datetimeFigureOut">
               <a:rPr lang="en-US" smtClean="0"/>
-              <a:t>10/30/2014</a:t>
+              <a:t>11/4/2014</a:t>
             </a:fld>
             <a:endParaRPr lang="en-US"/>
           </a:p>
@@ -611,7 +611,7 @@
           <a:p>
             <a:fld id="{BC2B6DF2-033D-47A1-97E2-0A3F57E3BB09}" type="datetimeFigureOut">
               <a:rPr lang="en-US" smtClean="0"/>
-              <a:t>10/30/2014</a:t>
+              <a:t>11/4/2014</a:t>
             </a:fld>
             <a:endParaRPr lang="en-US"/>
           </a:p>
@@ -805,7 +805,7 @@
           <a:p>
             <a:fld id="{BC2B6DF2-033D-47A1-97E2-0A3F57E3BB09}" type="datetimeFigureOut">
               <a:rPr lang="en-US" smtClean="0"/>
-              <a:t>10/30/2014</a:t>
+              <a:t>11/4/2014</a:t>
             </a:fld>
             <a:endParaRPr lang="en-US"/>
           </a:p>
@@ -1080,7 +1080,7 @@
           <a:p>
             <a:fld id="{BC2B6DF2-033D-47A1-97E2-0A3F57E3BB09}" type="datetimeFigureOut">
               <a:rPr lang="en-US" smtClean="0"/>
-              <a:t>10/30/2014</a:t>
+              <a:t>11/4/2014</a:t>
             </a:fld>
             <a:endParaRPr lang="en-US"/>
           </a:p>
@@ -1336,7 +1336,7 @@
           <a:p>
             <a:fld id="{BC2B6DF2-033D-47A1-97E2-0A3F57E3BB09}" type="datetimeFigureOut">
               <a:rPr lang="en-US" smtClean="0"/>
-              <a:t>10/30/2014</a:t>
+              <a:t>11/4/2014</a:t>
             </a:fld>
             <a:endParaRPr lang="en-US"/>
           </a:p>
@@ -1727,7 +1727,7 @@
           <a:p>
             <a:fld id="{BC2B6DF2-033D-47A1-97E2-0A3F57E3BB09}" type="datetimeFigureOut">
               <a:rPr lang="en-US" smtClean="0"/>
-              <a:t>10/30/2014</a:t>
+              <a:t>11/4/2014</a:t>
             </a:fld>
             <a:endParaRPr lang="en-US"/>
           </a:p>
@@ -1869,7 +1869,7 @@
           <a:p>
             <a:fld id="{BC2B6DF2-033D-47A1-97E2-0A3F57E3BB09}" type="datetimeFigureOut">
               <a:rPr lang="en-US" smtClean="0"/>
-              <a:t>10/30/2014</a:t>
+              <a:t>11/4/2014</a:t>
             </a:fld>
             <a:endParaRPr lang="en-US"/>
           </a:p>
@@ -1988,7 +1988,7 @@
           <a:p>
             <a:fld id="{BC2B6DF2-033D-47A1-97E2-0A3F57E3BB09}" type="datetimeFigureOut">
               <a:rPr lang="en-US" smtClean="0"/>
-              <a:t>10/30/2014</a:t>
+              <a:t>11/4/2014</a:t>
             </a:fld>
             <a:endParaRPr lang="en-US"/>
           </a:p>
@@ -2289,7 +2289,7 @@
           <a:p>
             <a:fld id="{BC2B6DF2-033D-47A1-97E2-0A3F57E3BB09}" type="datetimeFigureOut">
               <a:rPr lang="en-US" smtClean="0"/>
-              <a:t>10/30/2014</a:t>
+              <a:t>11/4/2014</a:t>
             </a:fld>
             <a:endParaRPr lang="en-US"/>
           </a:p>
@@ -2570,7 +2570,7 @@
           <a:p>
             <a:fld id="{BC2B6DF2-033D-47A1-97E2-0A3F57E3BB09}" type="datetimeFigureOut">
               <a:rPr lang="en-US" smtClean="0"/>
-              <a:t>10/30/2014</a:t>
+              <a:t>11/4/2014</a:t>
             </a:fld>
             <a:endParaRPr lang="en-US"/>
           </a:p>
@@ -2729,35 +2729,35 @@
           <a:p>
             <a:pPr lvl="0"/>
             <a:r>
-              <a:rPr lang="de-DE" smtClean="0"/>
+              <a:rPr lang="de-DE" dirty="0" smtClean="0"/>
               <a:t>Textmasterformat bearbeiten</a:t>
             </a:r>
           </a:p>
           <a:p>
             <a:pPr lvl="1"/>
             <a:r>
-              <a:rPr lang="de-DE" smtClean="0"/>
+              <a:rPr lang="de-DE" dirty="0" smtClean="0"/>
               <a:t>Zweite Ebene</a:t>
             </a:r>
           </a:p>
           <a:p>
             <a:pPr lvl="2"/>
             <a:r>
-              <a:rPr lang="de-DE" smtClean="0"/>
+              <a:rPr lang="de-DE" dirty="0" smtClean="0"/>
               <a:t>Dritte Ebene</a:t>
             </a:r>
           </a:p>
           <a:p>
             <a:pPr lvl="3"/>
             <a:r>
-              <a:rPr lang="de-DE" smtClean="0"/>
+              <a:rPr lang="de-DE" dirty="0" smtClean="0"/>
               <a:t>Vierte Ebene</a:t>
             </a:r>
           </a:p>
           <a:p>
             <a:pPr lvl="4"/>
             <a:r>
-              <a:rPr lang="de-DE" smtClean="0"/>
+              <a:rPr lang="de-DE" dirty="0" smtClean="0"/>
               <a:t>Fünfte Ebene</a:t>
             </a:r>
             <a:endParaRPr lang="en-US" dirty="0"/>
@@ -2916,8 +2916,8 @@
           </a:lstStyle>
           <a:p>
             <a:pPr algn="l"/>
-            <a:r>
-              <a:rPr lang="en-US" dirty="0" smtClean="0">
+            <a:fld id="{CBE31165-F36D-4A03-B99C-ABF4EFD8419F}" type="datetime1">
+              <a:rPr lang="de-DE" sz="1100" smtClean="0">
                 <a:solidFill>
                   <a:schemeClr val="tx1">
                     <a:lumMod val="75000"/>
@@ -2925,10 +2925,10 @@
                   </a:schemeClr>
                 </a:solidFill>
               </a:rPr>
-              <a:t>2014, Simon Heimler</a:t>
-            </a:r>
-            <a:r>
-              <a:rPr lang="en-US" baseline="0" dirty="0" smtClean="0">
+              <a:t>04.11.2014</a:t>
+            </a:fld>
+            <a:r>
+              <a:rPr lang="en-US" sz="1100" baseline="0" dirty="0" smtClean="0">
                 <a:solidFill>
                   <a:schemeClr val="tx1">
                     <a:lumMod val="75000"/>
@@ -2936,9 +2936,20 @@
                   </a:schemeClr>
                 </a:solidFill>
               </a:rPr>
-              <a:t> (www.fannon.de)</a:t>
-            </a:r>
-            <a:endParaRPr lang="en-US" dirty="0">
+              <a:t>  |  </a:t>
+            </a:r>
+            <a:r>
+              <a:rPr lang="en-US" sz="1100" dirty="0" smtClean="0">
+                <a:solidFill>
+                  <a:schemeClr val="tx1">
+                    <a:lumMod val="75000"/>
+                    <a:lumOff val="25000"/>
+                  </a:schemeClr>
+                </a:solidFill>
+              </a:rPr>
+              <a:t>SIMON HEIMLER</a:t>
+            </a:r>
+            <a:endParaRPr lang="en-US" sz="1100" dirty="0">
               <a:solidFill>
                 <a:schemeClr val="tx1">
                   <a:lumMod val="75000"/>
@@ -3437,8 +3448,8 @@
         </p:nvSpPr>
         <p:spPr>
           <a:xfrm>
-            <a:off x="532207" y="1143000"/>
-            <a:ext cx="8079581" cy="2286000"/>
+            <a:off x="532207" y="897469"/>
+            <a:ext cx="8079581" cy="2768598"/>
           </a:xfrm>
         </p:spPr>
         <p:txBody>
@@ -3453,40 +3464,40 @@
               </a:lnSpc>
             </a:pPr>
             <a:r>
-              <a:rPr lang="de-DE" sz="6400" dirty="0" smtClean="0">
+              <a:rPr lang="de-DE" sz="7000" dirty="0" smtClean="0">
                 <a:latin typeface="Roboto Thin" pitchFamily="2" charset="0"/>
                 <a:ea typeface="Roboto Thin" pitchFamily="2" charset="0"/>
               </a:rPr>
               <a:t>Fünf </a:t>
             </a:r>
             <a:r>
-              <a:rPr lang="de-DE" sz="6400" dirty="0" err="1" smtClean="0">
+              <a:rPr lang="de-DE" sz="7000" dirty="0" err="1" smtClean="0">
                 <a:latin typeface="Roboto Thin" pitchFamily="2" charset="0"/>
                 <a:ea typeface="Roboto Thin" pitchFamily="2" charset="0"/>
               </a:rPr>
               <a:t>Semantic</a:t>
             </a:r>
             <a:r>
-              <a:rPr lang="de-DE" sz="6400" dirty="0" smtClean="0">
+              <a:rPr lang="de-DE" sz="7000" dirty="0" smtClean="0">
                 <a:latin typeface="Roboto Thin" pitchFamily="2" charset="0"/>
                 <a:ea typeface="Roboto Thin" pitchFamily="2" charset="0"/>
               </a:rPr>
               <a:t> Web </a:t>
             </a:r>
             <a:br>
-              <a:rPr lang="de-DE" sz="6400" dirty="0" smtClean="0">
+              <a:rPr lang="de-DE" sz="7000" dirty="0" smtClean="0">
                 <a:latin typeface="Roboto Thin" pitchFamily="2" charset="0"/>
                 <a:ea typeface="Roboto Thin" pitchFamily="2" charset="0"/>
               </a:rPr>
             </a:br>
             <a:r>
-              <a:rPr lang="de-DE" sz="6400" dirty="0" smtClean="0">
+              <a:rPr lang="de-DE" sz="7000" dirty="0" smtClean="0">
                 <a:latin typeface="Roboto Thin" pitchFamily="2" charset="0"/>
                 <a:ea typeface="Roboto Thin" pitchFamily="2" charset="0"/>
               </a:rPr>
               <a:t>Paradigmen</a:t>
             </a:r>
-            <a:endParaRPr lang="en-US" sz="6400" dirty="0">
+            <a:endParaRPr lang="en-US" sz="7000" dirty="0">
               <a:latin typeface="Roboto Thin" pitchFamily="2" charset="0"/>
               <a:ea typeface="Roboto Thin" pitchFamily="2" charset="0"/>
             </a:endParaRPr>
@@ -3501,7 +3512,7 @@
         </p:nvSpPr>
         <p:spPr>
           <a:xfrm>
-            <a:off x="0" y="3429000"/>
+            <a:off x="0" y="3666067"/>
             <a:ext cx="9144000" cy="535589"/>
           </a:xfrm>
           <a:prstGeom prst="rect">
@@ -3556,8 +3567,8 @@
         </p:nvSpPr>
         <p:spPr>
           <a:xfrm>
-            <a:off x="0" y="3429000"/>
-            <a:ext cx="9143999" cy="535589"/>
+            <a:off x="0" y="3674535"/>
+            <a:ext cx="9143999" cy="527122"/>
           </a:xfrm>
           <a:prstGeom prst="rect">
             <a:avLst/>
@@ -3623,7 +3634,7 @@
         </p:nvSpPr>
         <p:spPr>
           <a:xfrm>
-            <a:off x="-1" y="3972310"/>
+            <a:off x="-1" y="4209377"/>
             <a:ext cx="9143999" cy="424507"/>
           </a:xfrm>
           <a:prstGeom prst="rect">
@@ -4000,7 +4011,7 @@
                 <a:spcPct val="112000"/>
               </a:lnSpc>
               <a:buClr>
-                <a:schemeClr val="accent6"/>
+                <a:schemeClr val="accent5"/>
               </a:buClr>
               <a:buFont typeface="Wingdings" panose="05000000000000000000" pitchFamily="2" charset="2"/>
               <a:buChar char="§"/>
@@ -4019,6 +4030,43 @@
           </a:p>
           <a:p>
             <a:pPr>
+              <a:lnSpc>
+                <a:spcPct val="112000"/>
+              </a:lnSpc>
+              <a:buClr>
+                <a:schemeClr val="accent5"/>
+              </a:buClr>
+              <a:buFont typeface="Wingdings" panose="05000000000000000000" pitchFamily="2" charset="2"/>
+              <a:buChar char="§"/>
+            </a:pPr>
+            <a:r>
+              <a:rPr lang="en-US" dirty="0" err="1" smtClean="0">
+                <a:latin typeface="Roboto Light" pitchFamily="2" charset="0"/>
+                <a:ea typeface="Roboto Light" pitchFamily="2" charset="0"/>
+              </a:rPr>
+              <a:t>Vorstellung</a:t>
+            </a:r>
+            <a:r>
+              <a:rPr lang="en-US" dirty="0" smtClean="0">
+                <a:latin typeface="Roboto Light" pitchFamily="2" charset="0"/>
+                <a:ea typeface="Roboto Light" pitchFamily="2" charset="0"/>
+              </a:rPr>
+              <a:t> der 5 </a:t>
+            </a:r>
+            <a:r>
+              <a:rPr lang="en-US" dirty="0" err="1" smtClean="0">
+                <a:latin typeface="Roboto Light" pitchFamily="2" charset="0"/>
+                <a:ea typeface="Roboto Light" pitchFamily="2" charset="0"/>
+              </a:rPr>
+              <a:t>Paradigmen</a:t>
+            </a:r>
+            <a:endParaRPr lang="en-US" dirty="0" smtClean="0">
+              <a:latin typeface="Roboto Light" pitchFamily="2" charset="0"/>
+              <a:ea typeface="Roboto Light" pitchFamily="2" charset="0"/>
+            </a:endParaRPr>
+          </a:p>
+          <a:p>
+            <a:pPr lvl="1">
               <a:lnSpc>
                 <a:spcPct val="112000"/>
               </a:lnSpc>
@@ -4029,84 +4077,71 @@
               <a:buChar char="§"/>
             </a:pPr>
             <a:r>
-              <a:rPr lang="en-US" dirty="0" err="1" smtClean="0">
-                <a:latin typeface="Roboto Light" pitchFamily="2" charset="0"/>
-                <a:ea typeface="Roboto Light" pitchFamily="2" charset="0"/>
-              </a:rPr>
-              <a:t>Vorstellung</a:t>
-            </a:r>
-            <a:r>
-              <a:rPr lang="en-US" dirty="0" smtClean="0">
-                <a:latin typeface="Roboto Light" pitchFamily="2" charset="0"/>
-                <a:ea typeface="Roboto Light" pitchFamily="2" charset="0"/>
-              </a:rPr>
-              <a:t> der 5 </a:t>
-            </a:r>
-            <a:r>
-              <a:rPr lang="en-US" dirty="0" err="1" smtClean="0">
-                <a:latin typeface="Roboto Light" pitchFamily="2" charset="0"/>
-                <a:ea typeface="Roboto Light" pitchFamily="2" charset="0"/>
-              </a:rPr>
-              <a:t>Paradigmen</a:t>
-            </a:r>
-            <a:endParaRPr lang="en-US" dirty="0" smtClean="0">
-              <a:latin typeface="Roboto Light" pitchFamily="2" charset="0"/>
-              <a:ea typeface="Roboto Light" pitchFamily="2" charset="0"/>
-            </a:endParaRPr>
-          </a:p>
-          <a:p>
-            <a:pPr marL="914400" lvl="1" indent="-457200">
-              <a:lnSpc>
-                <a:spcPct val="112000"/>
-              </a:lnSpc>
-              <a:buFont typeface="+mj-lt"/>
-              <a:buAutoNum type="arabicPeriod"/>
-            </a:pPr>
-            <a:r>
               <a:rPr lang="en-US" sz="2800" dirty="0" smtClean="0">
                 <a:latin typeface="Roboto Light" pitchFamily="2" charset="0"/>
                 <a:ea typeface="Roboto Light" pitchFamily="2" charset="0"/>
               </a:rPr>
-              <a:t>Human-Computer </a:t>
-            </a:r>
+              <a:t>Mensch-Computer-</a:t>
+            </a:r>
+            <a:r>
+              <a:rPr lang="en-US" sz="2800" dirty="0" err="1" smtClean="0">
+                <a:latin typeface="Roboto Light" pitchFamily="2" charset="0"/>
+                <a:ea typeface="Roboto Light" pitchFamily="2" charset="0"/>
+              </a:rPr>
+              <a:t>Kooperation</a:t>
+            </a:r>
+            <a:endParaRPr lang="en-US" sz="2800" dirty="0" smtClean="0">
+              <a:latin typeface="Roboto Light" pitchFamily="2" charset="0"/>
+              <a:ea typeface="Roboto Light" pitchFamily="2" charset="0"/>
+            </a:endParaRPr>
+          </a:p>
+          <a:p>
+            <a:pPr lvl="1">
+              <a:lnSpc>
+                <a:spcPct val="112000"/>
+              </a:lnSpc>
+              <a:buClr>
+                <a:schemeClr val="accent6"/>
+              </a:buClr>
+              <a:buFont typeface="Wingdings" panose="05000000000000000000" pitchFamily="2" charset="2"/>
+              <a:buChar char="§"/>
+            </a:pPr>
             <a:r>
               <a:rPr lang="en-US" sz="2800" dirty="0" smtClean="0">
                 <a:latin typeface="Roboto Light" pitchFamily="2" charset="0"/>
                 <a:ea typeface="Roboto Light" pitchFamily="2" charset="0"/>
               </a:rPr>
-              <a:t>Cooperation</a:t>
-            </a:r>
-          </a:p>
-          <a:p>
-            <a:pPr marL="914400" lvl="1" indent="-457200">
-              <a:lnSpc>
-                <a:spcPct val="112000"/>
-              </a:lnSpc>
-              <a:buFont typeface="+mj-lt"/>
-              <a:buAutoNum type="arabicPeriod"/>
-            </a:pPr>
+              <a:t>Hy</a:t>
+            </a:r>
             <a:r>
               <a:rPr lang="en-US" sz="2800" dirty="0" smtClean="0">
                 <a:latin typeface="Roboto Light" pitchFamily="2" charset="0"/>
                 <a:ea typeface="Roboto Light" pitchFamily="2" charset="0"/>
               </a:rPr>
-              <a:t>Identification through URIs</a:t>
-            </a:r>
-          </a:p>
-          <a:p>
-            <a:pPr marL="914400" lvl="1" indent="-457200">
+              <a:t>perlinks</a:t>
+            </a:r>
+            <a:endParaRPr lang="en-US" sz="2800" dirty="0" smtClean="0">
+              <a:latin typeface="Roboto Light" pitchFamily="2" charset="0"/>
+              <a:ea typeface="Roboto Light" pitchFamily="2" charset="0"/>
+            </a:endParaRPr>
+          </a:p>
+          <a:p>
+            <a:pPr lvl="1">
               <a:lnSpc>
                 <a:spcPct val="112000"/>
               </a:lnSpc>
-              <a:buFont typeface="+mj-lt"/>
-              <a:buAutoNum type="arabicPeriod"/>
+              <a:buClr>
+                <a:schemeClr val="accent6"/>
+              </a:buClr>
+              <a:buFont typeface="Wingdings" panose="05000000000000000000" pitchFamily="2" charset="2"/>
+              <a:buChar char="§"/>
             </a:pPr>
             <a:r>
               <a:rPr lang="en-US" sz="2800" dirty="0" smtClean="0">
                 <a:latin typeface="Roboto Light" pitchFamily="2" charset="0"/>
                 <a:ea typeface="Roboto Light" pitchFamily="2" charset="0"/>
               </a:rPr>
-              <a:t>Graph and Network Structures</a:t>
+              <a:t>Graphenstruktur</a:t>
             </a:r>
             <a:endParaRPr lang="en-US" sz="2800" dirty="0" smtClean="0">
               <a:latin typeface="Roboto Light" pitchFamily="2" charset="0"/>
@@ -4114,26 +4149,43 @@
             </a:endParaRPr>
           </a:p>
           <a:p>
-            <a:pPr marL="914400" lvl="1" indent="-457200">
+            <a:pPr lvl="1">
               <a:lnSpc>
                 <a:spcPct val="112000"/>
               </a:lnSpc>
-              <a:buFont typeface="+mj-lt"/>
-              <a:buAutoNum type="arabicPeriod"/>
+              <a:buClr>
+                <a:schemeClr val="accent6"/>
+              </a:buClr>
+              <a:buFont typeface="Wingdings" panose="05000000000000000000" pitchFamily="2" charset="2"/>
+              <a:buChar char="§"/>
             </a:pPr>
+            <a:r>
+              <a:rPr lang="en-US" sz="2800" dirty="0" err="1" smtClean="0">
+                <a:latin typeface="Roboto Light" pitchFamily="2" charset="0"/>
+                <a:ea typeface="Roboto Light" pitchFamily="2" charset="0"/>
+              </a:rPr>
+              <a:t>Trennung</a:t>
+            </a:r>
             <a:r>
               <a:rPr lang="en-US" sz="2800" dirty="0" smtClean="0">
                 <a:latin typeface="Roboto Light" pitchFamily="2" charset="0"/>
                 <a:ea typeface="Roboto Light" pitchFamily="2" charset="0"/>
               </a:rPr>
-              <a:t>Separation of fact and </a:t>
+              <a:t> von </a:t>
             </a:r>
             <a:r>
               <a:rPr lang="en-US" sz="2800" dirty="0" err="1" smtClean="0">
                 <a:latin typeface="Roboto Light" pitchFamily="2" charset="0"/>
                 <a:ea typeface="Roboto Light" pitchFamily="2" charset="0"/>
               </a:rPr>
-              <a:t>interpetation</a:t>
+              <a:t>Fakt</a:t>
+            </a:r>
+            <a:r>
+              <a:rPr lang="en-US" sz="2800" dirty="0" smtClean="0">
+                <a:latin typeface="Roboto Light" pitchFamily="2" charset="0"/>
+                <a:ea typeface="Roboto Light" pitchFamily="2" charset="0"/>
+              </a:rPr>
+              <a:t> und Interpretation</a:t>
             </a:r>
             <a:endParaRPr lang="en-US" sz="2800" dirty="0" smtClean="0">
               <a:latin typeface="Roboto Light" pitchFamily="2" charset="0"/>
@@ -4141,19 +4193,36 @@
             </a:endParaRPr>
           </a:p>
           <a:p>
-            <a:pPr marL="914400" lvl="1" indent="-457200">
+            <a:pPr lvl="1">
               <a:lnSpc>
                 <a:spcPct val="112000"/>
               </a:lnSpc>
-              <a:buFont typeface="+mj-lt"/>
-              <a:buAutoNum type="arabicPeriod"/>
+              <a:buClr>
+                <a:schemeClr val="accent6"/>
+              </a:buClr>
+              <a:buFont typeface="Wingdings" panose="05000000000000000000" pitchFamily="2" charset="2"/>
+              <a:buChar char="§"/>
             </a:pPr>
             <a:r>
               <a:rPr lang="en-US" sz="2800" dirty="0" smtClean="0">
                 <a:latin typeface="Roboto Light" pitchFamily="2" charset="0"/>
                 <a:ea typeface="Roboto Light" pitchFamily="2" charset="0"/>
               </a:rPr>
-              <a:t>The Open World Assumption</a:t>
+              <a:t>Die “Open </a:t>
+            </a:r>
+            <a:r>
+              <a:rPr lang="en-US" sz="2800" dirty="0" smtClean="0">
+                <a:latin typeface="Roboto Light" pitchFamily="2" charset="0"/>
+                <a:ea typeface="Roboto Light" pitchFamily="2" charset="0"/>
+              </a:rPr>
+              <a:t>World </a:t>
+            </a:r>
+            <a:r>
+              <a:rPr lang="en-US" sz="2800" dirty="0" smtClean="0">
+                <a:latin typeface="Roboto Light" pitchFamily="2" charset="0"/>
+                <a:ea typeface="Roboto Light" pitchFamily="2" charset="0"/>
+              </a:rPr>
+              <a:t>Assumption”</a:t>
             </a:r>
             <a:endParaRPr lang="en-US" sz="2800" dirty="0" smtClean="0">
               <a:latin typeface="Roboto Light" pitchFamily="2" charset="0"/>
@@ -4166,7 +4235,7 @@
                 <a:spcPct val="112000"/>
               </a:lnSpc>
               <a:buClr>
-                <a:schemeClr val="accent6"/>
+                <a:schemeClr val="accent5"/>
               </a:buClr>
               <a:buFont typeface="Wingdings" panose="05000000000000000000" pitchFamily="2" charset="2"/>
               <a:buChar char="§"/>
@@ -4287,7 +4356,7 @@
                 <a:latin typeface="Roboto Slab Bold" pitchFamily="2" charset="0"/>
                 <a:ea typeface="Roboto Slab Bold" pitchFamily="2" charset="0"/>
               </a:rPr>
-              <a:t>Gliederung</a:t>
+              <a:t>Einleitung</a:t>
             </a:r>
             <a:endParaRPr lang="en-US" sz="4000" dirty="0">
               <a:latin typeface="Roboto Slab Bold" pitchFamily="2" charset="0"/>
@@ -4323,230 +4392,11 @@
                 <a:spcPct val="112000"/>
               </a:lnSpc>
               <a:buClr>
-                <a:schemeClr val="accent6"/>
+                <a:schemeClr val="accent5"/>
               </a:buClr>
               <a:buFont typeface="Wingdings" panose="05000000000000000000" pitchFamily="2" charset="2"/>
               <a:buChar char="§"/>
             </a:pPr>
-            <a:r>
-              <a:rPr lang="en-US" dirty="0" err="1" smtClean="0">
-                <a:latin typeface="Roboto Light" pitchFamily="2" charset="0"/>
-                <a:ea typeface="Roboto Light" pitchFamily="2" charset="0"/>
-              </a:rPr>
-              <a:t>Einleitung</a:t>
-            </a:r>
-            <a:endParaRPr lang="en-US" dirty="0" smtClean="0">
-              <a:latin typeface="Roboto Light" pitchFamily="2" charset="0"/>
-              <a:ea typeface="Roboto Light" pitchFamily="2" charset="0"/>
-            </a:endParaRPr>
-          </a:p>
-          <a:p>
-            <a:pPr>
-              <a:lnSpc>
-                <a:spcPct val="112000"/>
-              </a:lnSpc>
-              <a:buClr>
-                <a:schemeClr val="accent6"/>
-              </a:buClr>
-              <a:buFont typeface="Wingdings" panose="05000000000000000000" pitchFamily="2" charset="2"/>
-              <a:buChar char="§"/>
-            </a:pPr>
-            <a:r>
-              <a:rPr lang="en-US" dirty="0" err="1" smtClean="0">
-                <a:latin typeface="Roboto Light" pitchFamily="2" charset="0"/>
-                <a:ea typeface="Roboto Light" pitchFamily="2" charset="0"/>
-              </a:rPr>
-              <a:t>Vorstellung</a:t>
-            </a:r>
-            <a:r>
-              <a:rPr lang="en-US" dirty="0" smtClean="0">
-                <a:latin typeface="Roboto Light" pitchFamily="2" charset="0"/>
-                <a:ea typeface="Roboto Light" pitchFamily="2" charset="0"/>
-              </a:rPr>
-              <a:t> der 5 </a:t>
-            </a:r>
-            <a:r>
-              <a:rPr lang="en-US" dirty="0" err="1" smtClean="0">
-                <a:latin typeface="Roboto Light" pitchFamily="2" charset="0"/>
-                <a:ea typeface="Roboto Light" pitchFamily="2" charset="0"/>
-              </a:rPr>
-              <a:t>Paradigmen</a:t>
-            </a:r>
-            <a:endParaRPr lang="en-US" dirty="0" smtClean="0">
-              <a:latin typeface="Roboto Light" pitchFamily="2" charset="0"/>
-              <a:ea typeface="Roboto Light" pitchFamily="2" charset="0"/>
-            </a:endParaRPr>
-          </a:p>
-          <a:p>
-            <a:pPr marL="914400" lvl="1" indent="-457200">
-              <a:lnSpc>
-                <a:spcPct val="112000"/>
-              </a:lnSpc>
-              <a:buFont typeface="+mj-lt"/>
-              <a:buAutoNum type="arabicPeriod"/>
-            </a:pPr>
-            <a:r>
-              <a:rPr lang="en-US" sz="2800" dirty="0" smtClean="0">
-                <a:latin typeface="Roboto Light" pitchFamily="2" charset="0"/>
-                <a:ea typeface="Roboto Light" pitchFamily="2" charset="0"/>
-              </a:rPr>
-              <a:t>Mensch-Computer </a:t>
-            </a:r>
-            <a:r>
-              <a:rPr lang="en-US" sz="2800" dirty="0" err="1" smtClean="0">
-                <a:latin typeface="Roboto Light" pitchFamily="2" charset="0"/>
-                <a:ea typeface="Roboto Light" pitchFamily="2" charset="0"/>
-              </a:rPr>
-              <a:t>Kooperation</a:t>
-            </a:r>
-            <a:endParaRPr lang="en-US" sz="2800" dirty="0" smtClean="0">
-              <a:latin typeface="Roboto Light" pitchFamily="2" charset="0"/>
-              <a:ea typeface="Roboto Light" pitchFamily="2" charset="0"/>
-            </a:endParaRPr>
-          </a:p>
-          <a:p>
-            <a:pPr marL="914400" lvl="1" indent="-457200">
-              <a:lnSpc>
-                <a:spcPct val="112000"/>
-              </a:lnSpc>
-              <a:buFont typeface="+mj-lt"/>
-              <a:buAutoNum type="arabicPeriod"/>
-            </a:pPr>
-            <a:r>
-              <a:rPr lang="en-US" sz="2800" dirty="0" err="1" smtClean="0">
-                <a:latin typeface="Roboto Light" pitchFamily="2" charset="0"/>
-                <a:ea typeface="Roboto Light" pitchFamily="2" charset="0"/>
-              </a:rPr>
-              <a:t>Identifikation</a:t>
-            </a:r>
-            <a:r>
-              <a:rPr lang="en-US" sz="2800" dirty="0" smtClean="0">
-                <a:latin typeface="Roboto Light" pitchFamily="2" charset="0"/>
-                <a:ea typeface="Roboto Light" pitchFamily="2" charset="0"/>
-              </a:rPr>
-              <a:t> </a:t>
-            </a:r>
-            <a:r>
-              <a:rPr lang="en-US" sz="2800" dirty="0" err="1" smtClean="0">
-                <a:latin typeface="Roboto Light" pitchFamily="2" charset="0"/>
-                <a:ea typeface="Roboto Light" pitchFamily="2" charset="0"/>
-              </a:rPr>
-              <a:t>durch</a:t>
-            </a:r>
-            <a:r>
-              <a:rPr lang="en-US" sz="2800" dirty="0" smtClean="0">
-                <a:latin typeface="Roboto Light" pitchFamily="2" charset="0"/>
-                <a:ea typeface="Roboto Light" pitchFamily="2" charset="0"/>
-              </a:rPr>
-              <a:t> URLs</a:t>
-            </a:r>
-          </a:p>
-          <a:p>
-            <a:pPr marL="914400" lvl="1" indent="-457200">
-              <a:lnSpc>
-                <a:spcPct val="112000"/>
-              </a:lnSpc>
-              <a:buFont typeface="+mj-lt"/>
-              <a:buAutoNum type="arabicPeriod"/>
-            </a:pPr>
-            <a:r>
-              <a:rPr lang="en-US" sz="2800" dirty="0" err="1" smtClean="0">
-                <a:latin typeface="Roboto Light" pitchFamily="2" charset="0"/>
-                <a:ea typeface="Roboto Light" pitchFamily="2" charset="0"/>
-              </a:rPr>
-              <a:t>Graphenstruktur</a:t>
-            </a:r>
-            <a:endParaRPr lang="en-US" sz="2800" dirty="0" smtClean="0">
-              <a:latin typeface="Roboto Light" pitchFamily="2" charset="0"/>
-              <a:ea typeface="Roboto Light" pitchFamily="2" charset="0"/>
-            </a:endParaRPr>
-          </a:p>
-          <a:p>
-            <a:pPr marL="914400" lvl="1" indent="-457200">
-              <a:lnSpc>
-                <a:spcPct val="112000"/>
-              </a:lnSpc>
-              <a:buFont typeface="+mj-lt"/>
-              <a:buAutoNum type="arabicPeriod"/>
-            </a:pPr>
-            <a:r>
-              <a:rPr lang="en-US" sz="2800" dirty="0" err="1" smtClean="0">
-                <a:latin typeface="Roboto Light" pitchFamily="2" charset="0"/>
-                <a:ea typeface="Roboto Light" pitchFamily="2" charset="0"/>
-              </a:rPr>
-              <a:t>Trennung</a:t>
-            </a:r>
-            <a:r>
-              <a:rPr lang="en-US" sz="2800" dirty="0" smtClean="0">
-                <a:latin typeface="Roboto Light" pitchFamily="2" charset="0"/>
-                <a:ea typeface="Roboto Light" pitchFamily="2" charset="0"/>
-              </a:rPr>
-              <a:t> von </a:t>
-            </a:r>
-            <a:r>
-              <a:rPr lang="en-US" sz="2800" dirty="0" err="1" smtClean="0">
-                <a:latin typeface="Roboto Light" pitchFamily="2" charset="0"/>
-                <a:ea typeface="Roboto Light" pitchFamily="2" charset="0"/>
-              </a:rPr>
-              <a:t>Fakt</a:t>
-            </a:r>
-            <a:r>
-              <a:rPr lang="en-US" sz="2800" dirty="0" smtClean="0">
-                <a:latin typeface="Roboto Light" pitchFamily="2" charset="0"/>
-                <a:ea typeface="Roboto Light" pitchFamily="2" charset="0"/>
-              </a:rPr>
-              <a:t> </a:t>
-            </a:r>
-            <a:r>
-              <a:rPr lang="en-US" sz="2800" smtClean="0">
-                <a:latin typeface="Roboto Light" pitchFamily="2" charset="0"/>
-                <a:ea typeface="Roboto Light" pitchFamily="2" charset="0"/>
-              </a:rPr>
-              <a:t>und Interpretation</a:t>
-            </a:r>
-            <a:endParaRPr lang="en-US" sz="2800" dirty="0" smtClean="0">
-              <a:latin typeface="Roboto Light" pitchFamily="2" charset="0"/>
-              <a:ea typeface="Roboto Light" pitchFamily="2" charset="0"/>
-            </a:endParaRPr>
-          </a:p>
-          <a:p>
-            <a:pPr marL="914400" lvl="1" indent="-457200">
-              <a:lnSpc>
-                <a:spcPct val="112000"/>
-              </a:lnSpc>
-              <a:buFont typeface="+mj-lt"/>
-              <a:buAutoNum type="arabicPeriod"/>
-            </a:pPr>
-            <a:r>
-              <a:rPr lang="en-US" sz="2800" dirty="0" smtClean="0">
-                <a:latin typeface="Roboto Light" pitchFamily="2" charset="0"/>
-                <a:ea typeface="Roboto Light" pitchFamily="2" charset="0"/>
-              </a:rPr>
-              <a:t>Die “Open World Assumption”</a:t>
-            </a:r>
-            <a:endParaRPr lang="en-US" sz="2800" dirty="0" smtClean="0">
-              <a:latin typeface="Roboto Light" pitchFamily="2" charset="0"/>
-              <a:ea typeface="Roboto Light" pitchFamily="2" charset="0"/>
-            </a:endParaRPr>
-          </a:p>
-          <a:p>
-            <a:pPr>
-              <a:lnSpc>
-                <a:spcPct val="112000"/>
-              </a:lnSpc>
-              <a:buClr>
-                <a:schemeClr val="accent6"/>
-              </a:buClr>
-              <a:buFont typeface="Wingdings" panose="05000000000000000000" pitchFamily="2" charset="2"/>
-              <a:buChar char="§"/>
-            </a:pPr>
-            <a:r>
-              <a:rPr lang="en-US" dirty="0" err="1" smtClean="0">
-                <a:latin typeface="Roboto Light" pitchFamily="2" charset="0"/>
-                <a:ea typeface="Roboto Light" pitchFamily="2" charset="0"/>
-              </a:rPr>
-              <a:t>Ausblick</a:t>
-            </a:r>
             <a:endParaRPr lang="en-US" dirty="0">
               <a:latin typeface="Roboto Light" pitchFamily="2" charset="0"/>
               <a:ea typeface="Roboto Light" pitchFamily="2" charset="0"/>
@@ -4595,7 +4445,7 @@
     </p:spTree>
     <p:extLst>
       <p:ext uri="{BB962C8B-B14F-4D97-AF65-F5344CB8AC3E}">
-        <p14:creationId xmlns:p14="http://schemas.microsoft.com/office/powerpoint/2010/main" val="2970924042"/>
+        <p14:creationId xmlns:p14="http://schemas.microsoft.com/office/powerpoint/2010/main" val="1477263467"/>
       </p:ext>
     </p:extLst>
   </p:cSld>
@@ -4615,7 +4465,7 @@
 <file path=ppt/theme/theme1.xml><?xml version="1.0" encoding="utf-8"?>
 <a:theme xmlns:a="http://schemas.openxmlformats.org/drawingml/2006/main" name="Office Theme">
   <a:themeElements>
-    <a:clrScheme name="Office Theme">
+    <a:clrScheme name="Fannon">
       <a:dk1>
         <a:sysClr val="windowText" lastClr="000000"/>
       </a:dk1>
@@ -4623,10 +4473,10 @@
         <a:sysClr val="window" lastClr="FFFFFF"/>
       </a:lt1>
       <a:dk2>
-        <a:srgbClr val="44546A"/>
+        <a:srgbClr val="262626"/>
       </a:dk2>
       <a:lt2>
-        <a:srgbClr val="E7E6E6"/>
+        <a:srgbClr val="F2F2F2"/>
       </a:lt2>
       <a:accent1>
         <a:srgbClr val="5B9BD5"/>
@@ -4641,13 +4491,13 @@
         <a:srgbClr val="FFC000"/>
       </a:accent4>
       <a:accent5>
-        <a:srgbClr val="4472C4"/>
+        <a:srgbClr val="4D9596"/>
       </a:accent5>
       <a:accent6>
-        <a:srgbClr val="70AD47"/>
+        <a:srgbClr val="A0D349"/>
       </a:accent6>
       <a:hlink>
-        <a:srgbClr val="0563C1"/>
+        <a:srgbClr val="2758B5"/>
       </a:hlink>
       <a:folHlink>
         <a:srgbClr val="954F72"/>

--- a/Semantic Web Paradigmen PPT.pptx
+++ b/Semantic Web Paradigmen PPT.pptx
@@ -8,6 +8,12 @@
     <p:sldId id="256" r:id="rId2"/>
     <p:sldId id="258" r:id="rId3"/>
     <p:sldId id="261" r:id="rId4"/>
+    <p:sldId id="262" r:id="rId5"/>
+    <p:sldId id="263" r:id="rId6"/>
+    <p:sldId id="265" r:id="rId7"/>
+    <p:sldId id="266" r:id="rId8"/>
+    <p:sldId id="268" r:id="rId9"/>
+    <p:sldId id="267" r:id="rId10"/>
   </p:sldIdLst>
   <p:sldSz cx="9144000" cy="6858000" type="screen4x3"/>
   <p:notesSz cx="6858000" cy="9144000"/>
@@ -4397,7 +4403,68 @@
               <a:buFont typeface="Wingdings" panose="05000000000000000000" pitchFamily="2" charset="2"/>
               <a:buChar char="§"/>
             </a:pPr>
-            <a:endParaRPr lang="en-US" dirty="0">
+            <a:r>
+              <a:rPr lang="de-DE" dirty="0" smtClean="0">
+                <a:latin typeface="Roboto Light" pitchFamily="2" charset="0"/>
+                <a:ea typeface="Roboto Light" pitchFamily="2" charset="0"/>
+              </a:rPr>
+              <a:t>Begriffsklärung: Semantic Web ~ Linked Data</a:t>
+            </a:r>
+          </a:p>
+          <a:p>
+            <a:pPr>
+              <a:lnSpc>
+                <a:spcPct val="112000"/>
+              </a:lnSpc>
+              <a:buClr>
+                <a:schemeClr val="accent5"/>
+              </a:buClr>
+              <a:buFont typeface="Wingdings" panose="05000000000000000000" pitchFamily="2" charset="2"/>
+              <a:buChar char="§"/>
+            </a:pPr>
+            <a:r>
+              <a:rPr lang="de-DE" dirty="0" smtClean="0">
+                <a:latin typeface="Roboto Light" pitchFamily="2" charset="0"/>
+                <a:ea typeface="Roboto Light" pitchFamily="2" charset="0"/>
+              </a:rPr>
+              <a:t>Üblicherweise wird das Semantic Web anhand der verwendeten Technologien erklärt</a:t>
+            </a:r>
+          </a:p>
+          <a:p>
+            <a:pPr>
+              <a:lnSpc>
+                <a:spcPct val="112000"/>
+              </a:lnSpc>
+              <a:buClr>
+                <a:schemeClr val="accent5"/>
+              </a:buClr>
+              <a:buFont typeface="Wingdings" panose="05000000000000000000" pitchFamily="2" charset="2"/>
+              <a:buChar char="§"/>
+            </a:pPr>
+            <a:r>
+              <a:rPr lang="de-DE" dirty="0" smtClean="0">
+                <a:latin typeface="Roboto Light" pitchFamily="2" charset="0"/>
+                <a:ea typeface="Roboto Light" pitchFamily="2" charset="0"/>
+              </a:rPr>
+              <a:t>Hier: Erklärung der Konzepte / Paradigmen dahinter</a:t>
+            </a:r>
+            <a:endParaRPr lang="de-DE" dirty="0" smtClean="0">
+              <a:latin typeface="Roboto Light" pitchFamily="2" charset="0"/>
+              <a:ea typeface="Roboto Light" pitchFamily="2" charset="0"/>
+            </a:endParaRPr>
+          </a:p>
+          <a:p>
+            <a:pPr>
+              <a:lnSpc>
+                <a:spcPct val="112000"/>
+              </a:lnSpc>
+              <a:buClr>
+                <a:schemeClr val="accent5"/>
+              </a:buClr>
+              <a:buFont typeface="Wingdings" panose="05000000000000000000" pitchFamily="2" charset="2"/>
+              <a:buChar char="§"/>
+            </a:pPr>
+            <a:endParaRPr lang="de-DE" dirty="0">
               <a:latin typeface="Roboto Light" pitchFamily="2" charset="0"/>
               <a:ea typeface="Roboto Light" pitchFamily="2" charset="0"/>
             </a:endParaRPr>
@@ -4446,6 +4513,1721 @@
     <p:extLst>
       <p:ext uri="{BB962C8B-B14F-4D97-AF65-F5344CB8AC3E}">
         <p14:creationId xmlns:p14="http://schemas.microsoft.com/office/powerpoint/2010/main" val="1477263467"/>
+      </p:ext>
+    </p:extLst>
+  </p:cSld>
+  <p:clrMapOvr>
+    <a:masterClrMapping/>
+  </p:clrMapOvr>
+  <p:timing>
+    <p:tnLst>
+      <p:par>
+        <p:cTn id="1" dur="indefinite" restart="never" nodeType="tmRoot"/>
+      </p:par>
+    </p:tnLst>
+  </p:timing>
+</p:sld>
+</file>
+
+<file path=ppt/slides/slide4.xml><?xml version="1.0" encoding="utf-8"?>
+<p:sld xmlns:a="http://schemas.openxmlformats.org/drawingml/2006/main" xmlns:r="http://schemas.openxmlformats.org/officeDocument/2006/relationships" xmlns:p="http://schemas.openxmlformats.org/presentationml/2006/main">
+  <p:cSld>
+    <p:spTree>
+      <p:nvGrpSpPr>
+        <p:cNvPr id="1" name=""/>
+        <p:cNvGrpSpPr/>
+        <p:nvPr/>
+      </p:nvGrpSpPr>
+      <p:grpSpPr>
+        <a:xfrm>
+          <a:off x="0" y="0"/>
+          <a:ext cx="0" cy="0"/>
+          <a:chOff x="0" y="0"/>
+          <a:chExt cx="0" cy="0"/>
+        </a:xfrm>
+      </p:grpSpPr>
+      <p:sp>
+        <p:nvSpPr>
+          <p:cNvPr id="2" name="Titel 1"/>
+          <p:cNvSpPr>
+            <a:spLocks noGrp="1"/>
+          </p:cNvSpPr>
+          <p:nvPr>
+            <p:ph type="title"/>
+          </p:nvPr>
+        </p:nvSpPr>
+        <p:spPr>
+          <a:xfrm>
+            <a:off x="433387" y="333375"/>
+            <a:ext cx="8277225" cy="865393"/>
+          </a:xfrm>
+        </p:spPr>
+        <p:txBody>
+          <a:bodyPr anchor="b">
+            <a:normAutofit/>
+          </a:bodyPr>
+          <a:lstStyle/>
+          <a:p>
+            <a:r>
+              <a:rPr lang="de-DE" sz="4000" dirty="0" smtClean="0">
+                <a:latin typeface="Roboto Slab Bold" pitchFamily="2" charset="0"/>
+                <a:ea typeface="Roboto Slab Bold" pitchFamily="2" charset="0"/>
+              </a:rPr>
+              <a:t>Einleitung</a:t>
+            </a:r>
+            <a:endParaRPr lang="en-US" sz="4000" dirty="0">
+              <a:latin typeface="Roboto Slab Bold" pitchFamily="2" charset="0"/>
+              <a:ea typeface="Roboto Slab Bold" pitchFamily="2" charset="0"/>
+            </a:endParaRPr>
+          </a:p>
+        </p:txBody>
+      </p:sp>
+      <p:sp>
+        <p:nvSpPr>
+          <p:cNvPr id="3" name="Inhaltsplatzhalter 2"/>
+          <p:cNvSpPr>
+            <a:spLocks noGrp="1"/>
+          </p:cNvSpPr>
+          <p:nvPr>
+            <p:ph idx="1"/>
+          </p:nvPr>
+        </p:nvSpPr>
+        <p:spPr>
+          <a:xfrm>
+            <a:off x="433387" y="1404744"/>
+            <a:ext cx="8277225" cy="1304589"/>
+          </a:xfrm>
+          <a:solidFill>
+            <a:schemeClr val="bg1">
+              <a:lumMod val="95000"/>
+            </a:schemeClr>
+          </a:solidFill>
+        </p:spPr>
+        <p:txBody>
+          <a:bodyPr>
+            <a:normAutofit/>
+          </a:bodyPr>
+          <a:lstStyle/>
+          <a:p>
+            <a:pPr marL="0" indent="0">
+              <a:lnSpc>
+                <a:spcPct val="112000"/>
+              </a:lnSpc>
+              <a:buClr>
+                <a:schemeClr val="accent5"/>
+              </a:buClr>
+              <a:buNone/>
+            </a:pPr>
+            <a:r>
+              <a:rPr lang="de-DE" sz="2400" dirty="0">
+                <a:latin typeface="Roboto Slab Thin" pitchFamily="2" charset="0"/>
+                <a:ea typeface="Roboto Slab Thin" pitchFamily="2" charset="0"/>
+              </a:rPr>
+              <a:t>Wer als Werkzeug nur einen Hammer hat, sieht in </a:t>
+            </a:r>
+            <a:r>
+              <a:rPr lang="de-DE" sz="2400" dirty="0" smtClean="0">
+                <a:latin typeface="Roboto Slab Thin" pitchFamily="2" charset="0"/>
+                <a:ea typeface="Roboto Slab Thin" pitchFamily="2" charset="0"/>
+              </a:rPr>
+              <a:t>jedem Problem einen </a:t>
+            </a:r>
+            <a:r>
+              <a:rPr lang="de-DE" sz="2400" dirty="0">
+                <a:latin typeface="Roboto Slab Thin" pitchFamily="2" charset="0"/>
+                <a:ea typeface="Roboto Slab Thin" pitchFamily="2" charset="0"/>
+              </a:rPr>
+              <a:t>Nagel </a:t>
+            </a:r>
+            <a:r>
+              <a:rPr lang="de-DE" sz="2400" dirty="0" smtClean="0">
+                <a:latin typeface="Roboto Slab Thin" pitchFamily="2" charset="0"/>
+                <a:ea typeface="Roboto Slab Thin" pitchFamily="2" charset="0"/>
+              </a:rPr>
+              <a:t>. </a:t>
+            </a:r>
+            <a:r>
+              <a:rPr lang="de-DE" dirty="0">
+                <a:latin typeface="Roboto Slab Thin" pitchFamily="2" charset="0"/>
+                <a:ea typeface="Roboto Slab Thin" pitchFamily="2" charset="0"/>
+              </a:rPr>
+              <a:t/>
+            </a:r>
+            <a:br>
+              <a:rPr lang="de-DE" dirty="0">
+                <a:latin typeface="Roboto Slab Thin" pitchFamily="2" charset="0"/>
+                <a:ea typeface="Roboto Slab Thin" pitchFamily="2" charset="0"/>
+              </a:rPr>
+            </a:br>
+            <a:r>
+              <a:rPr lang="de-DE" sz="1800" dirty="0" smtClean="0">
+                <a:latin typeface="Roboto Slab Thin" pitchFamily="2" charset="0"/>
+                <a:ea typeface="Roboto Slab Thin" pitchFamily="2" charset="0"/>
+              </a:rPr>
+              <a:t>						   (Unbekannter Autor)</a:t>
+            </a:r>
+            <a:endParaRPr lang="de-DE" sz="1800" dirty="0">
+              <a:latin typeface="Roboto Slab Thin" pitchFamily="2" charset="0"/>
+              <a:ea typeface="Roboto Slab Thin" pitchFamily="2" charset="0"/>
+            </a:endParaRPr>
+          </a:p>
+        </p:txBody>
+      </p:sp>
+      <p:cxnSp>
+        <p:nvCxnSpPr>
+          <p:cNvPr id="5" name="Gerader Verbinder 4"/>
+          <p:cNvCxnSpPr/>
+          <p:nvPr/>
+        </p:nvCxnSpPr>
+        <p:spPr>
+          <a:xfrm>
+            <a:off x="496715" y="1198768"/>
+            <a:ext cx="8215112" cy="0"/>
+          </a:xfrm>
+          <a:prstGeom prst="line">
+            <a:avLst/>
+          </a:prstGeom>
+          <a:ln w="28575">
+            <a:solidFill>
+              <a:schemeClr val="bg1">
+                <a:lumMod val="75000"/>
+              </a:schemeClr>
+            </a:solidFill>
+            <a:prstDash val="sysDot"/>
+          </a:ln>
+        </p:spPr>
+        <p:style>
+          <a:lnRef idx="1">
+            <a:schemeClr val="accent1"/>
+          </a:lnRef>
+          <a:fillRef idx="0">
+            <a:schemeClr val="accent1"/>
+          </a:fillRef>
+          <a:effectRef idx="0">
+            <a:schemeClr val="accent1"/>
+          </a:effectRef>
+          <a:fontRef idx="minor">
+            <a:schemeClr val="tx1"/>
+          </a:fontRef>
+        </p:style>
+      </p:cxnSp>
+      <p:sp>
+        <p:nvSpPr>
+          <p:cNvPr id="6" name="Inhaltsplatzhalter 2"/>
+          <p:cNvSpPr txBox="1">
+            <a:spLocks/>
+          </p:cNvSpPr>
+          <p:nvPr/>
+        </p:nvSpPr>
+        <p:spPr>
+          <a:xfrm>
+            <a:off x="433387" y="2915308"/>
+            <a:ext cx="8277225" cy="2781299"/>
+          </a:xfrm>
+          <a:prstGeom prst="rect">
+            <a:avLst/>
+          </a:prstGeom>
+        </p:spPr>
+        <p:txBody>
+          <a:bodyPr vert="horz" lIns="91440" tIns="45720" rIns="91440" bIns="45720" rtlCol="0">
+            <a:normAutofit/>
+          </a:bodyPr>
+          <a:lstStyle>
+            <a:lvl1pPr marL="228600" indent="-228600" algn="l" defTabSz="914400" rtl="0" eaLnBrk="1" latinLnBrk="0" hangingPunct="1">
+              <a:lnSpc>
+                <a:spcPct val="90000"/>
+              </a:lnSpc>
+              <a:spcBef>
+                <a:spcPts val="1000"/>
+              </a:spcBef>
+              <a:buFont typeface="Arial" panose="020B0604020202020204" pitchFamily="34" charset="0"/>
+              <a:buChar char="•"/>
+              <a:defRPr sz="2800" kern="1200">
+                <a:solidFill>
+                  <a:schemeClr val="tx1"/>
+                </a:solidFill>
+                <a:latin typeface="+mn-lt"/>
+                <a:ea typeface="+mn-ea"/>
+                <a:cs typeface="+mn-cs"/>
+              </a:defRPr>
+            </a:lvl1pPr>
+            <a:lvl2pPr marL="685800" indent="-228600" algn="l" defTabSz="914400" rtl="0" eaLnBrk="1" latinLnBrk="0" hangingPunct="1">
+              <a:lnSpc>
+                <a:spcPct val="90000"/>
+              </a:lnSpc>
+              <a:spcBef>
+                <a:spcPts val="500"/>
+              </a:spcBef>
+              <a:buFont typeface="Arial" panose="020B0604020202020204" pitchFamily="34" charset="0"/>
+              <a:buChar char="•"/>
+              <a:defRPr sz="2400" kern="1200">
+                <a:solidFill>
+                  <a:schemeClr val="tx1"/>
+                </a:solidFill>
+                <a:latin typeface="+mn-lt"/>
+                <a:ea typeface="+mn-ea"/>
+                <a:cs typeface="+mn-cs"/>
+              </a:defRPr>
+            </a:lvl2pPr>
+            <a:lvl3pPr marL="1143000" indent="-228600" algn="l" defTabSz="914400" rtl="0" eaLnBrk="1" latinLnBrk="0" hangingPunct="1">
+              <a:lnSpc>
+                <a:spcPct val="90000"/>
+              </a:lnSpc>
+              <a:spcBef>
+                <a:spcPts val="500"/>
+              </a:spcBef>
+              <a:buFont typeface="Arial" panose="020B0604020202020204" pitchFamily="34" charset="0"/>
+              <a:buChar char="•"/>
+              <a:defRPr sz="2000" kern="1200">
+                <a:solidFill>
+                  <a:schemeClr val="tx1"/>
+                </a:solidFill>
+                <a:latin typeface="+mn-lt"/>
+                <a:ea typeface="+mn-ea"/>
+                <a:cs typeface="+mn-cs"/>
+              </a:defRPr>
+            </a:lvl3pPr>
+            <a:lvl4pPr marL="1600200" indent="-228600" algn="l" defTabSz="914400" rtl="0" eaLnBrk="1" latinLnBrk="0" hangingPunct="1">
+              <a:lnSpc>
+                <a:spcPct val="90000"/>
+              </a:lnSpc>
+              <a:spcBef>
+                <a:spcPts val="500"/>
+              </a:spcBef>
+              <a:buFont typeface="Arial" panose="020B0604020202020204" pitchFamily="34" charset="0"/>
+              <a:buChar char="•"/>
+              <a:defRPr sz="1800" kern="1200">
+                <a:solidFill>
+                  <a:schemeClr val="tx1"/>
+                </a:solidFill>
+                <a:latin typeface="+mn-lt"/>
+                <a:ea typeface="+mn-ea"/>
+                <a:cs typeface="+mn-cs"/>
+              </a:defRPr>
+            </a:lvl4pPr>
+            <a:lvl5pPr marL="2057400" indent="-228600" algn="l" defTabSz="914400" rtl="0" eaLnBrk="1" latinLnBrk="0" hangingPunct="1">
+              <a:lnSpc>
+                <a:spcPct val="90000"/>
+              </a:lnSpc>
+              <a:spcBef>
+                <a:spcPts val="500"/>
+              </a:spcBef>
+              <a:buFont typeface="Arial" panose="020B0604020202020204" pitchFamily="34" charset="0"/>
+              <a:buChar char="•"/>
+              <a:defRPr sz="1800" kern="1200">
+                <a:solidFill>
+                  <a:schemeClr val="tx1"/>
+                </a:solidFill>
+                <a:latin typeface="+mn-lt"/>
+                <a:ea typeface="+mn-ea"/>
+                <a:cs typeface="+mn-cs"/>
+              </a:defRPr>
+            </a:lvl5pPr>
+            <a:lvl6pPr marL="2514600" indent="-228600" algn="l" defTabSz="914400" rtl="0" eaLnBrk="1" latinLnBrk="0" hangingPunct="1">
+              <a:lnSpc>
+                <a:spcPct val="90000"/>
+              </a:lnSpc>
+              <a:spcBef>
+                <a:spcPts val="500"/>
+              </a:spcBef>
+              <a:buFont typeface="Arial" panose="020B0604020202020204" pitchFamily="34" charset="0"/>
+              <a:buChar char="•"/>
+              <a:defRPr sz="1800" kern="1200">
+                <a:solidFill>
+                  <a:schemeClr val="tx1"/>
+                </a:solidFill>
+                <a:latin typeface="+mn-lt"/>
+                <a:ea typeface="+mn-ea"/>
+                <a:cs typeface="+mn-cs"/>
+              </a:defRPr>
+            </a:lvl6pPr>
+            <a:lvl7pPr marL="2971800" indent="-228600" algn="l" defTabSz="914400" rtl="0" eaLnBrk="1" latinLnBrk="0" hangingPunct="1">
+              <a:lnSpc>
+                <a:spcPct val="90000"/>
+              </a:lnSpc>
+              <a:spcBef>
+                <a:spcPts val="500"/>
+              </a:spcBef>
+              <a:buFont typeface="Arial" panose="020B0604020202020204" pitchFamily="34" charset="0"/>
+              <a:buChar char="•"/>
+              <a:defRPr sz="1800" kern="1200">
+                <a:solidFill>
+                  <a:schemeClr val="tx1"/>
+                </a:solidFill>
+                <a:latin typeface="+mn-lt"/>
+                <a:ea typeface="+mn-ea"/>
+                <a:cs typeface="+mn-cs"/>
+              </a:defRPr>
+            </a:lvl7pPr>
+            <a:lvl8pPr marL="3429000" indent="-228600" algn="l" defTabSz="914400" rtl="0" eaLnBrk="1" latinLnBrk="0" hangingPunct="1">
+              <a:lnSpc>
+                <a:spcPct val="90000"/>
+              </a:lnSpc>
+              <a:spcBef>
+                <a:spcPts val="500"/>
+              </a:spcBef>
+              <a:buFont typeface="Arial" panose="020B0604020202020204" pitchFamily="34" charset="0"/>
+              <a:buChar char="•"/>
+              <a:defRPr sz="1800" kern="1200">
+                <a:solidFill>
+                  <a:schemeClr val="tx1"/>
+                </a:solidFill>
+                <a:latin typeface="+mn-lt"/>
+                <a:ea typeface="+mn-ea"/>
+                <a:cs typeface="+mn-cs"/>
+              </a:defRPr>
+            </a:lvl8pPr>
+            <a:lvl9pPr marL="3886200" indent="-228600" algn="l" defTabSz="914400" rtl="0" eaLnBrk="1" latinLnBrk="0" hangingPunct="1">
+              <a:lnSpc>
+                <a:spcPct val="90000"/>
+              </a:lnSpc>
+              <a:spcBef>
+                <a:spcPts val="500"/>
+              </a:spcBef>
+              <a:buFont typeface="Arial" panose="020B0604020202020204" pitchFamily="34" charset="0"/>
+              <a:buChar char="•"/>
+              <a:defRPr sz="1800" kern="1200">
+                <a:solidFill>
+                  <a:schemeClr val="tx1"/>
+                </a:solidFill>
+                <a:latin typeface="+mn-lt"/>
+                <a:ea typeface="+mn-ea"/>
+                <a:cs typeface="+mn-cs"/>
+              </a:defRPr>
+            </a:lvl9pPr>
+          </a:lstStyle>
+          <a:p>
+            <a:pPr>
+              <a:lnSpc>
+                <a:spcPct val="112000"/>
+              </a:lnSpc>
+              <a:buClr>
+                <a:schemeClr val="accent5"/>
+              </a:buClr>
+              <a:buFont typeface="Wingdings" panose="05000000000000000000" pitchFamily="2" charset="2"/>
+              <a:buChar char="§"/>
+            </a:pPr>
+            <a:r>
+              <a:rPr lang="de-DE" dirty="0" smtClean="0">
+                <a:latin typeface="Roboto Light" pitchFamily="2" charset="0"/>
+                <a:ea typeface="Roboto Light" pitchFamily="2" charset="0"/>
+              </a:rPr>
+              <a:t>Semantic Web bietet einige interessante, eher alternative Konzepte und Ideen.</a:t>
+            </a:r>
+          </a:p>
+          <a:p>
+            <a:pPr>
+              <a:lnSpc>
+                <a:spcPct val="112000"/>
+              </a:lnSpc>
+              <a:buClr>
+                <a:schemeClr val="accent5"/>
+              </a:buClr>
+              <a:buFont typeface="Wingdings" panose="05000000000000000000" pitchFamily="2" charset="2"/>
+              <a:buChar char="§"/>
+            </a:pPr>
+            <a:endParaRPr lang="de-DE" dirty="0">
+              <a:latin typeface="Roboto Light" pitchFamily="2" charset="0"/>
+              <a:ea typeface="Roboto Light" pitchFamily="2" charset="0"/>
+            </a:endParaRPr>
+          </a:p>
+        </p:txBody>
+      </p:sp>
+    </p:spTree>
+    <p:extLst>
+      <p:ext uri="{BB962C8B-B14F-4D97-AF65-F5344CB8AC3E}">
+        <p14:creationId xmlns:p14="http://schemas.microsoft.com/office/powerpoint/2010/main" val="2663409159"/>
+      </p:ext>
+    </p:extLst>
+  </p:cSld>
+  <p:clrMapOvr>
+    <a:masterClrMapping/>
+  </p:clrMapOvr>
+  <p:timing>
+    <p:tnLst>
+      <p:par>
+        <p:cTn id="1" dur="indefinite" restart="never" nodeType="tmRoot"/>
+      </p:par>
+    </p:tnLst>
+  </p:timing>
+</p:sld>
+</file>
+
+<file path=ppt/slides/slide5.xml><?xml version="1.0" encoding="utf-8"?>
+<p:sld xmlns:a="http://schemas.openxmlformats.org/drawingml/2006/main" xmlns:r="http://schemas.openxmlformats.org/officeDocument/2006/relationships" xmlns:p="http://schemas.openxmlformats.org/presentationml/2006/main">
+  <p:cSld>
+    <p:spTree>
+      <p:nvGrpSpPr>
+        <p:cNvPr id="1" name=""/>
+        <p:cNvGrpSpPr/>
+        <p:nvPr/>
+      </p:nvGrpSpPr>
+      <p:grpSpPr>
+        <a:xfrm>
+          <a:off x="0" y="0"/>
+          <a:ext cx="0" cy="0"/>
+          <a:chOff x="0" y="0"/>
+          <a:chExt cx="0" cy="0"/>
+        </a:xfrm>
+      </p:grpSpPr>
+      <p:sp>
+        <p:nvSpPr>
+          <p:cNvPr id="2" name="Titel 1"/>
+          <p:cNvSpPr>
+            <a:spLocks noGrp="1"/>
+          </p:cNvSpPr>
+          <p:nvPr>
+            <p:ph type="title"/>
+          </p:nvPr>
+        </p:nvSpPr>
+        <p:spPr>
+          <a:xfrm>
+            <a:off x="433387" y="333375"/>
+            <a:ext cx="8277225" cy="865393"/>
+          </a:xfrm>
+        </p:spPr>
+        <p:txBody>
+          <a:bodyPr anchor="b">
+            <a:normAutofit/>
+          </a:bodyPr>
+          <a:lstStyle/>
+          <a:p>
+            <a:r>
+              <a:rPr lang="de-DE" sz="4000" dirty="0" smtClean="0">
+                <a:latin typeface="Roboto Slab Bold" pitchFamily="2" charset="0"/>
+                <a:ea typeface="Roboto Slab Bold" pitchFamily="2" charset="0"/>
+              </a:rPr>
+              <a:t>Mensch-Computer-Kooperation</a:t>
+            </a:r>
+            <a:endParaRPr lang="en-US" sz="4000" dirty="0">
+              <a:latin typeface="Roboto Slab Bold" pitchFamily="2" charset="0"/>
+              <a:ea typeface="Roboto Slab Bold" pitchFamily="2" charset="0"/>
+            </a:endParaRPr>
+          </a:p>
+        </p:txBody>
+      </p:sp>
+      <p:sp>
+        <p:nvSpPr>
+          <p:cNvPr id="3" name="Inhaltsplatzhalter 2"/>
+          <p:cNvSpPr>
+            <a:spLocks noGrp="1"/>
+          </p:cNvSpPr>
+          <p:nvPr>
+            <p:ph idx="1"/>
+          </p:nvPr>
+        </p:nvSpPr>
+        <p:spPr>
+          <a:xfrm>
+            <a:off x="433387" y="2038761"/>
+            <a:ext cx="8277225" cy="4146138"/>
+          </a:xfrm>
+        </p:spPr>
+        <p:txBody>
+          <a:bodyPr>
+            <a:normAutofit/>
+          </a:bodyPr>
+          <a:lstStyle/>
+          <a:p>
+            <a:pPr>
+              <a:lnSpc>
+                <a:spcPct val="112000"/>
+              </a:lnSpc>
+              <a:buClr>
+                <a:schemeClr val="accent5"/>
+              </a:buClr>
+              <a:buFont typeface="Wingdings" panose="05000000000000000000" pitchFamily="2" charset="2"/>
+              <a:buChar char="§"/>
+            </a:pPr>
+            <a:r>
+              <a:rPr lang="de-DE" dirty="0" smtClean="0">
+                <a:latin typeface="Roboto Light" pitchFamily="2" charset="0"/>
+                <a:ea typeface="Roboto Light" pitchFamily="2" charset="0"/>
+              </a:rPr>
+              <a:t>Maschinen haben gewisse Stärken</a:t>
+            </a:r>
+          </a:p>
+          <a:p>
+            <a:pPr>
+              <a:lnSpc>
+                <a:spcPct val="112000"/>
+              </a:lnSpc>
+              <a:buClr>
+                <a:schemeClr val="accent5"/>
+              </a:buClr>
+              <a:buFont typeface="Wingdings" panose="05000000000000000000" pitchFamily="2" charset="2"/>
+              <a:buChar char="§"/>
+            </a:pPr>
+            <a:r>
+              <a:rPr lang="de-DE" dirty="0" smtClean="0">
+                <a:latin typeface="Roboto Light" pitchFamily="2" charset="0"/>
+                <a:ea typeface="Roboto Light" pitchFamily="2" charset="0"/>
+              </a:rPr>
+              <a:t>Menschen auch, trotz aller KI</a:t>
+            </a:r>
+          </a:p>
+          <a:p>
+            <a:pPr>
+              <a:lnSpc>
+                <a:spcPct val="112000"/>
+              </a:lnSpc>
+              <a:buClr>
+                <a:schemeClr val="accent5"/>
+              </a:buClr>
+              <a:buFont typeface="Wingdings" panose="05000000000000000000" pitchFamily="2" charset="2"/>
+              <a:buChar char="§"/>
+            </a:pPr>
+            <a:r>
+              <a:rPr lang="de-DE" dirty="0" smtClean="0">
+                <a:latin typeface="Roboto Light" pitchFamily="2" charset="0"/>
+                <a:ea typeface="Roboto Light" pitchFamily="2" charset="0"/>
+              </a:rPr>
+              <a:t>Gelingt eine gute Kooperation zwischen Mensch und Maschine kann das Ergebnis beide Seiten im Alleingang übertreffen</a:t>
+            </a:r>
+          </a:p>
+          <a:p>
+            <a:pPr>
+              <a:lnSpc>
+                <a:spcPct val="112000"/>
+              </a:lnSpc>
+              <a:buClr>
+                <a:schemeClr val="accent5"/>
+              </a:buClr>
+              <a:buFont typeface="Wingdings" panose="05000000000000000000" pitchFamily="2" charset="2"/>
+              <a:buChar char="§"/>
+            </a:pPr>
+            <a:endParaRPr lang="de-DE" dirty="0">
+              <a:latin typeface="Roboto Light" pitchFamily="2" charset="0"/>
+              <a:ea typeface="Roboto Light" pitchFamily="2" charset="0"/>
+            </a:endParaRPr>
+          </a:p>
+        </p:txBody>
+      </p:sp>
+      <p:cxnSp>
+        <p:nvCxnSpPr>
+          <p:cNvPr id="5" name="Gerader Verbinder 4"/>
+          <p:cNvCxnSpPr/>
+          <p:nvPr/>
+        </p:nvCxnSpPr>
+        <p:spPr>
+          <a:xfrm>
+            <a:off x="496715" y="1198768"/>
+            <a:ext cx="8215112" cy="0"/>
+          </a:xfrm>
+          <a:prstGeom prst="line">
+            <a:avLst/>
+          </a:prstGeom>
+          <a:ln w="28575">
+            <a:solidFill>
+              <a:schemeClr val="bg1">
+                <a:lumMod val="75000"/>
+              </a:schemeClr>
+            </a:solidFill>
+            <a:prstDash val="sysDot"/>
+          </a:ln>
+        </p:spPr>
+        <p:style>
+          <a:lnRef idx="1">
+            <a:schemeClr val="accent1"/>
+          </a:lnRef>
+          <a:fillRef idx="0">
+            <a:schemeClr val="accent1"/>
+          </a:fillRef>
+          <a:effectRef idx="0">
+            <a:schemeClr val="accent1"/>
+          </a:effectRef>
+          <a:fontRef idx="minor">
+            <a:schemeClr val="tx1"/>
+          </a:fontRef>
+        </p:style>
+      </p:cxnSp>
+      <p:sp>
+        <p:nvSpPr>
+          <p:cNvPr id="6" name="Titel 1"/>
+          <p:cNvSpPr txBox="1">
+            <a:spLocks/>
+          </p:cNvSpPr>
+          <p:nvPr/>
+        </p:nvSpPr>
+        <p:spPr>
+          <a:xfrm>
+            <a:off x="433386" y="1198769"/>
+            <a:ext cx="8277225" cy="596164"/>
+          </a:xfrm>
+          <a:prstGeom prst="rect">
+            <a:avLst/>
+          </a:prstGeom>
+        </p:spPr>
+        <p:txBody>
+          <a:bodyPr vert="horz" lIns="91440" tIns="45720" rIns="91440" bIns="45720" rtlCol="0" anchor="ctr">
+            <a:normAutofit/>
+          </a:bodyPr>
+          <a:lstStyle>
+            <a:lvl1pPr algn="l" defTabSz="914400" rtl="0" eaLnBrk="1" latinLnBrk="0" hangingPunct="1">
+              <a:lnSpc>
+                <a:spcPct val="90000"/>
+              </a:lnSpc>
+              <a:spcBef>
+                <a:spcPct val="0"/>
+              </a:spcBef>
+              <a:buNone/>
+              <a:defRPr sz="4400" kern="1200">
+                <a:solidFill>
+                  <a:schemeClr val="tx1"/>
+                </a:solidFill>
+                <a:latin typeface="+mj-lt"/>
+                <a:ea typeface="+mj-ea"/>
+                <a:cs typeface="+mj-cs"/>
+              </a:defRPr>
+            </a:lvl1pPr>
+          </a:lstStyle>
+          <a:p>
+            <a:r>
+              <a:rPr lang="de-DE" sz="2800" dirty="0" smtClean="0">
+                <a:solidFill>
+                  <a:schemeClr val="accent6"/>
+                </a:solidFill>
+                <a:latin typeface="Roboto Slab Bold" pitchFamily="2" charset="0"/>
+                <a:ea typeface="Roboto Slab Bold" pitchFamily="2" charset="0"/>
+              </a:rPr>
+              <a:t>Mensch vs. Maschine</a:t>
+            </a:r>
+            <a:endParaRPr lang="en-US" sz="2800" dirty="0">
+              <a:solidFill>
+                <a:schemeClr val="accent6"/>
+              </a:solidFill>
+              <a:latin typeface="Roboto Slab Bold" pitchFamily="2" charset="0"/>
+              <a:ea typeface="Roboto Slab Bold" pitchFamily="2" charset="0"/>
+            </a:endParaRPr>
+          </a:p>
+        </p:txBody>
+      </p:sp>
+    </p:spTree>
+    <p:extLst>
+      <p:ext uri="{BB962C8B-B14F-4D97-AF65-F5344CB8AC3E}">
+        <p14:creationId xmlns:p14="http://schemas.microsoft.com/office/powerpoint/2010/main" val="945625338"/>
+      </p:ext>
+    </p:extLst>
+  </p:cSld>
+  <p:clrMapOvr>
+    <a:masterClrMapping/>
+  </p:clrMapOvr>
+  <p:timing>
+    <p:tnLst>
+      <p:par>
+        <p:cTn id="1" dur="indefinite" restart="never" nodeType="tmRoot"/>
+      </p:par>
+    </p:tnLst>
+  </p:timing>
+</p:sld>
+</file>
+
+<file path=ppt/slides/slide6.xml><?xml version="1.0" encoding="utf-8"?>
+<p:sld xmlns:a="http://schemas.openxmlformats.org/drawingml/2006/main" xmlns:r="http://schemas.openxmlformats.org/officeDocument/2006/relationships" xmlns:p="http://schemas.openxmlformats.org/presentationml/2006/main">
+  <p:cSld>
+    <p:spTree>
+      <p:nvGrpSpPr>
+        <p:cNvPr id="1" name=""/>
+        <p:cNvGrpSpPr/>
+        <p:nvPr/>
+      </p:nvGrpSpPr>
+      <p:grpSpPr>
+        <a:xfrm>
+          <a:off x="0" y="0"/>
+          <a:ext cx="0" cy="0"/>
+          <a:chOff x="0" y="0"/>
+          <a:chExt cx="0" cy="0"/>
+        </a:xfrm>
+      </p:grpSpPr>
+      <p:sp>
+        <p:nvSpPr>
+          <p:cNvPr id="2" name="Titel 1"/>
+          <p:cNvSpPr>
+            <a:spLocks noGrp="1"/>
+          </p:cNvSpPr>
+          <p:nvPr>
+            <p:ph type="title"/>
+          </p:nvPr>
+        </p:nvSpPr>
+        <p:spPr>
+          <a:xfrm>
+            <a:off x="433387" y="333375"/>
+            <a:ext cx="8277225" cy="865393"/>
+          </a:xfrm>
+        </p:spPr>
+        <p:txBody>
+          <a:bodyPr anchor="b">
+            <a:normAutofit/>
+          </a:bodyPr>
+          <a:lstStyle/>
+          <a:p>
+            <a:r>
+              <a:rPr lang="de-DE" sz="4000" dirty="0" smtClean="0">
+                <a:latin typeface="Roboto Slab Bold" pitchFamily="2" charset="0"/>
+                <a:ea typeface="Roboto Slab Bold" pitchFamily="2" charset="0"/>
+              </a:rPr>
+              <a:t>Mensch-Computer-Kooperation</a:t>
+            </a:r>
+            <a:endParaRPr lang="en-US" sz="4000" dirty="0">
+              <a:latin typeface="Roboto Slab Bold" pitchFamily="2" charset="0"/>
+              <a:ea typeface="Roboto Slab Bold" pitchFamily="2" charset="0"/>
+            </a:endParaRPr>
+          </a:p>
+        </p:txBody>
+      </p:sp>
+      <p:sp>
+        <p:nvSpPr>
+          <p:cNvPr id="3" name="Inhaltsplatzhalter 2"/>
+          <p:cNvSpPr>
+            <a:spLocks noGrp="1"/>
+          </p:cNvSpPr>
+          <p:nvPr>
+            <p:ph idx="1"/>
+          </p:nvPr>
+        </p:nvSpPr>
+        <p:spPr>
+          <a:xfrm>
+            <a:off x="433387" y="2064162"/>
+            <a:ext cx="8277225" cy="4395906"/>
+          </a:xfrm>
+        </p:spPr>
+        <p:txBody>
+          <a:bodyPr>
+            <a:normAutofit lnSpcReduction="10000"/>
+          </a:bodyPr>
+          <a:lstStyle/>
+          <a:p>
+            <a:pPr>
+              <a:lnSpc>
+                <a:spcPct val="112000"/>
+              </a:lnSpc>
+              <a:buClr>
+                <a:schemeClr val="accent5"/>
+              </a:buClr>
+              <a:buFont typeface="Wingdings" panose="05000000000000000000" pitchFamily="2" charset="2"/>
+              <a:buChar char="§"/>
+            </a:pPr>
+            <a:r>
+              <a:rPr lang="de-DE" dirty="0" smtClean="0">
+                <a:latin typeface="Roboto Light" pitchFamily="2" charset="0"/>
+                <a:ea typeface="Roboto Light" pitchFamily="2" charset="0"/>
+              </a:rPr>
+              <a:t>Semantic Web für eine bessere Mensch-Computer-Kooperation</a:t>
+            </a:r>
+          </a:p>
+          <a:p>
+            <a:pPr>
+              <a:lnSpc>
+                <a:spcPct val="112000"/>
+              </a:lnSpc>
+              <a:buClr>
+                <a:schemeClr val="accent5"/>
+              </a:buClr>
+              <a:buFont typeface="Wingdings" panose="05000000000000000000" pitchFamily="2" charset="2"/>
+              <a:buChar char="§"/>
+            </a:pPr>
+            <a:r>
+              <a:rPr lang="de-DE" dirty="0" smtClean="0">
+                <a:latin typeface="Roboto Light" pitchFamily="2" charset="0"/>
+                <a:ea typeface="Roboto Light" pitchFamily="2" charset="0"/>
+              </a:rPr>
+              <a:t>Aktuelles Web ist menschen-lesbar</a:t>
+            </a:r>
+            <a:endParaRPr lang="de-DE" dirty="0" smtClean="0">
+              <a:latin typeface="Roboto Light" pitchFamily="2" charset="0"/>
+              <a:ea typeface="Roboto Light" pitchFamily="2" charset="0"/>
+            </a:endParaRPr>
+          </a:p>
+          <a:p>
+            <a:pPr>
+              <a:lnSpc>
+                <a:spcPct val="112000"/>
+              </a:lnSpc>
+              <a:buClr>
+                <a:schemeClr val="accent5"/>
+              </a:buClr>
+              <a:buFont typeface="Wingdings" panose="05000000000000000000" pitchFamily="2" charset="2"/>
+              <a:buChar char="§"/>
+            </a:pPr>
+            <a:r>
+              <a:rPr lang="de-DE" dirty="0" smtClean="0">
+                <a:latin typeface="Roboto Light" pitchFamily="2" charset="0"/>
+                <a:ea typeface="Roboto Light" pitchFamily="2" charset="0"/>
+              </a:rPr>
+              <a:t>Maschinen-lesbarkeit wird erreicht durch „Semantische Annotation“</a:t>
+            </a:r>
+          </a:p>
+          <a:p>
+            <a:pPr>
+              <a:lnSpc>
+                <a:spcPct val="112000"/>
+              </a:lnSpc>
+              <a:buClr>
+                <a:schemeClr val="accent5"/>
+              </a:buClr>
+              <a:buFont typeface="Wingdings" panose="05000000000000000000" pitchFamily="2" charset="2"/>
+              <a:buChar char="§"/>
+            </a:pPr>
+            <a:r>
+              <a:rPr lang="de-DE" dirty="0" smtClean="0">
+                <a:latin typeface="Roboto" pitchFamily="2" charset="0"/>
+                <a:ea typeface="Roboto" pitchFamily="2" charset="0"/>
+              </a:rPr>
+              <a:t>Semantik</a:t>
+            </a:r>
+            <a:r>
+              <a:rPr lang="de-DE" dirty="0" smtClean="0">
+                <a:latin typeface="Roboto Light" pitchFamily="2" charset="0"/>
+                <a:ea typeface="Roboto Light" pitchFamily="2" charset="0"/>
+              </a:rPr>
+              <a:t>: Bedeutung des Inhaltes</a:t>
+            </a:r>
+          </a:p>
+          <a:p>
+            <a:pPr>
+              <a:lnSpc>
+                <a:spcPct val="112000"/>
+              </a:lnSpc>
+              <a:buClr>
+                <a:schemeClr val="accent5"/>
+              </a:buClr>
+              <a:buFont typeface="Wingdings" panose="05000000000000000000" pitchFamily="2" charset="2"/>
+              <a:buChar char="§"/>
+            </a:pPr>
+            <a:r>
+              <a:rPr lang="de-DE" dirty="0" smtClean="0">
+                <a:latin typeface="Roboto Normal"/>
+                <a:ea typeface="Roboto Light" pitchFamily="2" charset="0"/>
+              </a:rPr>
+              <a:t>Annotation</a:t>
+            </a:r>
+            <a:r>
+              <a:rPr lang="de-DE" dirty="0" smtClean="0">
+                <a:latin typeface="Roboto Light" pitchFamily="2" charset="0"/>
+                <a:ea typeface="Roboto Light" pitchFamily="2" charset="0"/>
+              </a:rPr>
+              <a:t>: Inhalt wird maschinenlesbar „kommentiert“</a:t>
+            </a:r>
+            <a:endParaRPr lang="de-DE" dirty="0">
+              <a:latin typeface="Roboto Light" pitchFamily="2" charset="0"/>
+              <a:ea typeface="Roboto Light" pitchFamily="2" charset="0"/>
+            </a:endParaRPr>
+          </a:p>
+        </p:txBody>
+      </p:sp>
+      <p:cxnSp>
+        <p:nvCxnSpPr>
+          <p:cNvPr id="5" name="Gerader Verbinder 4"/>
+          <p:cNvCxnSpPr/>
+          <p:nvPr/>
+        </p:nvCxnSpPr>
+        <p:spPr>
+          <a:xfrm>
+            <a:off x="496715" y="1198768"/>
+            <a:ext cx="8215112" cy="0"/>
+          </a:xfrm>
+          <a:prstGeom prst="line">
+            <a:avLst/>
+          </a:prstGeom>
+          <a:ln w="28575">
+            <a:solidFill>
+              <a:schemeClr val="bg1">
+                <a:lumMod val="75000"/>
+              </a:schemeClr>
+            </a:solidFill>
+            <a:prstDash val="sysDot"/>
+          </a:ln>
+        </p:spPr>
+        <p:style>
+          <a:lnRef idx="1">
+            <a:schemeClr val="accent1"/>
+          </a:lnRef>
+          <a:fillRef idx="0">
+            <a:schemeClr val="accent1"/>
+          </a:fillRef>
+          <a:effectRef idx="0">
+            <a:schemeClr val="accent1"/>
+          </a:effectRef>
+          <a:fontRef idx="minor">
+            <a:schemeClr val="tx1"/>
+          </a:fontRef>
+        </p:style>
+      </p:cxnSp>
+      <p:sp>
+        <p:nvSpPr>
+          <p:cNvPr id="6" name="Titel 1"/>
+          <p:cNvSpPr txBox="1">
+            <a:spLocks/>
+          </p:cNvSpPr>
+          <p:nvPr/>
+        </p:nvSpPr>
+        <p:spPr>
+          <a:xfrm>
+            <a:off x="433386" y="1198769"/>
+            <a:ext cx="8277225" cy="596164"/>
+          </a:xfrm>
+          <a:prstGeom prst="rect">
+            <a:avLst/>
+          </a:prstGeom>
+        </p:spPr>
+        <p:txBody>
+          <a:bodyPr vert="horz" lIns="91440" tIns="45720" rIns="91440" bIns="45720" rtlCol="0" anchor="ctr">
+            <a:normAutofit/>
+          </a:bodyPr>
+          <a:lstStyle>
+            <a:lvl1pPr algn="l" defTabSz="914400" rtl="0" eaLnBrk="1" latinLnBrk="0" hangingPunct="1">
+              <a:lnSpc>
+                <a:spcPct val="90000"/>
+              </a:lnSpc>
+              <a:spcBef>
+                <a:spcPct val="0"/>
+              </a:spcBef>
+              <a:buNone/>
+              <a:defRPr sz="4400" kern="1200">
+                <a:solidFill>
+                  <a:schemeClr val="tx1"/>
+                </a:solidFill>
+                <a:latin typeface="+mj-lt"/>
+                <a:ea typeface="+mj-ea"/>
+                <a:cs typeface="+mj-cs"/>
+              </a:defRPr>
+            </a:lvl1pPr>
+          </a:lstStyle>
+          <a:p>
+            <a:r>
+              <a:rPr lang="de-DE" sz="2800" dirty="0" smtClean="0">
+                <a:solidFill>
+                  <a:schemeClr val="accent6"/>
+                </a:solidFill>
+                <a:latin typeface="Roboto Slab Bold" pitchFamily="2" charset="0"/>
+                <a:ea typeface="Roboto Slab Bold" pitchFamily="2" charset="0"/>
+              </a:rPr>
+              <a:t>Semantische Annotation</a:t>
+            </a:r>
+            <a:endParaRPr lang="en-US" sz="2800" dirty="0">
+              <a:solidFill>
+                <a:schemeClr val="accent6"/>
+              </a:solidFill>
+              <a:latin typeface="Roboto Slab Bold" pitchFamily="2" charset="0"/>
+              <a:ea typeface="Roboto Slab Bold" pitchFamily="2" charset="0"/>
+            </a:endParaRPr>
+          </a:p>
+        </p:txBody>
+      </p:sp>
+    </p:spTree>
+    <p:extLst>
+      <p:ext uri="{BB962C8B-B14F-4D97-AF65-F5344CB8AC3E}">
+        <p14:creationId xmlns:p14="http://schemas.microsoft.com/office/powerpoint/2010/main" val="1039951075"/>
+      </p:ext>
+    </p:extLst>
+  </p:cSld>
+  <p:clrMapOvr>
+    <a:masterClrMapping/>
+  </p:clrMapOvr>
+  <p:timing>
+    <p:tnLst>
+      <p:par>
+        <p:cTn id="1" dur="indefinite" restart="never" nodeType="tmRoot"/>
+      </p:par>
+    </p:tnLst>
+  </p:timing>
+</p:sld>
+</file>
+
+<file path=ppt/slides/slide7.xml><?xml version="1.0" encoding="utf-8"?>
+<p:sld xmlns:a="http://schemas.openxmlformats.org/drawingml/2006/main" xmlns:r="http://schemas.openxmlformats.org/officeDocument/2006/relationships" xmlns:p="http://schemas.openxmlformats.org/presentationml/2006/main">
+  <p:cSld>
+    <p:spTree>
+      <p:nvGrpSpPr>
+        <p:cNvPr id="1" name=""/>
+        <p:cNvGrpSpPr/>
+        <p:nvPr/>
+      </p:nvGrpSpPr>
+      <p:grpSpPr>
+        <a:xfrm>
+          <a:off x="0" y="0"/>
+          <a:ext cx="0" cy="0"/>
+          <a:chOff x="0" y="0"/>
+          <a:chExt cx="0" cy="0"/>
+        </a:xfrm>
+      </p:grpSpPr>
+      <p:sp>
+        <p:nvSpPr>
+          <p:cNvPr id="2" name="Titel 1"/>
+          <p:cNvSpPr>
+            <a:spLocks noGrp="1"/>
+          </p:cNvSpPr>
+          <p:nvPr>
+            <p:ph type="title"/>
+          </p:nvPr>
+        </p:nvSpPr>
+        <p:spPr>
+          <a:xfrm>
+            <a:off x="433387" y="333375"/>
+            <a:ext cx="8277225" cy="865393"/>
+          </a:xfrm>
+        </p:spPr>
+        <p:txBody>
+          <a:bodyPr anchor="b">
+            <a:normAutofit/>
+          </a:bodyPr>
+          <a:lstStyle/>
+          <a:p>
+            <a:r>
+              <a:rPr lang="de-DE" sz="4000" dirty="0" smtClean="0">
+                <a:latin typeface="Roboto Slab Bold" pitchFamily="2" charset="0"/>
+                <a:ea typeface="Roboto Slab Bold" pitchFamily="2" charset="0"/>
+              </a:rPr>
+              <a:t>Mensch-Computer-Kooperation</a:t>
+            </a:r>
+            <a:endParaRPr lang="en-US" sz="4000" dirty="0">
+              <a:latin typeface="Roboto Slab Bold" pitchFamily="2" charset="0"/>
+              <a:ea typeface="Roboto Slab Bold" pitchFamily="2" charset="0"/>
+            </a:endParaRPr>
+          </a:p>
+        </p:txBody>
+      </p:sp>
+      <p:sp>
+        <p:nvSpPr>
+          <p:cNvPr id="3" name="Inhaltsplatzhalter 2"/>
+          <p:cNvSpPr>
+            <a:spLocks noGrp="1"/>
+          </p:cNvSpPr>
+          <p:nvPr>
+            <p:ph idx="1"/>
+          </p:nvPr>
+        </p:nvSpPr>
+        <p:spPr>
+          <a:xfrm>
+            <a:off x="433387" y="2064162"/>
+            <a:ext cx="8277225" cy="4395906"/>
+          </a:xfrm>
+        </p:spPr>
+        <p:txBody>
+          <a:bodyPr>
+            <a:normAutofit/>
+          </a:bodyPr>
+          <a:lstStyle/>
+          <a:p>
+            <a:pPr>
+              <a:lnSpc>
+                <a:spcPct val="112000"/>
+              </a:lnSpc>
+              <a:buClr>
+                <a:schemeClr val="accent5"/>
+              </a:buClr>
+              <a:buFont typeface="Wingdings" panose="05000000000000000000" pitchFamily="2" charset="2"/>
+              <a:buChar char="§"/>
+            </a:pPr>
+            <a:r>
+              <a:rPr lang="de-DE" dirty="0" smtClean="0">
+                <a:latin typeface="Roboto Light" pitchFamily="2" charset="0"/>
+                <a:ea typeface="Roboto Light" pitchFamily="2" charset="0"/>
+              </a:rPr>
+              <a:t>Wird langsam von den großen Webfirmen wie Google, Microsoft, Facebook unterstützt</a:t>
+            </a:r>
+          </a:p>
+          <a:p>
+            <a:pPr>
+              <a:lnSpc>
+                <a:spcPct val="112000"/>
+              </a:lnSpc>
+              <a:buClr>
+                <a:schemeClr val="accent5"/>
+              </a:buClr>
+              <a:buFont typeface="Wingdings" panose="05000000000000000000" pitchFamily="2" charset="2"/>
+              <a:buChar char="§"/>
+            </a:pPr>
+            <a:r>
+              <a:rPr lang="de-DE" dirty="0" smtClean="0">
+                <a:latin typeface="Roboto Light" pitchFamily="2" charset="0"/>
+                <a:ea typeface="Roboto Light" pitchFamily="2" charset="0"/>
+              </a:rPr>
+              <a:t>Ermöglicht schlauere Suchmaschinen (SEO), Neukombination von Wissen, besser vernetzte Dienste im Web</a:t>
+            </a:r>
+          </a:p>
+          <a:p>
+            <a:pPr>
+              <a:lnSpc>
+                <a:spcPct val="112000"/>
+              </a:lnSpc>
+              <a:buClr>
+                <a:schemeClr val="accent5"/>
+              </a:buClr>
+              <a:buFont typeface="Wingdings" panose="05000000000000000000" pitchFamily="2" charset="2"/>
+              <a:buChar char="§"/>
+            </a:pPr>
+            <a:r>
+              <a:rPr lang="de-DE" dirty="0" smtClean="0">
+                <a:latin typeface="Roboto Light" pitchFamily="2" charset="0"/>
+                <a:ea typeface="Roboto Light" pitchFamily="2" charset="0"/>
+              </a:rPr>
+              <a:t>Reguläre Nutzer profitieren dadurch indirekt</a:t>
+            </a:r>
+            <a:endParaRPr lang="de-DE" dirty="0">
+              <a:latin typeface="Roboto Light" pitchFamily="2" charset="0"/>
+              <a:ea typeface="Roboto Light" pitchFamily="2" charset="0"/>
+            </a:endParaRPr>
+          </a:p>
+        </p:txBody>
+      </p:sp>
+      <p:cxnSp>
+        <p:nvCxnSpPr>
+          <p:cNvPr id="5" name="Gerader Verbinder 4"/>
+          <p:cNvCxnSpPr/>
+          <p:nvPr/>
+        </p:nvCxnSpPr>
+        <p:spPr>
+          <a:xfrm>
+            <a:off x="496715" y="1198768"/>
+            <a:ext cx="8215112" cy="0"/>
+          </a:xfrm>
+          <a:prstGeom prst="line">
+            <a:avLst/>
+          </a:prstGeom>
+          <a:ln w="28575">
+            <a:solidFill>
+              <a:schemeClr val="bg1">
+                <a:lumMod val="75000"/>
+              </a:schemeClr>
+            </a:solidFill>
+            <a:prstDash val="sysDot"/>
+          </a:ln>
+        </p:spPr>
+        <p:style>
+          <a:lnRef idx="1">
+            <a:schemeClr val="accent1"/>
+          </a:lnRef>
+          <a:fillRef idx="0">
+            <a:schemeClr val="accent1"/>
+          </a:fillRef>
+          <a:effectRef idx="0">
+            <a:schemeClr val="accent1"/>
+          </a:effectRef>
+          <a:fontRef idx="minor">
+            <a:schemeClr val="tx1"/>
+          </a:fontRef>
+        </p:style>
+      </p:cxnSp>
+      <p:sp>
+        <p:nvSpPr>
+          <p:cNvPr id="6" name="Titel 1"/>
+          <p:cNvSpPr txBox="1">
+            <a:spLocks/>
+          </p:cNvSpPr>
+          <p:nvPr/>
+        </p:nvSpPr>
+        <p:spPr>
+          <a:xfrm>
+            <a:off x="433386" y="1198769"/>
+            <a:ext cx="8277225" cy="596164"/>
+          </a:xfrm>
+          <a:prstGeom prst="rect">
+            <a:avLst/>
+          </a:prstGeom>
+        </p:spPr>
+        <p:txBody>
+          <a:bodyPr vert="horz" lIns="91440" tIns="45720" rIns="91440" bIns="45720" rtlCol="0" anchor="ctr">
+            <a:normAutofit/>
+          </a:bodyPr>
+          <a:lstStyle>
+            <a:lvl1pPr algn="l" defTabSz="914400" rtl="0" eaLnBrk="1" latinLnBrk="0" hangingPunct="1">
+              <a:lnSpc>
+                <a:spcPct val="90000"/>
+              </a:lnSpc>
+              <a:spcBef>
+                <a:spcPct val="0"/>
+              </a:spcBef>
+              <a:buNone/>
+              <a:defRPr sz="4400" kern="1200">
+                <a:solidFill>
+                  <a:schemeClr val="tx1"/>
+                </a:solidFill>
+                <a:latin typeface="+mj-lt"/>
+                <a:ea typeface="+mj-ea"/>
+                <a:cs typeface="+mj-cs"/>
+              </a:defRPr>
+            </a:lvl1pPr>
+          </a:lstStyle>
+          <a:p>
+            <a:r>
+              <a:rPr lang="de-DE" sz="2800" dirty="0" smtClean="0">
+                <a:solidFill>
+                  <a:schemeClr val="accent6"/>
+                </a:solidFill>
+                <a:latin typeface="Roboto Slab Bold" pitchFamily="2" charset="0"/>
+                <a:ea typeface="Roboto Slab Bold" pitchFamily="2" charset="0"/>
+              </a:rPr>
+              <a:t>Praktischer Nutzen</a:t>
+            </a:r>
+            <a:endParaRPr lang="en-US" sz="2800" dirty="0">
+              <a:solidFill>
+                <a:schemeClr val="accent6"/>
+              </a:solidFill>
+              <a:latin typeface="Roboto Slab Bold" pitchFamily="2" charset="0"/>
+              <a:ea typeface="Roboto Slab Bold" pitchFamily="2" charset="0"/>
+            </a:endParaRPr>
+          </a:p>
+        </p:txBody>
+      </p:sp>
+    </p:spTree>
+    <p:extLst>
+      <p:ext uri="{BB962C8B-B14F-4D97-AF65-F5344CB8AC3E}">
+        <p14:creationId xmlns:p14="http://schemas.microsoft.com/office/powerpoint/2010/main" val="3233289326"/>
+      </p:ext>
+    </p:extLst>
+  </p:cSld>
+  <p:clrMapOvr>
+    <a:masterClrMapping/>
+  </p:clrMapOvr>
+  <p:timing>
+    <p:tnLst>
+      <p:par>
+        <p:cTn id="1" dur="indefinite" restart="never" nodeType="tmRoot"/>
+      </p:par>
+    </p:tnLst>
+  </p:timing>
+</p:sld>
+</file>
+
+<file path=ppt/slides/slide8.xml><?xml version="1.0" encoding="utf-8"?>
+<p:sld xmlns:a="http://schemas.openxmlformats.org/drawingml/2006/main" xmlns:r="http://schemas.openxmlformats.org/officeDocument/2006/relationships" xmlns:p="http://schemas.openxmlformats.org/presentationml/2006/main">
+  <p:cSld>
+    <p:spTree>
+      <p:nvGrpSpPr>
+        <p:cNvPr id="1" name=""/>
+        <p:cNvGrpSpPr/>
+        <p:nvPr/>
+      </p:nvGrpSpPr>
+      <p:grpSpPr>
+        <a:xfrm>
+          <a:off x="0" y="0"/>
+          <a:ext cx="0" cy="0"/>
+          <a:chOff x="0" y="0"/>
+          <a:chExt cx="0" cy="0"/>
+        </a:xfrm>
+      </p:grpSpPr>
+      <p:sp>
+        <p:nvSpPr>
+          <p:cNvPr id="2" name="Titel 1"/>
+          <p:cNvSpPr>
+            <a:spLocks noGrp="1"/>
+          </p:cNvSpPr>
+          <p:nvPr>
+            <p:ph type="title"/>
+          </p:nvPr>
+        </p:nvSpPr>
+        <p:spPr>
+          <a:xfrm>
+            <a:off x="433387" y="333375"/>
+            <a:ext cx="8277225" cy="865393"/>
+          </a:xfrm>
+        </p:spPr>
+        <p:txBody>
+          <a:bodyPr anchor="b">
+            <a:normAutofit/>
+          </a:bodyPr>
+          <a:lstStyle/>
+          <a:p>
+            <a:r>
+              <a:rPr lang="de-DE" sz="4000" dirty="0" smtClean="0">
+                <a:latin typeface="Roboto Slab Bold" pitchFamily="2" charset="0"/>
+                <a:ea typeface="Roboto Slab Bold" pitchFamily="2" charset="0"/>
+              </a:rPr>
+              <a:t>Hyperlinks</a:t>
+            </a:r>
+            <a:endParaRPr lang="en-US" sz="4000" dirty="0">
+              <a:latin typeface="Roboto Slab Bold" pitchFamily="2" charset="0"/>
+              <a:ea typeface="Roboto Slab Bold" pitchFamily="2" charset="0"/>
+            </a:endParaRPr>
+          </a:p>
+        </p:txBody>
+      </p:sp>
+      <p:sp>
+        <p:nvSpPr>
+          <p:cNvPr id="3" name="Inhaltsplatzhalter 2"/>
+          <p:cNvSpPr>
+            <a:spLocks noGrp="1"/>
+          </p:cNvSpPr>
+          <p:nvPr>
+            <p:ph idx="1"/>
+          </p:nvPr>
+        </p:nvSpPr>
+        <p:spPr>
+          <a:xfrm>
+            <a:off x="433387" y="1404744"/>
+            <a:ext cx="8277225" cy="4805555"/>
+          </a:xfrm>
+        </p:spPr>
+        <p:txBody>
+          <a:bodyPr>
+            <a:normAutofit/>
+          </a:bodyPr>
+          <a:lstStyle/>
+          <a:p>
+            <a:pPr>
+              <a:lnSpc>
+                <a:spcPct val="112000"/>
+              </a:lnSpc>
+              <a:buClr>
+                <a:schemeClr val="accent5"/>
+              </a:buClr>
+              <a:buFont typeface="Wingdings" panose="05000000000000000000" pitchFamily="2" charset="2"/>
+              <a:buChar char="§"/>
+            </a:pPr>
+            <a:r>
+              <a:rPr lang="de-DE" dirty="0" smtClean="0">
+                <a:latin typeface="Roboto Light" pitchFamily="2" charset="0"/>
+                <a:ea typeface="Roboto Light" pitchFamily="2" charset="0"/>
+              </a:rPr>
+              <a:t>Ursprung in den Hypertextsystemen der 60er</a:t>
+            </a:r>
+          </a:p>
+          <a:p>
+            <a:pPr>
+              <a:lnSpc>
+                <a:spcPct val="112000"/>
+              </a:lnSpc>
+              <a:buClr>
+                <a:schemeClr val="accent5"/>
+              </a:buClr>
+              <a:buFont typeface="Wingdings" panose="05000000000000000000" pitchFamily="2" charset="2"/>
+              <a:buChar char="§"/>
+            </a:pPr>
+            <a:r>
+              <a:rPr lang="de-DE" dirty="0" smtClean="0">
+                <a:latin typeface="Roboto Light" pitchFamily="2" charset="0"/>
+                <a:ea typeface="Roboto Light" pitchFamily="2" charset="0"/>
+              </a:rPr>
+              <a:t>Hyperlinks können </a:t>
+            </a:r>
+            <a:r>
+              <a:rPr lang="de-DE" smtClean="0">
+                <a:latin typeface="Roboto Light" pitchFamily="2" charset="0"/>
+                <a:ea typeface="Roboto Light" pitchFamily="2" charset="0"/>
+              </a:rPr>
+              <a:t>unterschiedlich mächtig sein:</a:t>
+            </a:r>
+            <a:endParaRPr lang="de-DE" dirty="0" smtClean="0">
+              <a:latin typeface="Roboto Light" pitchFamily="2" charset="0"/>
+              <a:ea typeface="Roboto Light" pitchFamily="2" charset="0"/>
+            </a:endParaRPr>
+          </a:p>
+          <a:p>
+            <a:pPr>
+              <a:lnSpc>
+                <a:spcPct val="112000"/>
+              </a:lnSpc>
+              <a:buClr>
+                <a:schemeClr val="accent5"/>
+              </a:buClr>
+              <a:buFont typeface="Wingdings" panose="05000000000000000000" pitchFamily="2" charset="2"/>
+              <a:buChar char="§"/>
+            </a:pPr>
+            <a:endParaRPr lang="de-DE" dirty="0">
+              <a:latin typeface="Roboto Light" pitchFamily="2" charset="0"/>
+              <a:ea typeface="Roboto Light" pitchFamily="2" charset="0"/>
+            </a:endParaRPr>
+          </a:p>
+        </p:txBody>
+      </p:sp>
+      <p:cxnSp>
+        <p:nvCxnSpPr>
+          <p:cNvPr id="5" name="Gerader Verbinder 4"/>
+          <p:cNvCxnSpPr/>
+          <p:nvPr/>
+        </p:nvCxnSpPr>
+        <p:spPr>
+          <a:xfrm>
+            <a:off x="496715" y="1198768"/>
+            <a:ext cx="8215112" cy="0"/>
+          </a:xfrm>
+          <a:prstGeom prst="line">
+            <a:avLst/>
+          </a:prstGeom>
+          <a:ln w="28575">
+            <a:solidFill>
+              <a:schemeClr val="bg1">
+                <a:lumMod val="75000"/>
+              </a:schemeClr>
+            </a:solidFill>
+            <a:prstDash val="sysDot"/>
+          </a:ln>
+        </p:spPr>
+        <p:style>
+          <a:lnRef idx="1">
+            <a:schemeClr val="accent1"/>
+          </a:lnRef>
+          <a:fillRef idx="0">
+            <a:schemeClr val="accent1"/>
+          </a:fillRef>
+          <a:effectRef idx="0">
+            <a:schemeClr val="accent1"/>
+          </a:effectRef>
+          <a:fontRef idx="minor">
+            <a:schemeClr val="tx1"/>
+          </a:fontRef>
+        </p:style>
+      </p:cxnSp>
+    </p:spTree>
+    <p:extLst>
+      <p:ext uri="{BB962C8B-B14F-4D97-AF65-F5344CB8AC3E}">
+        <p14:creationId xmlns:p14="http://schemas.microsoft.com/office/powerpoint/2010/main" val="891235150"/>
+      </p:ext>
+    </p:extLst>
+  </p:cSld>
+  <p:clrMapOvr>
+    <a:masterClrMapping/>
+  </p:clrMapOvr>
+  <p:timing>
+    <p:tnLst>
+      <p:par>
+        <p:cTn id="1" dur="indefinite" restart="never" nodeType="tmRoot"/>
+      </p:par>
+    </p:tnLst>
+  </p:timing>
+</p:sld>
+</file>
+
+<file path=ppt/slides/slide9.xml><?xml version="1.0" encoding="utf-8"?>
+<p:sld xmlns:a="http://schemas.openxmlformats.org/drawingml/2006/main" xmlns:r="http://schemas.openxmlformats.org/officeDocument/2006/relationships" xmlns:p="http://schemas.openxmlformats.org/presentationml/2006/main">
+  <p:cSld>
+    <p:spTree>
+      <p:nvGrpSpPr>
+        <p:cNvPr id="1" name=""/>
+        <p:cNvGrpSpPr/>
+        <p:nvPr/>
+      </p:nvGrpSpPr>
+      <p:grpSpPr>
+        <a:xfrm>
+          <a:off x="0" y="0"/>
+          <a:ext cx="0" cy="0"/>
+          <a:chOff x="0" y="0"/>
+          <a:chExt cx="0" cy="0"/>
+        </a:xfrm>
+      </p:grpSpPr>
+      <p:sp>
+        <p:nvSpPr>
+          <p:cNvPr id="2" name="Titel 1"/>
+          <p:cNvSpPr>
+            <a:spLocks noGrp="1"/>
+          </p:cNvSpPr>
+          <p:nvPr>
+            <p:ph type="title"/>
+          </p:nvPr>
+        </p:nvSpPr>
+        <p:spPr>
+          <a:xfrm>
+            <a:off x="433387" y="333375"/>
+            <a:ext cx="8277225" cy="865393"/>
+          </a:xfrm>
+        </p:spPr>
+        <p:txBody>
+          <a:bodyPr anchor="b">
+            <a:normAutofit/>
+          </a:bodyPr>
+          <a:lstStyle/>
+          <a:p>
+            <a:r>
+              <a:rPr lang="de-DE" sz="4000" dirty="0" smtClean="0">
+                <a:latin typeface="Roboto Slab Bold" pitchFamily="2" charset="0"/>
+                <a:ea typeface="Roboto Slab Bold" pitchFamily="2" charset="0"/>
+              </a:rPr>
+              <a:t>Mensch-Computer-Kooperation</a:t>
+            </a:r>
+            <a:endParaRPr lang="en-US" sz="4000" dirty="0">
+              <a:latin typeface="Roboto Slab Bold" pitchFamily="2" charset="0"/>
+              <a:ea typeface="Roboto Slab Bold" pitchFamily="2" charset="0"/>
+            </a:endParaRPr>
+          </a:p>
+        </p:txBody>
+      </p:sp>
+      <p:sp>
+        <p:nvSpPr>
+          <p:cNvPr id="3" name="Inhaltsplatzhalter 2"/>
+          <p:cNvSpPr>
+            <a:spLocks noGrp="1"/>
+          </p:cNvSpPr>
+          <p:nvPr>
+            <p:ph idx="1"/>
+          </p:nvPr>
+        </p:nvSpPr>
+        <p:spPr>
+          <a:xfrm>
+            <a:off x="433387" y="2064162"/>
+            <a:ext cx="8277225" cy="4395906"/>
+          </a:xfrm>
+        </p:spPr>
+        <p:txBody>
+          <a:bodyPr>
+            <a:normAutofit/>
+          </a:bodyPr>
+          <a:lstStyle/>
+          <a:p>
+            <a:pPr>
+              <a:lnSpc>
+                <a:spcPct val="112000"/>
+              </a:lnSpc>
+              <a:buClr>
+                <a:schemeClr val="accent5"/>
+              </a:buClr>
+              <a:buFont typeface="Wingdings" panose="05000000000000000000" pitchFamily="2" charset="2"/>
+              <a:buChar char="§"/>
+            </a:pPr>
+            <a:r>
+              <a:rPr lang="de-DE" dirty="0" smtClean="0">
+                <a:latin typeface="Roboto Light" pitchFamily="2" charset="0"/>
+                <a:ea typeface="Roboto Light" pitchFamily="2" charset="0"/>
+              </a:rPr>
+              <a:t>Wird langsam von den großen Webfirmen wie Google, Microsoft, Facebook unterstützt</a:t>
+            </a:r>
+          </a:p>
+          <a:p>
+            <a:pPr>
+              <a:lnSpc>
+                <a:spcPct val="112000"/>
+              </a:lnSpc>
+              <a:buClr>
+                <a:schemeClr val="accent5"/>
+              </a:buClr>
+              <a:buFont typeface="Wingdings" panose="05000000000000000000" pitchFamily="2" charset="2"/>
+              <a:buChar char="§"/>
+            </a:pPr>
+            <a:r>
+              <a:rPr lang="de-DE" dirty="0" smtClean="0">
+                <a:latin typeface="Roboto Light" pitchFamily="2" charset="0"/>
+                <a:ea typeface="Roboto Light" pitchFamily="2" charset="0"/>
+              </a:rPr>
+              <a:t>Ermöglicht schlauere Suchmaschinen (SEO), Neukombination von Wissen, besser vernetzte Dienste im Web</a:t>
+            </a:r>
+          </a:p>
+          <a:p>
+            <a:pPr>
+              <a:lnSpc>
+                <a:spcPct val="112000"/>
+              </a:lnSpc>
+              <a:buClr>
+                <a:schemeClr val="accent5"/>
+              </a:buClr>
+              <a:buFont typeface="Wingdings" panose="05000000000000000000" pitchFamily="2" charset="2"/>
+              <a:buChar char="§"/>
+            </a:pPr>
+            <a:r>
+              <a:rPr lang="de-DE" dirty="0" smtClean="0">
+                <a:latin typeface="Roboto Light" pitchFamily="2" charset="0"/>
+                <a:ea typeface="Roboto Light" pitchFamily="2" charset="0"/>
+              </a:rPr>
+              <a:t>Reguläre Nutzer profitieren dadurch indirekt</a:t>
+            </a:r>
+            <a:endParaRPr lang="de-DE" dirty="0">
+              <a:latin typeface="Roboto Light" pitchFamily="2" charset="0"/>
+              <a:ea typeface="Roboto Light" pitchFamily="2" charset="0"/>
+            </a:endParaRPr>
+          </a:p>
+        </p:txBody>
+      </p:sp>
+      <p:cxnSp>
+        <p:nvCxnSpPr>
+          <p:cNvPr id="5" name="Gerader Verbinder 4"/>
+          <p:cNvCxnSpPr/>
+          <p:nvPr/>
+        </p:nvCxnSpPr>
+        <p:spPr>
+          <a:xfrm>
+            <a:off x="496715" y="1198768"/>
+            <a:ext cx="8215112" cy="0"/>
+          </a:xfrm>
+          <a:prstGeom prst="line">
+            <a:avLst/>
+          </a:prstGeom>
+          <a:ln w="28575">
+            <a:solidFill>
+              <a:schemeClr val="bg1">
+                <a:lumMod val="75000"/>
+              </a:schemeClr>
+            </a:solidFill>
+            <a:prstDash val="sysDot"/>
+          </a:ln>
+        </p:spPr>
+        <p:style>
+          <a:lnRef idx="1">
+            <a:schemeClr val="accent1"/>
+          </a:lnRef>
+          <a:fillRef idx="0">
+            <a:schemeClr val="accent1"/>
+          </a:fillRef>
+          <a:effectRef idx="0">
+            <a:schemeClr val="accent1"/>
+          </a:effectRef>
+          <a:fontRef idx="minor">
+            <a:schemeClr val="tx1"/>
+          </a:fontRef>
+        </p:style>
+      </p:cxnSp>
+      <p:sp>
+        <p:nvSpPr>
+          <p:cNvPr id="6" name="Titel 1"/>
+          <p:cNvSpPr txBox="1">
+            <a:spLocks/>
+          </p:cNvSpPr>
+          <p:nvPr/>
+        </p:nvSpPr>
+        <p:spPr>
+          <a:xfrm>
+            <a:off x="433386" y="1198769"/>
+            <a:ext cx="8277225" cy="596164"/>
+          </a:xfrm>
+          <a:prstGeom prst="rect">
+            <a:avLst/>
+          </a:prstGeom>
+        </p:spPr>
+        <p:txBody>
+          <a:bodyPr vert="horz" lIns="91440" tIns="45720" rIns="91440" bIns="45720" rtlCol="0" anchor="ctr">
+            <a:normAutofit/>
+          </a:bodyPr>
+          <a:lstStyle>
+            <a:lvl1pPr algn="l" defTabSz="914400" rtl="0" eaLnBrk="1" latinLnBrk="0" hangingPunct="1">
+              <a:lnSpc>
+                <a:spcPct val="90000"/>
+              </a:lnSpc>
+              <a:spcBef>
+                <a:spcPct val="0"/>
+              </a:spcBef>
+              <a:buNone/>
+              <a:defRPr sz="4400" kern="1200">
+                <a:solidFill>
+                  <a:schemeClr val="tx1"/>
+                </a:solidFill>
+                <a:latin typeface="+mj-lt"/>
+                <a:ea typeface="+mj-ea"/>
+                <a:cs typeface="+mj-cs"/>
+              </a:defRPr>
+            </a:lvl1pPr>
+          </a:lstStyle>
+          <a:p>
+            <a:r>
+              <a:rPr lang="de-DE" sz="2800" dirty="0" smtClean="0">
+                <a:solidFill>
+                  <a:schemeClr val="accent6"/>
+                </a:solidFill>
+                <a:latin typeface="Roboto Slab Bold" pitchFamily="2" charset="0"/>
+                <a:ea typeface="Roboto Slab Bold" pitchFamily="2" charset="0"/>
+              </a:rPr>
+              <a:t>Praktischer Nutzen</a:t>
+            </a:r>
+            <a:endParaRPr lang="en-US" sz="2800" dirty="0">
+              <a:solidFill>
+                <a:schemeClr val="accent6"/>
+              </a:solidFill>
+              <a:latin typeface="Roboto Slab Bold" pitchFamily="2" charset="0"/>
+              <a:ea typeface="Roboto Slab Bold" pitchFamily="2" charset="0"/>
+            </a:endParaRPr>
+          </a:p>
+        </p:txBody>
+      </p:sp>
+    </p:spTree>
+    <p:extLst>
+      <p:ext uri="{BB962C8B-B14F-4D97-AF65-F5344CB8AC3E}">
+        <p14:creationId xmlns:p14="http://schemas.microsoft.com/office/powerpoint/2010/main" val="342453843"/>
       </p:ext>
     </p:extLst>
   </p:cSld>

--- a/Semantic Web Paradigmen PPT.pptx
+++ b/Semantic Web Paradigmen PPT.pptx
@@ -7,15 +7,19 @@
   <p:sldIdLst>
     <p:sldId id="256" r:id="rId2"/>
     <p:sldId id="258" r:id="rId3"/>
-    <p:sldId id="261" r:id="rId4"/>
-    <p:sldId id="262" r:id="rId5"/>
-    <p:sldId id="263" r:id="rId6"/>
-    <p:sldId id="265" r:id="rId7"/>
-    <p:sldId id="266" r:id="rId8"/>
-    <p:sldId id="268" r:id="rId9"/>
-    <p:sldId id="267" r:id="rId10"/>
+    <p:sldId id="274" r:id="rId4"/>
+    <p:sldId id="261" r:id="rId5"/>
+    <p:sldId id="262" r:id="rId6"/>
+    <p:sldId id="273" r:id="rId7"/>
+    <p:sldId id="263" r:id="rId8"/>
+    <p:sldId id="265" r:id="rId9"/>
+    <p:sldId id="266" r:id="rId10"/>
+    <p:sldId id="272" r:id="rId11"/>
+    <p:sldId id="277" r:id="rId12"/>
+    <p:sldId id="275" r:id="rId13"/>
+    <p:sldId id="276" r:id="rId14"/>
   </p:sldIdLst>
-  <p:sldSz cx="9144000" cy="6858000" type="screen4x3"/>
+  <p:sldSz cx="9144000" cy="5143500" type="screen16x9"/>
   <p:notesSz cx="6858000" cy="9144000"/>
   <p:defaultTextStyle>
     <a:defPPr>
@@ -115,12 +119,42 @@
   <p:extLst>
     <p:ext uri="{EFAFB233-063F-42B5-8137-9DF3F51BA10A}">
       <p15:sldGuideLst xmlns:p15="http://schemas.microsoft.com/office/powerpoint/2012/main">
-        <p15:guide id="1" orient="horz" pos="2160" userDrawn="1">
+        <p15:guide id="1" orient="horz" pos="3003" userDrawn="1">
           <p15:clr>
             <a:srgbClr val="A4A3A4"/>
           </p15:clr>
         </p15:guide>
         <p15:guide id="2" pos="2880" userDrawn="1">
+          <p15:clr>
+            <a:srgbClr val="A4A3A4"/>
+          </p15:clr>
+        </p15:guide>
+        <p15:guide id="3" orient="horz" pos="1620">
+          <p15:clr>
+            <a:srgbClr val="A4A3A4"/>
+          </p15:clr>
+        </p15:guide>
+        <p15:guide id="4" orient="horz" pos="146" userDrawn="1">
+          <p15:clr>
+            <a:srgbClr val="A4A3A4"/>
+          </p15:clr>
+        </p15:guide>
+        <p15:guide id="5" pos="5511" userDrawn="1">
+          <p15:clr>
+            <a:srgbClr val="A4A3A4"/>
+          </p15:clr>
+        </p15:guide>
+        <p15:guide id="6" pos="249" userDrawn="1">
+          <p15:clr>
+            <a:srgbClr val="A4A3A4"/>
+          </p15:clr>
+        </p15:guide>
+        <p15:guide id="7" orient="horz" pos="667" userDrawn="1">
+          <p15:clr>
+            <a:srgbClr val="A4A3A4"/>
+          </p15:clr>
+        </p15:guide>
+        <p15:guide id="8" orient="horz" pos="917" userDrawn="1">
           <p15:clr>
             <a:srgbClr val="A4A3A4"/>
           </p15:clr>
@@ -160,8 +194,8 @@
         </p:nvSpPr>
         <p:spPr>
           <a:xfrm>
-            <a:off x="685800" y="1122363"/>
-            <a:ext cx="7772400" cy="2387600"/>
+            <a:off x="685800" y="841772"/>
+            <a:ext cx="7772400" cy="1790700"/>
           </a:xfrm>
         </p:spPr>
         <p:txBody>
@@ -192,8 +226,8 @@
         </p:nvSpPr>
         <p:spPr>
           <a:xfrm>
-            <a:off x="1143000" y="3602038"/>
-            <a:ext cx="6858000" cy="1655762"/>
+            <a:off x="1143000" y="2701528"/>
+            <a:ext cx="6858000" cy="1241822"/>
           </a:xfrm>
         </p:spPr>
         <p:txBody>
@@ -257,8 +291,8 @@
         </p:nvSpPr>
         <p:spPr>
           <a:xfrm>
-            <a:off x="6457950" y="6356351"/>
-            <a:ext cx="2057400" cy="365125"/>
+            <a:off x="6457950" y="4767264"/>
+            <a:ext cx="2057400" cy="273844"/>
           </a:xfrm>
           <a:prstGeom prst="rect">
             <a:avLst/>
@@ -400,8 +434,8 @@
         </p:nvSpPr>
         <p:spPr>
           <a:xfrm>
-            <a:off x="628650" y="6356351"/>
-            <a:ext cx="2057400" cy="365125"/>
+            <a:off x="628650" y="4767264"/>
+            <a:ext cx="2057400" cy="273844"/>
           </a:xfrm>
           <a:prstGeom prst="rect">
             <a:avLst/>
@@ -413,7 +447,7 @@
           <a:p>
             <a:fld id="{BC2B6DF2-033D-47A1-97E2-0A3F57E3BB09}" type="datetimeFigureOut">
               <a:rPr lang="en-US" smtClean="0"/>
-              <a:t>11/4/2014</a:t>
+              <a:t>11/6/2014</a:t>
             </a:fld>
             <a:endParaRPr lang="en-US"/>
           </a:p>
@@ -431,8 +465,8 @@
         </p:nvSpPr>
         <p:spPr>
           <a:xfrm>
-            <a:off x="3028950" y="6356351"/>
-            <a:ext cx="3086100" cy="365125"/>
+            <a:off x="3028950" y="4767264"/>
+            <a:ext cx="3086100" cy="273844"/>
           </a:xfrm>
           <a:prstGeom prst="rect">
             <a:avLst/>
@@ -458,8 +492,8 @@
         </p:nvSpPr>
         <p:spPr>
           <a:xfrm>
-            <a:off x="6457950" y="6356351"/>
-            <a:ext cx="2057400" cy="365125"/>
+            <a:off x="6457950" y="4767264"/>
+            <a:ext cx="2057400" cy="273844"/>
           </a:xfrm>
           <a:prstGeom prst="rect">
             <a:avLst/>
@@ -519,8 +553,8 @@
         </p:nvSpPr>
         <p:spPr>
           <a:xfrm>
-            <a:off x="6543675" y="365125"/>
-            <a:ext cx="1971675" cy="5811838"/>
+            <a:off x="6543676" y="273844"/>
+            <a:ext cx="1971675" cy="4358879"/>
           </a:xfrm>
         </p:spPr>
         <p:txBody>
@@ -547,8 +581,8 @@
         </p:nvSpPr>
         <p:spPr>
           <a:xfrm>
-            <a:off x="628650" y="365125"/>
-            <a:ext cx="5800725" cy="5811838"/>
+            <a:off x="628651" y="273844"/>
+            <a:ext cx="5800725" cy="4358879"/>
           </a:xfrm>
         </p:spPr>
         <p:txBody>
@@ -604,8 +638,8 @@
         </p:nvSpPr>
         <p:spPr>
           <a:xfrm>
-            <a:off x="628650" y="6356351"/>
-            <a:ext cx="2057400" cy="365125"/>
+            <a:off x="628650" y="4767264"/>
+            <a:ext cx="2057400" cy="273844"/>
           </a:xfrm>
           <a:prstGeom prst="rect">
             <a:avLst/>
@@ -617,7 +651,7 @@
           <a:p>
             <a:fld id="{BC2B6DF2-033D-47A1-97E2-0A3F57E3BB09}" type="datetimeFigureOut">
               <a:rPr lang="en-US" smtClean="0"/>
-              <a:t>11/4/2014</a:t>
+              <a:t>11/6/2014</a:t>
             </a:fld>
             <a:endParaRPr lang="en-US"/>
           </a:p>
@@ -635,8 +669,8 @@
         </p:nvSpPr>
         <p:spPr>
           <a:xfrm>
-            <a:off x="3028950" y="6356351"/>
-            <a:ext cx="3086100" cy="365125"/>
+            <a:off x="3028950" y="4767264"/>
+            <a:ext cx="3086100" cy="273844"/>
           </a:xfrm>
           <a:prstGeom prst="rect">
             <a:avLst/>
@@ -662,8 +696,8 @@
         </p:nvSpPr>
         <p:spPr>
           <a:xfrm>
-            <a:off x="6457950" y="6356351"/>
-            <a:ext cx="2057400" cy="365125"/>
+            <a:off x="6457950" y="4767264"/>
+            <a:ext cx="2057400" cy="273844"/>
           </a:xfrm>
           <a:prstGeom prst="rect">
             <a:avLst/>
@@ -727,7 +761,7 @@
           <a:lstStyle/>
           <a:p>
             <a:r>
-              <a:rPr lang="de-DE" smtClean="0"/>
+              <a:rPr lang="de-DE" dirty="0" smtClean="0"/>
               <a:t>Titelmasterformat durch Klicken bearbeiten</a:t>
             </a:r>
             <a:endParaRPr lang="en-US" dirty="0"/>
@@ -798,8 +832,8 @@
         </p:nvSpPr>
         <p:spPr>
           <a:xfrm>
-            <a:off x="628650" y="6356351"/>
-            <a:ext cx="2057400" cy="365125"/>
+            <a:off x="628650" y="4767264"/>
+            <a:ext cx="2057400" cy="273844"/>
           </a:xfrm>
           <a:prstGeom prst="rect">
             <a:avLst/>
@@ -811,7 +845,7 @@
           <a:p>
             <a:fld id="{BC2B6DF2-033D-47A1-97E2-0A3F57E3BB09}" type="datetimeFigureOut">
               <a:rPr lang="en-US" smtClean="0"/>
-              <a:t>11/4/2014</a:t>
+              <a:t>11/6/2014</a:t>
             </a:fld>
             <a:endParaRPr lang="en-US"/>
           </a:p>
@@ -829,8 +863,8 @@
         </p:nvSpPr>
         <p:spPr>
           <a:xfrm>
-            <a:off x="3028950" y="6356351"/>
-            <a:ext cx="3086100" cy="365125"/>
+            <a:off x="3028950" y="4767264"/>
+            <a:ext cx="3086100" cy="273844"/>
           </a:xfrm>
           <a:prstGeom prst="rect">
             <a:avLst/>
@@ -856,8 +890,8 @@
         </p:nvSpPr>
         <p:spPr>
           <a:xfrm>
-            <a:off x="6457950" y="6356351"/>
-            <a:ext cx="2057400" cy="365125"/>
+            <a:off x="6457950" y="4767264"/>
+            <a:ext cx="2057400" cy="273844"/>
           </a:xfrm>
           <a:prstGeom prst="rect">
             <a:avLst/>
@@ -924,8 +958,8 @@
         </p:nvSpPr>
         <p:spPr>
           <a:xfrm>
-            <a:off x="623888" y="1709739"/>
-            <a:ext cx="7886700" cy="2852737"/>
+            <a:off x="623888" y="1282305"/>
+            <a:ext cx="7886700" cy="2139553"/>
           </a:xfrm>
         </p:spPr>
         <p:txBody>
@@ -956,8 +990,8 @@
         </p:nvSpPr>
         <p:spPr>
           <a:xfrm>
-            <a:off x="623888" y="4589464"/>
-            <a:ext cx="7886700" cy="1500187"/>
+            <a:off x="623888" y="3442099"/>
+            <a:ext cx="7886700" cy="1125140"/>
           </a:xfrm>
         </p:spPr>
         <p:txBody>
@@ -1073,8 +1107,8 @@
         </p:nvSpPr>
         <p:spPr>
           <a:xfrm>
-            <a:off x="628650" y="6356351"/>
-            <a:ext cx="2057400" cy="365125"/>
+            <a:off x="628650" y="4767264"/>
+            <a:ext cx="2057400" cy="273844"/>
           </a:xfrm>
           <a:prstGeom prst="rect">
             <a:avLst/>
@@ -1086,7 +1120,7 @@
           <a:p>
             <a:fld id="{BC2B6DF2-033D-47A1-97E2-0A3F57E3BB09}" type="datetimeFigureOut">
               <a:rPr lang="en-US" smtClean="0"/>
-              <a:t>11/4/2014</a:t>
+              <a:t>11/6/2014</a:t>
             </a:fld>
             <a:endParaRPr lang="en-US"/>
           </a:p>
@@ -1104,8 +1138,8 @@
         </p:nvSpPr>
         <p:spPr>
           <a:xfrm>
-            <a:off x="3028950" y="6356351"/>
-            <a:ext cx="3086100" cy="365125"/>
+            <a:off x="3028950" y="4767264"/>
+            <a:ext cx="3086100" cy="273844"/>
           </a:xfrm>
           <a:prstGeom prst="rect">
             <a:avLst/>
@@ -1131,8 +1165,8 @@
         </p:nvSpPr>
         <p:spPr>
           <a:xfrm>
-            <a:off x="6457950" y="6356351"/>
-            <a:ext cx="2057400" cy="365125"/>
+            <a:off x="6457950" y="4767264"/>
+            <a:ext cx="2057400" cy="273844"/>
           </a:xfrm>
           <a:prstGeom prst="rect">
             <a:avLst/>
@@ -1160,6 +1194,13 @@
   <p:clrMapOvr>
     <a:masterClrMapping/>
   </p:clrMapOvr>
+  <p:timing>
+    <p:tnLst>
+      <p:par>
+        <p:cTn id="1" dur="indefinite" restart="never" nodeType="tmRoot"/>
+      </p:par>
+    </p:tnLst>
+  </p:timing>
 </p:sldLayout>
 </file>
 
@@ -1215,8 +1256,8 @@
         </p:nvSpPr>
         <p:spPr>
           <a:xfrm>
-            <a:off x="628650" y="1825625"/>
-            <a:ext cx="3886200" cy="4351338"/>
+            <a:off x="628650" y="1369219"/>
+            <a:ext cx="3886200" cy="3263504"/>
           </a:xfrm>
         </p:spPr>
         <p:txBody>
@@ -1272,8 +1313,8 @@
         </p:nvSpPr>
         <p:spPr>
           <a:xfrm>
-            <a:off x="4629150" y="1825625"/>
-            <a:ext cx="3886200" cy="4351338"/>
+            <a:off x="4629150" y="1369219"/>
+            <a:ext cx="3886200" cy="3263504"/>
           </a:xfrm>
         </p:spPr>
         <p:txBody>
@@ -1329,8 +1370,8 @@
         </p:nvSpPr>
         <p:spPr>
           <a:xfrm>
-            <a:off x="628650" y="6356351"/>
-            <a:ext cx="2057400" cy="365125"/>
+            <a:off x="628650" y="4767264"/>
+            <a:ext cx="2057400" cy="273844"/>
           </a:xfrm>
           <a:prstGeom prst="rect">
             <a:avLst/>
@@ -1342,7 +1383,7 @@
           <a:p>
             <a:fld id="{BC2B6DF2-033D-47A1-97E2-0A3F57E3BB09}" type="datetimeFigureOut">
               <a:rPr lang="en-US" smtClean="0"/>
-              <a:t>11/4/2014</a:t>
+              <a:t>11/6/2014</a:t>
             </a:fld>
             <a:endParaRPr lang="en-US"/>
           </a:p>
@@ -1360,8 +1401,8 @@
         </p:nvSpPr>
         <p:spPr>
           <a:xfrm>
-            <a:off x="3028950" y="6356351"/>
-            <a:ext cx="3086100" cy="365125"/>
+            <a:off x="3028950" y="4767264"/>
+            <a:ext cx="3086100" cy="273844"/>
           </a:xfrm>
           <a:prstGeom prst="rect">
             <a:avLst/>
@@ -1387,8 +1428,8 @@
         </p:nvSpPr>
         <p:spPr>
           <a:xfrm>
-            <a:off x="6457950" y="6356351"/>
-            <a:ext cx="2057400" cy="365125"/>
+            <a:off x="6457950" y="4767264"/>
+            <a:ext cx="2057400" cy="273844"/>
           </a:xfrm>
           <a:prstGeom prst="rect">
             <a:avLst/>
@@ -1448,8 +1489,8 @@
         </p:nvSpPr>
         <p:spPr>
           <a:xfrm>
-            <a:off x="629841" y="365126"/>
-            <a:ext cx="7886700" cy="1325563"/>
+            <a:off x="629841" y="273845"/>
+            <a:ext cx="7886700" cy="994172"/>
           </a:xfrm>
         </p:spPr>
         <p:txBody>
@@ -1476,8 +1517,8 @@
         </p:nvSpPr>
         <p:spPr>
           <a:xfrm>
-            <a:off x="629842" y="1681163"/>
-            <a:ext cx="3868340" cy="823912"/>
+            <a:off x="629842" y="1260872"/>
+            <a:ext cx="3868340" cy="617934"/>
           </a:xfrm>
         </p:spPr>
         <p:txBody>
@@ -1541,8 +1582,8 @@
         </p:nvSpPr>
         <p:spPr>
           <a:xfrm>
-            <a:off x="629842" y="2505075"/>
-            <a:ext cx="3868340" cy="3684588"/>
+            <a:off x="629842" y="1878806"/>
+            <a:ext cx="3868340" cy="2763441"/>
           </a:xfrm>
         </p:spPr>
         <p:txBody>
@@ -1598,8 +1639,8 @@
         </p:nvSpPr>
         <p:spPr>
           <a:xfrm>
-            <a:off x="4629150" y="1681163"/>
-            <a:ext cx="3887391" cy="823912"/>
+            <a:off x="4629151" y="1260872"/>
+            <a:ext cx="3887391" cy="617934"/>
           </a:xfrm>
         </p:spPr>
         <p:txBody>
@@ -1663,8 +1704,8 @@
         </p:nvSpPr>
         <p:spPr>
           <a:xfrm>
-            <a:off x="4629150" y="2505075"/>
-            <a:ext cx="3887391" cy="3684588"/>
+            <a:off x="4629151" y="1878806"/>
+            <a:ext cx="3887391" cy="2763441"/>
           </a:xfrm>
         </p:spPr>
         <p:txBody>
@@ -1720,8 +1761,8 @@
         </p:nvSpPr>
         <p:spPr>
           <a:xfrm>
-            <a:off x="628650" y="6356351"/>
-            <a:ext cx="2057400" cy="365125"/>
+            <a:off x="628650" y="4767264"/>
+            <a:ext cx="2057400" cy="273844"/>
           </a:xfrm>
           <a:prstGeom prst="rect">
             <a:avLst/>
@@ -1733,7 +1774,7 @@
           <a:p>
             <a:fld id="{BC2B6DF2-033D-47A1-97E2-0A3F57E3BB09}" type="datetimeFigureOut">
               <a:rPr lang="en-US" smtClean="0"/>
-              <a:t>11/4/2014</a:t>
+              <a:t>11/6/2014</a:t>
             </a:fld>
             <a:endParaRPr lang="en-US"/>
           </a:p>
@@ -1751,8 +1792,8 @@
         </p:nvSpPr>
         <p:spPr>
           <a:xfrm>
-            <a:off x="3028950" y="6356351"/>
-            <a:ext cx="3086100" cy="365125"/>
+            <a:off x="3028950" y="4767264"/>
+            <a:ext cx="3086100" cy="273844"/>
           </a:xfrm>
           <a:prstGeom prst="rect">
             <a:avLst/>
@@ -1778,8 +1819,8 @@
         </p:nvSpPr>
         <p:spPr>
           <a:xfrm>
-            <a:off x="6457950" y="6356351"/>
-            <a:ext cx="2057400" cy="365125"/>
+            <a:off x="6457950" y="4767264"/>
+            <a:ext cx="2057400" cy="273844"/>
           </a:xfrm>
           <a:prstGeom prst="rect">
             <a:avLst/>
@@ -1862,8 +1903,8 @@
         </p:nvSpPr>
         <p:spPr>
           <a:xfrm>
-            <a:off x="628650" y="6356351"/>
-            <a:ext cx="2057400" cy="365125"/>
+            <a:off x="628650" y="4767264"/>
+            <a:ext cx="2057400" cy="273844"/>
           </a:xfrm>
           <a:prstGeom prst="rect">
             <a:avLst/>
@@ -1875,7 +1916,7 @@
           <a:p>
             <a:fld id="{BC2B6DF2-033D-47A1-97E2-0A3F57E3BB09}" type="datetimeFigureOut">
               <a:rPr lang="en-US" smtClean="0"/>
-              <a:t>11/4/2014</a:t>
+              <a:t>11/6/2014</a:t>
             </a:fld>
             <a:endParaRPr lang="en-US"/>
           </a:p>
@@ -1893,8 +1934,8 @@
         </p:nvSpPr>
         <p:spPr>
           <a:xfrm>
-            <a:off x="3028950" y="6356351"/>
-            <a:ext cx="3086100" cy="365125"/>
+            <a:off x="3028950" y="4767264"/>
+            <a:ext cx="3086100" cy="273844"/>
           </a:xfrm>
           <a:prstGeom prst="rect">
             <a:avLst/>
@@ -1920,8 +1961,8 @@
         </p:nvSpPr>
         <p:spPr>
           <a:xfrm>
-            <a:off x="6457950" y="6356351"/>
-            <a:ext cx="2057400" cy="365125"/>
+            <a:off x="6457950" y="4767264"/>
+            <a:ext cx="2057400" cy="273844"/>
           </a:xfrm>
           <a:prstGeom prst="rect">
             <a:avLst/>
@@ -1981,8 +2022,8 @@
         </p:nvSpPr>
         <p:spPr>
           <a:xfrm>
-            <a:off x="628650" y="6356351"/>
-            <a:ext cx="2057400" cy="365125"/>
+            <a:off x="628650" y="4767264"/>
+            <a:ext cx="2057400" cy="273844"/>
           </a:xfrm>
           <a:prstGeom prst="rect">
             <a:avLst/>
@@ -1994,7 +2035,7 @@
           <a:p>
             <a:fld id="{BC2B6DF2-033D-47A1-97E2-0A3F57E3BB09}" type="datetimeFigureOut">
               <a:rPr lang="en-US" smtClean="0"/>
-              <a:t>11/4/2014</a:t>
+              <a:t>11/6/2014</a:t>
             </a:fld>
             <a:endParaRPr lang="en-US"/>
           </a:p>
@@ -2012,8 +2053,8 @@
         </p:nvSpPr>
         <p:spPr>
           <a:xfrm>
-            <a:off x="3028950" y="6356351"/>
-            <a:ext cx="3086100" cy="365125"/>
+            <a:off x="3028950" y="4767264"/>
+            <a:ext cx="3086100" cy="273844"/>
           </a:xfrm>
           <a:prstGeom prst="rect">
             <a:avLst/>
@@ -2039,8 +2080,8 @@
         </p:nvSpPr>
         <p:spPr>
           <a:xfrm>
-            <a:off x="6457950" y="6356351"/>
-            <a:ext cx="2057400" cy="365125"/>
+            <a:off x="6457950" y="4767264"/>
+            <a:ext cx="2057400" cy="273844"/>
           </a:xfrm>
           <a:prstGeom prst="rect">
             <a:avLst/>
@@ -2100,8 +2141,8 @@
         </p:nvSpPr>
         <p:spPr>
           <a:xfrm>
-            <a:off x="629841" y="457200"/>
-            <a:ext cx="2949178" cy="1600200"/>
+            <a:off x="629841" y="342900"/>
+            <a:ext cx="2949178" cy="1200150"/>
           </a:xfrm>
         </p:spPr>
         <p:txBody>
@@ -2132,8 +2173,8 @@
         </p:nvSpPr>
         <p:spPr>
           <a:xfrm>
-            <a:off x="3887391" y="987426"/>
-            <a:ext cx="4629150" cy="4873625"/>
+            <a:off x="3887391" y="740570"/>
+            <a:ext cx="4629150" cy="3655219"/>
           </a:xfrm>
         </p:spPr>
         <p:txBody>
@@ -2217,8 +2258,8 @@
         </p:nvSpPr>
         <p:spPr>
           <a:xfrm>
-            <a:off x="629841" y="2057400"/>
-            <a:ext cx="2949178" cy="3811588"/>
+            <a:off x="629841" y="1543050"/>
+            <a:ext cx="2949178" cy="2858691"/>
           </a:xfrm>
         </p:spPr>
         <p:txBody>
@@ -2282,8 +2323,8 @@
         </p:nvSpPr>
         <p:spPr>
           <a:xfrm>
-            <a:off x="628650" y="6356351"/>
-            <a:ext cx="2057400" cy="365125"/>
+            <a:off x="628650" y="4767264"/>
+            <a:ext cx="2057400" cy="273844"/>
           </a:xfrm>
           <a:prstGeom prst="rect">
             <a:avLst/>
@@ -2295,7 +2336,7 @@
           <a:p>
             <a:fld id="{BC2B6DF2-033D-47A1-97E2-0A3F57E3BB09}" type="datetimeFigureOut">
               <a:rPr lang="en-US" smtClean="0"/>
-              <a:t>11/4/2014</a:t>
+              <a:t>11/6/2014</a:t>
             </a:fld>
             <a:endParaRPr lang="en-US"/>
           </a:p>
@@ -2313,8 +2354,8 @@
         </p:nvSpPr>
         <p:spPr>
           <a:xfrm>
-            <a:off x="3028950" y="6356351"/>
-            <a:ext cx="3086100" cy="365125"/>
+            <a:off x="3028950" y="4767264"/>
+            <a:ext cx="3086100" cy="273844"/>
           </a:xfrm>
           <a:prstGeom prst="rect">
             <a:avLst/>
@@ -2340,8 +2381,8 @@
         </p:nvSpPr>
         <p:spPr>
           <a:xfrm>
-            <a:off x="6457950" y="6356351"/>
-            <a:ext cx="2057400" cy="365125"/>
+            <a:off x="6457950" y="4767264"/>
+            <a:ext cx="2057400" cy="273844"/>
           </a:xfrm>
           <a:prstGeom prst="rect">
             <a:avLst/>
@@ -2401,8 +2442,8 @@
         </p:nvSpPr>
         <p:spPr>
           <a:xfrm>
-            <a:off x="629841" y="457200"/>
-            <a:ext cx="2949178" cy="1600200"/>
+            <a:off x="629841" y="342900"/>
+            <a:ext cx="2949178" cy="1200150"/>
           </a:xfrm>
         </p:spPr>
         <p:txBody>
@@ -2433,8 +2474,8 @@
         </p:nvSpPr>
         <p:spPr>
           <a:xfrm>
-            <a:off x="3887391" y="987426"/>
-            <a:ext cx="4629150" cy="4873625"/>
+            <a:off x="3887391" y="740570"/>
+            <a:ext cx="4629150" cy="3655219"/>
           </a:xfrm>
         </p:spPr>
         <p:txBody>
@@ -2498,8 +2539,8 @@
         </p:nvSpPr>
         <p:spPr>
           <a:xfrm>
-            <a:off x="629841" y="2057400"/>
-            <a:ext cx="2949178" cy="3811588"/>
+            <a:off x="629841" y="1543050"/>
+            <a:ext cx="2949178" cy="2858691"/>
           </a:xfrm>
         </p:spPr>
         <p:txBody>
@@ -2563,8 +2604,8 @@
         </p:nvSpPr>
         <p:spPr>
           <a:xfrm>
-            <a:off x="628650" y="6356351"/>
-            <a:ext cx="2057400" cy="365125"/>
+            <a:off x="628650" y="4767264"/>
+            <a:ext cx="2057400" cy="273844"/>
           </a:xfrm>
           <a:prstGeom prst="rect">
             <a:avLst/>
@@ -2576,7 +2617,7 @@
           <a:p>
             <a:fld id="{BC2B6DF2-033D-47A1-97E2-0A3F57E3BB09}" type="datetimeFigureOut">
               <a:rPr lang="en-US" smtClean="0"/>
-              <a:t>11/4/2014</a:t>
+              <a:t>11/6/2014</a:t>
             </a:fld>
             <a:endParaRPr lang="en-US"/>
           </a:p>
@@ -2594,8 +2635,8 @@
         </p:nvSpPr>
         <p:spPr>
           <a:xfrm>
-            <a:off x="3028950" y="6356351"/>
-            <a:ext cx="3086100" cy="365125"/>
+            <a:off x="3028950" y="4767264"/>
+            <a:ext cx="3086100" cy="273844"/>
           </a:xfrm>
           <a:prstGeom prst="rect">
             <a:avLst/>
@@ -2621,8 +2662,8 @@
         </p:nvSpPr>
         <p:spPr>
           <a:xfrm>
-            <a:off x="6457950" y="6356351"/>
-            <a:ext cx="2057400" cy="365125"/>
+            <a:off x="6457950" y="4767264"/>
+            <a:ext cx="2057400" cy="273844"/>
           </a:xfrm>
           <a:prstGeom prst="rect">
             <a:avLst/>
@@ -2687,8 +2728,8 @@
         </p:nvSpPr>
         <p:spPr>
           <a:xfrm>
-            <a:off x="628650" y="365126"/>
-            <a:ext cx="7886700" cy="1325563"/>
+            <a:off x="628650" y="273845"/>
+            <a:ext cx="7886700" cy="994172"/>
           </a:xfrm>
           <a:prstGeom prst="rect">
             <a:avLst/>
@@ -2720,8 +2761,8 @@
         </p:nvSpPr>
         <p:spPr>
           <a:xfrm>
-            <a:off x="628650" y="1825625"/>
-            <a:ext cx="7886700" cy="4351338"/>
+            <a:off x="628650" y="1369219"/>
+            <a:ext cx="7886700" cy="3263504"/>
           </a:xfrm>
           <a:prstGeom prst="rect">
             <a:avLst/>
@@ -2770,56 +2811,299 @@
           </a:p>
         </p:txBody>
       </p:sp>
-      <p:pic>
-        <p:nvPicPr>
-          <p:cNvPr id="7" name="Grafik 6"/>
-          <p:cNvPicPr>
-            <a:picLocks noChangeAspect="1"/>
-          </p:cNvPicPr>
+      <p:sp>
+        <p:nvSpPr>
+          <p:cNvPr id="4" name="Rechteck 3"/>
+          <p:cNvSpPr/>
           <p:nvPr userDrawn="1"/>
-        </p:nvPicPr>
-        <p:blipFill rotWithShape="1">
-          <a:blip r:embed="rId13">
-            <a:extLst>
-              <a:ext uri="{28A0092B-C50C-407E-A947-70E740481C1C}">
-                <a14:useLocalDpi xmlns:a14="http://schemas.microsoft.com/office/drawing/2010/main" val="0"/>
-              </a:ext>
-            </a:extLst>
-          </a:blip>
-          <a:srcRect t="40686" b="-1"/>
-          <a:stretch/>
-        </p:blipFill>
-        <p:spPr>
-          <a:xfrm>
-            <a:off x="0" y="1"/>
-            <a:ext cx="9144000" cy="98227"/>
-          </a:xfrm>
-          <a:prstGeom prst="rect">
-            <a:avLst/>
-          </a:prstGeom>
-        </p:spPr>
-      </p:pic>
-      <p:sp>
-        <p:nvSpPr>
-          <p:cNvPr id="8" name="Slide Number Placeholder 5"/>
-          <p:cNvSpPr txBox="1">
-            <a:spLocks/>
-          </p:cNvSpPr>
-          <p:nvPr userDrawn="1"/>
-        </p:nvSpPr>
-        <p:spPr>
-          <a:xfrm>
-            <a:off x="0" y="6600825"/>
-            <a:ext cx="8258174" cy="257175"/>
+        </p:nvSpPr>
+        <p:spPr>
+          <a:xfrm>
+            <a:off x="0" y="4985201"/>
+            <a:ext cx="673093" cy="158300"/>
           </a:xfrm>
           <a:prstGeom prst="rect">
             <a:avLst/>
           </a:prstGeom>
           <a:solidFill>
-            <a:schemeClr val="bg1">
-              <a:lumMod val="95000"/>
+            <a:srgbClr val="670097"/>
+          </a:solidFill>
+          <a:ln>
+            <a:noFill/>
+          </a:ln>
+        </p:spPr>
+        <p:style>
+          <a:lnRef idx="2">
+            <a:schemeClr val="accent1">
+              <a:shade val="50000"/>
             </a:schemeClr>
+          </a:lnRef>
+          <a:fillRef idx="1">
+            <a:schemeClr val="accent1"/>
+          </a:fillRef>
+          <a:effectRef idx="0">
+            <a:schemeClr val="accent1"/>
+          </a:effectRef>
+          <a:fontRef idx="minor">
+            <a:schemeClr val="lt1"/>
+          </a:fontRef>
+        </p:style>
+        <p:txBody>
+          <a:bodyPr rtlCol="0" anchor="ctr"/>
+          <a:lstStyle/>
+          <a:p>
+            <a:pPr algn="ctr"/>
+            <a:endParaRPr lang="de-DE"/>
+          </a:p>
+        </p:txBody>
+      </p:sp>
+      <p:sp>
+        <p:nvSpPr>
+          <p:cNvPr id="10" name="Rechteck 9"/>
+          <p:cNvSpPr/>
+          <p:nvPr userDrawn="1"/>
+        </p:nvSpPr>
+        <p:spPr>
+          <a:xfrm>
+            <a:off x="673101" y="4985201"/>
+            <a:ext cx="1130295" cy="158300"/>
+          </a:xfrm>
+          <a:prstGeom prst="rect">
+            <a:avLst/>
+          </a:prstGeom>
+          <a:solidFill>
+            <a:srgbClr val="46268F"/>
           </a:solidFill>
+          <a:ln>
+            <a:noFill/>
+          </a:ln>
+        </p:spPr>
+        <p:style>
+          <a:lnRef idx="2">
+            <a:schemeClr val="accent1">
+              <a:shade val="50000"/>
+            </a:schemeClr>
+          </a:lnRef>
+          <a:fillRef idx="1">
+            <a:schemeClr val="accent1"/>
+          </a:fillRef>
+          <a:effectRef idx="0">
+            <a:schemeClr val="accent1"/>
+          </a:effectRef>
+          <a:fontRef idx="minor">
+            <a:schemeClr val="lt1"/>
+          </a:fontRef>
+        </p:style>
+        <p:txBody>
+          <a:bodyPr rtlCol="0" anchor="ctr"/>
+          <a:lstStyle/>
+          <a:p>
+            <a:pPr algn="ctr"/>
+            <a:endParaRPr lang="de-DE"/>
+          </a:p>
+        </p:txBody>
+      </p:sp>
+      <p:sp>
+        <p:nvSpPr>
+          <p:cNvPr id="11" name="Rechteck 10"/>
+          <p:cNvSpPr/>
+          <p:nvPr userDrawn="1"/>
+        </p:nvSpPr>
+        <p:spPr>
+          <a:xfrm>
+            <a:off x="1803401" y="4985202"/>
+            <a:ext cx="3651247" cy="158299"/>
+          </a:xfrm>
+          <a:prstGeom prst="rect">
+            <a:avLst/>
+          </a:prstGeom>
+          <a:solidFill>
+            <a:srgbClr val="2758B5"/>
+          </a:solidFill>
+          <a:ln>
+            <a:noFill/>
+          </a:ln>
+        </p:spPr>
+        <p:style>
+          <a:lnRef idx="2">
+            <a:schemeClr val="accent1">
+              <a:shade val="50000"/>
+            </a:schemeClr>
+          </a:lnRef>
+          <a:fillRef idx="1">
+            <a:schemeClr val="accent1"/>
+          </a:fillRef>
+          <a:effectRef idx="0">
+            <a:schemeClr val="accent1"/>
+          </a:effectRef>
+          <a:fontRef idx="minor">
+            <a:schemeClr val="lt1"/>
+          </a:fontRef>
+        </p:style>
+        <p:txBody>
+          <a:bodyPr rtlCol="0" anchor="ctr"/>
+          <a:lstStyle/>
+          <a:p>
+            <a:pPr algn="ctr"/>
+            <a:endParaRPr lang="de-DE"/>
+          </a:p>
+        </p:txBody>
+      </p:sp>
+      <p:sp>
+        <p:nvSpPr>
+          <p:cNvPr id="12" name="Rechteck 11"/>
+          <p:cNvSpPr/>
+          <p:nvPr userDrawn="1"/>
+        </p:nvSpPr>
+        <p:spPr>
+          <a:xfrm>
+            <a:off x="5454650" y="4985201"/>
+            <a:ext cx="1752597" cy="158299"/>
+          </a:xfrm>
+          <a:prstGeom prst="rect">
+            <a:avLst/>
+          </a:prstGeom>
+          <a:solidFill>
+            <a:srgbClr val="4D9596"/>
+          </a:solidFill>
+          <a:ln>
+            <a:noFill/>
+          </a:ln>
+        </p:spPr>
+        <p:style>
+          <a:lnRef idx="2">
+            <a:schemeClr val="accent1">
+              <a:shade val="50000"/>
+            </a:schemeClr>
+          </a:lnRef>
+          <a:fillRef idx="1">
+            <a:schemeClr val="accent1"/>
+          </a:fillRef>
+          <a:effectRef idx="0">
+            <a:schemeClr val="accent1"/>
+          </a:effectRef>
+          <a:fontRef idx="minor">
+            <a:schemeClr val="lt1"/>
+          </a:fontRef>
+        </p:style>
+        <p:txBody>
+          <a:bodyPr rtlCol="0" anchor="ctr"/>
+          <a:lstStyle/>
+          <a:p>
+            <a:pPr algn="ctr"/>
+            <a:endParaRPr lang="de-DE"/>
+          </a:p>
+        </p:txBody>
+      </p:sp>
+      <p:sp>
+        <p:nvSpPr>
+          <p:cNvPr id="13" name="Rechteck 12"/>
+          <p:cNvSpPr/>
+          <p:nvPr userDrawn="1"/>
+        </p:nvSpPr>
+        <p:spPr>
+          <a:xfrm>
+            <a:off x="7207247" y="4985202"/>
+            <a:ext cx="749303" cy="158298"/>
+          </a:xfrm>
+          <a:prstGeom prst="rect">
+            <a:avLst/>
+          </a:prstGeom>
+          <a:solidFill>
+            <a:srgbClr val="A0D349"/>
+          </a:solidFill>
+          <a:ln>
+            <a:noFill/>
+          </a:ln>
+        </p:spPr>
+        <p:style>
+          <a:lnRef idx="2">
+            <a:schemeClr val="accent1">
+              <a:shade val="50000"/>
+            </a:schemeClr>
+          </a:lnRef>
+          <a:fillRef idx="1">
+            <a:schemeClr val="accent1"/>
+          </a:fillRef>
+          <a:effectRef idx="0">
+            <a:schemeClr val="accent1"/>
+          </a:effectRef>
+          <a:fontRef idx="minor">
+            <a:schemeClr val="lt1"/>
+          </a:fontRef>
+        </p:style>
+        <p:txBody>
+          <a:bodyPr rtlCol="0" anchor="ctr"/>
+          <a:lstStyle/>
+          <a:p>
+            <a:pPr algn="ctr"/>
+            <a:endParaRPr lang="de-DE"/>
+          </a:p>
+        </p:txBody>
+      </p:sp>
+      <p:sp>
+        <p:nvSpPr>
+          <p:cNvPr id="14" name="Rechteck 13"/>
+          <p:cNvSpPr/>
+          <p:nvPr userDrawn="1"/>
+        </p:nvSpPr>
+        <p:spPr>
+          <a:xfrm>
+            <a:off x="7956551" y="4985200"/>
+            <a:ext cx="1187450" cy="158299"/>
+          </a:xfrm>
+          <a:prstGeom prst="rect">
+            <a:avLst/>
+          </a:prstGeom>
+          <a:solidFill>
+            <a:srgbClr val="C4EE28"/>
+          </a:solidFill>
+          <a:ln>
+            <a:noFill/>
+          </a:ln>
+        </p:spPr>
+        <p:style>
+          <a:lnRef idx="2">
+            <a:schemeClr val="accent1">
+              <a:shade val="50000"/>
+            </a:schemeClr>
+          </a:lnRef>
+          <a:fillRef idx="1">
+            <a:schemeClr val="accent1"/>
+          </a:fillRef>
+          <a:effectRef idx="0">
+            <a:schemeClr val="accent1"/>
+          </a:effectRef>
+          <a:fontRef idx="minor">
+            <a:schemeClr val="lt1"/>
+          </a:fontRef>
+        </p:style>
+        <p:txBody>
+          <a:bodyPr rtlCol="0" anchor="ctr"/>
+          <a:lstStyle/>
+          <a:p>
+            <a:pPr algn="ctr"/>
+            <a:endParaRPr lang="de-DE"/>
+          </a:p>
+        </p:txBody>
+      </p:sp>
+      <p:sp>
+        <p:nvSpPr>
+          <p:cNvPr id="8" name="Slide Number Placeholder 5"/>
+          <p:cNvSpPr txBox="1">
+            <a:spLocks/>
+          </p:cNvSpPr>
+          <p:nvPr userDrawn="1"/>
+        </p:nvSpPr>
+        <p:spPr>
+          <a:xfrm>
+            <a:off x="1803398" y="4984750"/>
+            <a:ext cx="3651250" cy="156367"/>
+          </a:xfrm>
+          <a:prstGeom prst="rect">
+            <a:avLst/>
+          </a:prstGeom>
+          <a:noFill/>
         </p:spPr>
         <p:txBody>
           <a:bodyPr vert="horz" lIns="91440" tIns="45720" rIns="91440" bIns="45720" rtlCol="0" anchor="ctr"/>
@@ -2922,46 +3206,22 @@
           </a:lstStyle>
           <a:p>
             <a:pPr algn="l"/>
-            <a:fld id="{CBE31165-F36D-4A03-B99C-ABF4EFD8419F}" type="datetime1">
-              <a:rPr lang="de-DE" sz="1100" smtClean="0">
+            <a:r>
+              <a:rPr lang="en-US" sz="900" dirty="0" smtClean="0">
                 <a:solidFill>
-                  <a:schemeClr val="tx1">
-                    <a:lumMod val="75000"/>
-                    <a:lumOff val="25000"/>
-                  </a:schemeClr>
+                  <a:schemeClr val="bg1"/>
                 </a:solidFill>
-              </a:rPr>
-              <a:t>04.11.2014</a:t>
-            </a:fld>
-            <a:r>
-              <a:rPr lang="en-US" sz="1100" baseline="0" dirty="0" smtClean="0">
-                <a:solidFill>
-                  <a:schemeClr val="tx1">
-                    <a:lumMod val="75000"/>
-                    <a:lumOff val="25000"/>
-                  </a:schemeClr>
-                </a:solidFill>
-              </a:rPr>
-              <a:t>  |  </a:t>
-            </a:r>
-            <a:r>
-              <a:rPr lang="en-US" sz="1100" dirty="0" smtClean="0">
-                <a:solidFill>
-                  <a:schemeClr val="tx1">
-                    <a:lumMod val="75000"/>
-                    <a:lumOff val="25000"/>
-                  </a:schemeClr>
-                </a:solidFill>
+                <a:latin typeface="Roboto Light" pitchFamily="2" charset="0"/>
+                <a:ea typeface="Roboto Light" pitchFamily="2" charset="0"/>
               </a:rPr>
               <a:t>SIMON HEIMLER</a:t>
             </a:r>
-            <a:endParaRPr lang="en-US" sz="1100" dirty="0">
+            <a:endParaRPr lang="en-US" sz="900" dirty="0">
               <a:solidFill>
-                <a:schemeClr val="tx1">
-                  <a:lumMod val="75000"/>
-                  <a:lumOff val="25000"/>
-                </a:schemeClr>
+                <a:schemeClr val="bg1"/>
               </a:solidFill>
+              <a:latin typeface="Roboto Light" pitchFamily="2" charset="0"/>
+              <a:ea typeface="Roboto Light" pitchFamily="2" charset="0"/>
             </a:endParaRPr>
           </a:p>
         </p:txBody>
@@ -2976,17 +3236,13 @@
         </p:nvSpPr>
         <p:spPr>
           <a:xfrm>
-            <a:off x="8258174" y="6600825"/>
-            <a:ext cx="885825" cy="257175"/>
+            <a:off x="1" y="4987136"/>
+            <a:ext cx="673092" cy="156364"/>
           </a:xfrm>
           <a:prstGeom prst="rect">
             <a:avLst/>
           </a:prstGeom>
-          <a:solidFill>
-            <a:schemeClr val="bg1">
-              <a:lumMod val="95000"/>
-            </a:schemeClr>
-          </a:solidFill>
+          <a:noFill/>
         </p:spPr>
         <p:txBody>
           <a:bodyPr vert="horz" lIns="91440" tIns="45720" rIns="91440" bIns="45720" rtlCol="0" anchor="ctr"/>
@@ -3088,28 +3344,164 @@
             </a:lvl9pPr>
           </a:lstStyle>
           <a:p>
-            <a:pPr algn="r"/>
+            <a:pPr algn="l"/>
             <a:fld id="{F9C60BF9-9066-468F-B844-D06CEFC73884}" type="slidenum">
-              <a:rPr lang="en-US" smtClean="0">
+              <a:rPr lang="en-US" sz="900" smtClean="0">
                 <a:solidFill>
-                  <a:schemeClr val="bg1">
-                    <a:lumMod val="65000"/>
+                  <a:schemeClr val="bg1"/>
+                </a:solidFill>
+                <a:latin typeface="Roboto Light" pitchFamily="2" charset="0"/>
+                <a:ea typeface="Roboto Light" pitchFamily="2" charset="0"/>
+              </a:rPr>
+              <a:pPr algn="l"/>
+              <a:t>‹Nr.›</a:t>
+            </a:fld>
+            <a:endParaRPr lang="en-US" sz="900" dirty="0">
+              <a:solidFill>
+                <a:schemeClr val="bg1"/>
+              </a:solidFill>
+              <a:latin typeface="Roboto Light" pitchFamily="2" charset="0"/>
+              <a:ea typeface="Roboto Light" pitchFamily="2" charset="0"/>
+            </a:endParaRPr>
+          </a:p>
+        </p:txBody>
+      </p:sp>
+      <p:sp>
+        <p:nvSpPr>
+          <p:cNvPr id="15" name="Slide Number Placeholder 5"/>
+          <p:cNvSpPr txBox="1">
+            <a:spLocks/>
+          </p:cNvSpPr>
+          <p:nvPr userDrawn="1"/>
+        </p:nvSpPr>
+        <p:spPr>
+          <a:xfrm>
+            <a:off x="673098" y="4985202"/>
+            <a:ext cx="1130297" cy="158297"/>
+          </a:xfrm>
+          <a:prstGeom prst="rect">
+            <a:avLst/>
+          </a:prstGeom>
+          <a:noFill/>
+        </p:spPr>
+        <p:txBody>
+          <a:bodyPr vert="horz" lIns="91440" tIns="45720" rIns="91440" bIns="45720" rtlCol="0" anchor="ctr"/>
+          <a:lstStyle>
+            <a:defPPr>
+              <a:defRPr lang="en-US"/>
+            </a:defPPr>
+            <a:lvl1pPr marL="0" algn="r" defTabSz="914400" rtl="0" eaLnBrk="1" latinLnBrk="0" hangingPunct="1">
+              <a:defRPr sz="1200" kern="1200">
+                <a:solidFill>
+                  <a:schemeClr val="tx1">
+                    <a:tint val="75000"/>
                   </a:schemeClr>
                 </a:solidFill>
-                <a:latin typeface="Roboto Regular" pitchFamily="2" charset="0"/>
-                <a:ea typeface="Roboto Regular" pitchFamily="2" charset="0"/>
-              </a:rPr>
-              <a:pPr algn="r"/>
-              <a:t>‹Nr.›</a:t>
+                <a:latin typeface="Roboto Thin" pitchFamily="2" charset="0"/>
+                <a:ea typeface="Roboto Thin" pitchFamily="2" charset="0"/>
+                <a:cs typeface="+mn-cs"/>
+              </a:defRPr>
+            </a:lvl1pPr>
+            <a:lvl2pPr marL="457200" algn="l" defTabSz="914400" rtl="0" eaLnBrk="1" latinLnBrk="0" hangingPunct="1">
+              <a:defRPr sz="1800" kern="1200">
+                <a:solidFill>
+                  <a:schemeClr val="tx1"/>
+                </a:solidFill>
+                <a:latin typeface="+mn-lt"/>
+                <a:ea typeface="+mn-ea"/>
+                <a:cs typeface="+mn-cs"/>
+              </a:defRPr>
+            </a:lvl2pPr>
+            <a:lvl3pPr marL="914400" algn="l" defTabSz="914400" rtl="0" eaLnBrk="1" latinLnBrk="0" hangingPunct="1">
+              <a:defRPr sz="1800" kern="1200">
+                <a:solidFill>
+                  <a:schemeClr val="tx1"/>
+                </a:solidFill>
+                <a:latin typeface="+mn-lt"/>
+                <a:ea typeface="+mn-ea"/>
+                <a:cs typeface="+mn-cs"/>
+              </a:defRPr>
+            </a:lvl3pPr>
+            <a:lvl4pPr marL="1371600" algn="l" defTabSz="914400" rtl="0" eaLnBrk="1" latinLnBrk="0" hangingPunct="1">
+              <a:defRPr sz="1800" kern="1200">
+                <a:solidFill>
+                  <a:schemeClr val="tx1"/>
+                </a:solidFill>
+                <a:latin typeface="+mn-lt"/>
+                <a:ea typeface="+mn-ea"/>
+                <a:cs typeface="+mn-cs"/>
+              </a:defRPr>
+            </a:lvl4pPr>
+            <a:lvl5pPr marL="1828800" algn="l" defTabSz="914400" rtl="0" eaLnBrk="1" latinLnBrk="0" hangingPunct="1">
+              <a:defRPr sz="1800" kern="1200">
+                <a:solidFill>
+                  <a:schemeClr val="tx1"/>
+                </a:solidFill>
+                <a:latin typeface="+mn-lt"/>
+                <a:ea typeface="+mn-ea"/>
+                <a:cs typeface="+mn-cs"/>
+              </a:defRPr>
+            </a:lvl5pPr>
+            <a:lvl6pPr marL="2286000" algn="l" defTabSz="914400" rtl="0" eaLnBrk="1" latinLnBrk="0" hangingPunct="1">
+              <a:defRPr sz="1800" kern="1200">
+                <a:solidFill>
+                  <a:schemeClr val="tx1"/>
+                </a:solidFill>
+                <a:latin typeface="+mn-lt"/>
+                <a:ea typeface="+mn-ea"/>
+                <a:cs typeface="+mn-cs"/>
+              </a:defRPr>
+            </a:lvl6pPr>
+            <a:lvl7pPr marL="2743200" algn="l" defTabSz="914400" rtl="0" eaLnBrk="1" latinLnBrk="0" hangingPunct="1">
+              <a:defRPr sz="1800" kern="1200">
+                <a:solidFill>
+                  <a:schemeClr val="tx1"/>
+                </a:solidFill>
+                <a:latin typeface="+mn-lt"/>
+                <a:ea typeface="+mn-ea"/>
+                <a:cs typeface="+mn-cs"/>
+              </a:defRPr>
+            </a:lvl7pPr>
+            <a:lvl8pPr marL="3200400" algn="l" defTabSz="914400" rtl="0" eaLnBrk="1" latinLnBrk="0" hangingPunct="1">
+              <a:defRPr sz="1800" kern="1200">
+                <a:solidFill>
+                  <a:schemeClr val="tx1"/>
+                </a:solidFill>
+                <a:latin typeface="+mn-lt"/>
+                <a:ea typeface="+mn-ea"/>
+                <a:cs typeface="+mn-cs"/>
+              </a:defRPr>
+            </a:lvl8pPr>
+            <a:lvl9pPr marL="3657600" algn="l" defTabSz="914400" rtl="0" eaLnBrk="1" latinLnBrk="0" hangingPunct="1">
+              <a:defRPr sz="1800" kern="1200">
+                <a:solidFill>
+                  <a:schemeClr val="tx1"/>
+                </a:solidFill>
+                <a:latin typeface="+mn-lt"/>
+                <a:ea typeface="+mn-ea"/>
+                <a:cs typeface="+mn-cs"/>
+              </a:defRPr>
+            </a:lvl9pPr>
+          </a:lstStyle>
+          <a:p>
+            <a:pPr algn="l"/>
+            <a:fld id="{CBE31165-F36D-4A03-B99C-ABF4EFD8419F}" type="datetime1">
+              <a:rPr lang="de-DE" sz="900" smtClean="0">
+                <a:solidFill>
+                  <a:schemeClr val="bg1"/>
+                </a:solidFill>
+                <a:latin typeface="Roboto Light" pitchFamily="2" charset="0"/>
+                <a:ea typeface="Roboto Light" pitchFamily="2" charset="0"/>
+              </a:rPr>
+              <a:pPr/>
+              <a:t>06.11.2014</a:t>
             </a:fld>
-            <a:endParaRPr lang="en-US" dirty="0">
+            <a:endParaRPr lang="en-US" sz="900" dirty="0">
               <a:solidFill>
-                <a:schemeClr val="bg1">
-                  <a:lumMod val="65000"/>
-                </a:schemeClr>
+                <a:schemeClr val="bg1"/>
               </a:solidFill>
-              <a:latin typeface="Roboto Regular" pitchFamily="2" charset="0"/>
-              <a:ea typeface="Roboto Regular" pitchFamily="2" charset="0"/>
+              <a:latin typeface="Roboto Light" pitchFamily="2" charset="0"/>
+              <a:ea typeface="Roboto Light" pitchFamily="2" charset="0"/>
             </a:endParaRPr>
           </a:p>
         </p:txBody>
@@ -3454,8 +3846,8 @@
         </p:nvSpPr>
         <p:spPr>
           <a:xfrm>
-            <a:off x="532207" y="897469"/>
-            <a:ext cx="8079581" cy="2768598"/>
+            <a:off x="395289" y="231775"/>
+            <a:ext cx="8353424" cy="2339975"/>
           </a:xfrm>
         </p:spPr>
         <p:txBody>
@@ -3518,8 +3910,8 @@
         </p:nvSpPr>
         <p:spPr>
           <a:xfrm>
-            <a:off x="0" y="3666067"/>
-            <a:ext cx="9144000" cy="535589"/>
+            <a:off x="0" y="2571750"/>
+            <a:ext cx="9144000" cy="418672"/>
           </a:xfrm>
           <a:prstGeom prst="rect">
             <a:avLst/>
@@ -3573,8 +3965,8 @@
         </p:nvSpPr>
         <p:spPr>
           <a:xfrm>
-            <a:off x="0" y="3674535"/>
-            <a:ext cx="9143999" cy="527122"/>
+            <a:off x="1" y="2580402"/>
+            <a:ext cx="9143999" cy="410019"/>
           </a:xfrm>
           <a:prstGeom prst="rect">
             <a:avLst/>
@@ -3640,8 +4032,8 @@
         </p:nvSpPr>
         <p:spPr>
           <a:xfrm>
-            <a:off x="-1" y="4209377"/>
-            <a:ext cx="9143999" cy="424507"/>
+            <a:off x="0" y="2990421"/>
+            <a:ext cx="9143999" cy="354759"/>
           </a:xfrm>
           <a:prstGeom prst="rect">
             <a:avLst/>
@@ -3712,8 +4104,8 @@
         </p:nvSpPr>
         <p:spPr bwMode="auto">
           <a:xfrm>
-            <a:off x="4714875" y="5194091"/>
-            <a:ext cx="4429123" cy="1349583"/>
+            <a:off x="4714877" y="3920811"/>
+            <a:ext cx="4429123" cy="1026226"/>
           </a:xfrm>
           <a:prstGeom prst="rect">
             <a:avLst/>
@@ -3824,8 +4216,8 @@
         </p:nvSpPr>
         <p:spPr bwMode="auto">
           <a:xfrm>
-            <a:off x="0" y="5194091"/>
-            <a:ext cx="4400549" cy="1349583"/>
+            <a:off x="0" y="3920811"/>
+            <a:ext cx="4400551" cy="1026226"/>
           </a:xfrm>
           <a:prstGeom prst="rect">
             <a:avLst/>
@@ -3921,6 +4313,679 @@
     <p:extLst>
       <p:ext uri="{BB962C8B-B14F-4D97-AF65-F5344CB8AC3E}">
         <p14:creationId xmlns:p14="http://schemas.microsoft.com/office/powerpoint/2010/main" val="309862389"/>
+      </p:ext>
+    </p:extLst>
+  </p:cSld>
+  <p:clrMapOvr>
+    <a:masterClrMapping/>
+  </p:clrMapOvr>
+  <p:timing>
+    <p:tnLst>
+      <p:par>
+        <p:cTn id="1" dur="indefinite" restart="never" nodeType="tmRoot"/>
+      </p:par>
+    </p:tnLst>
+  </p:timing>
+</p:sld>
+</file>
+
+<file path=ppt/slides/slide10.xml><?xml version="1.0" encoding="utf-8"?>
+<p:sld xmlns:a="http://schemas.openxmlformats.org/drawingml/2006/main" xmlns:r="http://schemas.openxmlformats.org/officeDocument/2006/relationships" xmlns:p="http://schemas.openxmlformats.org/presentationml/2006/main">
+  <p:cSld>
+    <p:spTree>
+      <p:nvGrpSpPr>
+        <p:cNvPr id="1" name=""/>
+        <p:cNvGrpSpPr/>
+        <p:nvPr/>
+      </p:nvGrpSpPr>
+      <p:grpSpPr>
+        <a:xfrm>
+          <a:off x="0" y="0"/>
+          <a:ext cx="0" cy="0"/>
+          <a:chOff x="0" y="0"/>
+          <a:chExt cx="0" cy="0"/>
+        </a:xfrm>
+      </p:grpSpPr>
+      <p:sp>
+        <p:nvSpPr>
+          <p:cNvPr id="2" name="Titel 1"/>
+          <p:cNvSpPr>
+            <a:spLocks noGrp="1"/>
+          </p:cNvSpPr>
+          <p:nvPr>
+            <p:ph type="ctrTitle"/>
+          </p:nvPr>
+        </p:nvSpPr>
+        <p:spPr>
+          <a:xfrm>
+            <a:off x="395289" y="231775"/>
+            <a:ext cx="8353424" cy="4058285"/>
+          </a:xfrm>
+        </p:spPr>
+        <p:txBody>
+          <a:bodyPr anchor="ctr">
+            <a:noAutofit/>
+          </a:bodyPr>
+          <a:lstStyle/>
+          <a:p>
+            <a:pPr>
+              <a:lnSpc>
+                <a:spcPct val="100000"/>
+              </a:lnSpc>
+            </a:pPr>
+            <a:r>
+              <a:rPr lang="de-DE" sz="7000" dirty="0" smtClean="0">
+                <a:latin typeface="Roboto Thin" pitchFamily="2" charset="0"/>
+                <a:ea typeface="Roboto Thin" pitchFamily="2" charset="0"/>
+              </a:rPr>
+              <a:t>Hyperlinks</a:t>
+            </a:r>
+            <a:endParaRPr lang="en-US" sz="7000" dirty="0">
+              <a:latin typeface="Roboto Thin" pitchFamily="2" charset="0"/>
+              <a:ea typeface="Roboto Thin" pitchFamily="2" charset="0"/>
+            </a:endParaRPr>
+          </a:p>
+        </p:txBody>
+      </p:sp>
+    </p:spTree>
+    <p:extLst>
+      <p:ext uri="{BB962C8B-B14F-4D97-AF65-F5344CB8AC3E}">
+        <p14:creationId xmlns:p14="http://schemas.microsoft.com/office/powerpoint/2010/main" val="1517404309"/>
+      </p:ext>
+    </p:extLst>
+  </p:cSld>
+  <p:clrMapOvr>
+    <a:masterClrMapping/>
+  </p:clrMapOvr>
+  <p:timing>
+    <p:tnLst>
+      <p:par>
+        <p:cTn id="1" dur="indefinite" restart="never" nodeType="tmRoot"/>
+      </p:par>
+    </p:tnLst>
+  </p:timing>
+</p:sld>
+</file>
+
+<file path=ppt/slides/slide11.xml><?xml version="1.0" encoding="utf-8"?>
+<p:sld xmlns:a="http://schemas.openxmlformats.org/drawingml/2006/main" xmlns:r="http://schemas.openxmlformats.org/officeDocument/2006/relationships" xmlns:p="http://schemas.openxmlformats.org/presentationml/2006/main">
+  <p:cSld>
+    <p:spTree>
+      <p:nvGrpSpPr>
+        <p:cNvPr id="1" name=""/>
+        <p:cNvGrpSpPr/>
+        <p:nvPr/>
+      </p:nvGrpSpPr>
+      <p:grpSpPr>
+        <a:xfrm>
+          <a:off x="0" y="0"/>
+          <a:ext cx="0" cy="0"/>
+          <a:chOff x="0" y="0"/>
+          <a:chExt cx="0" cy="0"/>
+        </a:xfrm>
+      </p:grpSpPr>
+      <p:sp>
+        <p:nvSpPr>
+          <p:cNvPr id="3" name="Inhaltsplatzhalter 2"/>
+          <p:cNvSpPr>
+            <a:spLocks noGrp="1"/>
+          </p:cNvSpPr>
+          <p:nvPr>
+            <p:ph idx="1"/>
+          </p:nvPr>
+        </p:nvSpPr>
+        <p:spPr>
+          <a:xfrm>
+            <a:off x="395288" y="1058863"/>
+            <a:ext cx="8353425" cy="3708400"/>
+          </a:xfrm>
+        </p:spPr>
+        <p:txBody>
+          <a:bodyPr>
+            <a:normAutofit/>
+          </a:bodyPr>
+          <a:lstStyle/>
+          <a:p>
+            <a:pPr>
+              <a:lnSpc>
+                <a:spcPct val="120000"/>
+              </a:lnSpc>
+              <a:buClr>
+                <a:schemeClr val="accent5"/>
+              </a:buClr>
+              <a:buFont typeface="Wingdings" panose="05000000000000000000" pitchFamily="2" charset="2"/>
+              <a:buChar char="§"/>
+            </a:pPr>
+            <a:r>
+              <a:rPr lang="de-DE" sz="2400" dirty="0" smtClean="0">
+                <a:latin typeface="Roboto Light" pitchFamily="2" charset="0"/>
+                <a:ea typeface="Roboto Light" pitchFamily="2" charset="0"/>
+              </a:rPr>
+              <a:t>Ursprung in den Hypertextsystemen der 60er</a:t>
+            </a:r>
+          </a:p>
+          <a:p>
+            <a:pPr>
+              <a:lnSpc>
+                <a:spcPct val="120000"/>
+              </a:lnSpc>
+              <a:buClr>
+                <a:schemeClr val="accent5"/>
+              </a:buClr>
+              <a:buFont typeface="Wingdings" panose="05000000000000000000" pitchFamily="2" charset="2"/>
+              <a:buChar char="§"/>
+            </a:pPr>
+            <a:r>
+              <a:rPr lang="de-DE" sz="2400" dirty="0" smtClean="0">
+                <a:latin typeface="Roboto Light" pitchFamily="2" charset="0"/>
+                <a:ea typeface="Roboto Light" pitchFamily="2" charset="0"/>
+              </a:rPr>
+              <a:t>Hyperlinks können unterschiedlich implementiert werden:</a:t>
+            </a:r>
+          </a:p>
+          <a:p>
+            <a:pPr lvl="1">
+              <a:lnSpc>
+                <a:spcPct val="120000"/>
+              </a:lnSpc>
+              <a:buClr>
+                <a:schemeClr val="accent5"/>
+              </a:buClr>
+              <a:buFont typeface="Wingdings" panose="05000000000000000000" pitchFamily="2" charset="2"/>
+              <a:buChar char="§"/>
+            </a:pPr>
+            <a:r>
+              <a:rPr lang="de-DE" sz="2000" dirty="0" err="1" smtClean="0">
+                <a:latin typeface="Roboto Light" pitchFamily="2" charset="0"/>
+                <a:ea typeface="Roboto Light" pitchFamily="2" charset="0"/>
+              </a:rPr>
+              <a:t>Direktionalität</a:t>
+            </a:r>
+            <a:r>
+              <a:rPr lang="de-DE" sz="2000" dirty="0" smtClean="0">
+                <a:latin typeface="Roboto Light" pitchFamily="2" charset="0"/>
+                <a:ea typeface="Roboto Light" pitchFamily="2" charset="0"/>
+              </a:rPr>
+              <a:t>: </a:t>
+            </a:r>
+            <a:r>
+              <a:rPr lang="de-DE" sz="2000" dirty="0" smtClean="0">
+                <a:latin typeface="Roboto Light" pitchFamily="2" charset="0"/>
+                <a:ea typeface="Roboto Light" pitchFamily="2" charset="0"/>
+              </a:rPr>
+              <a:t>Unidirektional oder Bidirektional</a:t>
+            </a:r>
+          </a:p>
+          <a:p>
+            <a:pPr lvl="1">
+              <a:lnSpc>
+                <a:spcPct val="120000"/>
+              </a:lnSpc>
+              <a:buClr>
+                <a:schemeClr val="accent5"/>
+              </a:buClr>
+              <a:buFont typeface="Wingdings" panose="05000000000000000000" pitchFamily="2" charset="2"/>
+              <a:buChar char="§"/>
+            </a:pPr>
+            <a:r>
+              <a:rPr lang="de-DE" sz="2000" dirty="0" err="1" smtClean="0">
+                <a:latin typeface="Roboto Light" pitchFamily="2" charset="0"/>
+                <a:ea typeface="Roboto Light" pitchFamily="2" charset="0"/>
+              </a:rPr>
+              <a:t>Arität</a:t>
+            </a:r>
+            <a:r>
+              <a:rPr lang="de-DE" sz="2000" dirty="0" smtClean="0">
+                <a:latin typeface="Roboto Light" pitchFamily="2" charset="0"/>
+                <a:ea typeface="Roboto Light" pitchFamily="2" charset="0"/>
+              </a:rPr>
+              <a:t>: Ein Ziel, oder mehrere</a:t>
+            </a:r>
+          </a:p>
+          <a:p>
+            <a:pPr lvl="1">
+              <a:lnSpc>
+                <a:spcPct val="120000"/>
+              </a:lnSpc>
+              <a:buClr>
+                <a:schemeClr val="accent5"/>
+              </a:buClr>
+              <a:buFont typeface="Wingdings" panose="05000000000000000000" pitchFamily="2" charset="2"/>
+              <a:buChar char="§"/>
+            </a:pPr>
+            <a:r>
+              <a:rPr lang="de-DE" sz="2000" dirty="0" smtClean="0">
+                <a:latin typeface="Roboto Light" pitchFamily="2" charset="0"/>
+                <a:ea typeface="Roboto Light" pitchFamily="2" charset="0"/>
+              </a:rPr>
+              <a:t>Benennung: Die Relation kann benannt sein, oder nicht</a:t>
+            </a:r>
+            <a:endParaRPr lang="de-DE" sz="2000" dirty="0" smtClean="0">
+              <a:latin typeface="Roboto Light" pitchFamily="2" charset="0"/>
+              <a:ea typeface="Roboto Light" pitchFamily="2" charset="0"/>
+            </a:endParaRPr>
+          </a:p>
+        </p:txBody>
+      </p:sp>
+      <p:sp>
+        <p:nvSpPr>
+          <p:cNvPr id="6" name="Titel 1"/>
+          <p:cNvSpPr>
+            <a:spLocks noGrp="1"/>
+          </p:cNvSpPr>
+          <p:nvPr>
+            <p:ph type="title"/>
+          </p:nvPr>
+        </p:nvSpPr>
+        <p:spPr>
+          <a:xfrm>
+            <a:off x="395288" y="231776"/>
+            <a:ext cx="8353425" cy="667302"/>
+          </a:xfrm>
+        </p:spPr>
+        <p:txBody>
+          <a:bodyPr anchor="b">
+            <a:normAutofit/>
+          </a:bodyPr>
+          <a:lstStyle/>
+          <a:p>
+            <a:r>
+              <a:rPr lang="de-DE" sz="4000" dirty="0" smtClean="0">
+                <a:latin typeface="Roboto Slab Bold" pitchFamily="2" charset="0"/>
+                <a:ea typeface="Roboto Slab Bold" pitchFamily="2" charset="0"/>
+              </a:rPr>
+              <a:t>Hyperlinks</a:t>
+            </a:r>
+            <a:endParaRPr lang="en-US" sz="4000" dirty="0">
+              <a:latin typeface="Roboto Slab Bold" pitchFamily="2" charset="0"/>
+              <a:ea typeface="Roboto Slab Bold" pitchFamily="2" charset="0"/>
+            </a:endParaRPr>
+          </a:p>
+        </p:txBody>
+      </p:sp>
+      <p:cxnSp>
+        <p:nvCxnSpPr>
+          <p:cNvPr id="7" name="Gerader Verbinder 6"/>
+          <p:cNvCxnSpPr/>
+          <p:nvPr/>
+        </p:nvCxnSpPr>
+        <p:spPr>
+          <a:xfrm>
+            <a:off x="395288" y="899077"/>
+            <a:ext cx="8353425" cy="0"/>
+          </a:xfrm>
+          <a:prstGeom prst="line">
+            <a:avLst/>
+          </a:prstGeom>
+          <a:ln w="28575">
+            <a:solidFill>
+              <a:schemeClr val="bg1">
+                <a:lumMod val="75000"/>
+              </a:schemeClr>
+            </a:solidFill>
+            <a:prstDash val="sysDot"/>
+          </a:ln>
+        </p:spPr>
+        <p:style>
+          <a:lnRef idx="1">
+            <a:schemeClr val="accent1"/>
+          </a:lnRef>
+          <a:fillRef idx="0">
+            <a:schemeClr val="accent1"/>
+          </a:fillRef>
+          <a:effectRef idx="0">
+            <a:schemeClr val="accent1"/>
+          </a:effectRef>
+          <a:fontRef idx="minor">
+            <a:schemeClr val="tx1"/>
+          </a:fontRef>
+        </p:style>
+      </p:cxnSp>
+    </p:spTree>
+    <p:extLst>
+      <p:ext uri="{BB962C8B-B14F-4D97-AF65-F5344CB8AC3E}">
+        <p14:creationId xmlns:p14="http://schemas.microsoft.com/office/powerpoint/2010/main" val="2181356025"/>
+      </p:ext>
+    </p:extLst>
+  </p:cSld>
+  <p:clrMapOvr>
+    <a:masterClrMapping/>
+  </p:clrMapOvr>
+  <p:timing>
+    <p:tnLst>
+      <p:par>
+        <p:cTn id="1" dur="indefinite" restart="never" nodeType="tmRoot"/>
+      </p:par>
+    </p:tnLst>
+  </p:timing>
+</p:sld>
+</file>
+
+<file path=ppt/slides/slide12.xml><?xml version="1.0" encoding="utf-8"?>
+<p:sld xmlns:a="http://schemas.openxmlformats.org/drawingml/2006/main" xmlns:r="http://schemas.openxmlformats.org/officeDocument/2006/relationships" xmlns:p="http://schemas.openxmlformats.org/presentationml/2006/main">
+  <p:cSld>
+    <p:spTree>
+      <p:nvGrpSpPr>
+        <p:cNvPr id="1" name=""/>
+        <p:cNvGrpSpPr/>
+        <p:nvPr/>
+      </p:nvGrpSpPr>
+      <p:grpSpPr>
+        <a:xfrm>
+          <a:off x="0" y="0"/>
+          <a:ext cx="0" cy="0"/>
+          <a:chOff x="0" y="0"/>
+          <a:chExt cx="0" cy="0"/>
+        </a:xfrm>
+      </p:grpSpPr>
+      <p:sp>
+        <p:nvSpPr>
+          <p:cNvPr id="2" name="Titel 1"/>
+          <p:cNvSpPr>
+            <a:spLocks noGrp="1"/>
+          </p:cNvSpPr>
+          <p:nvPr>
+            <p:ph type="ctrTitle"/>
+          </p:nvPr>
+        </p:nvSpPr>
+        <p:spPr>
+          <a:xfrm>
+            <a:off x="395289" y="231775"/>
+            <a:ext cx="8353424" cy="4058285"/>
+          </a:xfrm>
+        </p:spPr>
+        <p:txBody>
+          <a:bodyPr anchor="ctr">
+            <a:noAutofit/>
+          </a:bodyPr>
+          <a:lstStyle/>
+          <a:p>
+            <a:pPr>
+              <a:lnSpc>
+                <a:spcPct val="100000"/>
+              </a:lnSpc>
+            </a:pPr>
+            <a:r>
+              <a:rPr lang="de-DE" sz="7000" dirty="0" smtClean="0">
+                <a:latin typeface="Roboto Thin" pitchFamily="2" charset="0"/>
+                <a:ea typeface="Roboto Thin" pitchFamily="2" charset="0"/>
+              </a:rPr>
+              <a:t>Fragen?</a:t>
+            </a:r>
+            <a:endParaRPr lang="en-US" sz="7000" dirty="0">
+              <a:latin typeface="Roboto Thin" pitchFamily="2" charset="0"/>
+              <a:ea typeface="Roboto Thin" pitchFamily="2" charset="0"/>
+            </a:endParaRPr>
+          </a:p>
+        </p:txBody>
+      </p:sp>
+    </p:spTree>
+    <p:extLst>
+      <p:ext uri="{BB962C8B-B14F-4D97-AF65-F5344CB8AC3E}">
+        <p14:creationId xmlns:p14="http://schemas.microsoft.com/office/powerpoint/2010/main" val="3155583598"/>
+      </p:ext>
+    </p:extLst>
+  </p:cSld>
+  <p:clrMapOvr>
+    <a:masterClrMapping/>
+  </p:clrMapOvr>
+  <p:timing>
+    <p:tnLst>
+      <p:par>
+        <p:cTn id="1" dur="indefinite" restart="never" nodeType="tmRoot"/>
+      </p:par>
+    </p:tnLst>
+  </p:timing>
+</p:sld>
+</file>
+
+<file path=ppt/slides/slide13.xml><?xml version="1.0" encoding="utf-8"?>
+<p:sld xmlns:a="http://schemas.openxmlformats.org/drawingml/2006/main" xmlns:r="http://schemas.openxmlformats.org/officeDocument/2006/relationships" xmlns:p="http://schemas.openxmlformats.org/presentationml/2006/main">
+  <p:cSld>
+    <p:spTree>
+      <p:nvGrpSpPr>
+        <p:cNvPr id="1" name=""/>
+        <p:cNvGrpSpPr/>
+        <p:nvPr/>
+      </p:nvGrpSpPr>
+      <p:grpSpPr>
+        <a:xfrm>
+          <a:off x="0" y="0"/>
+          <a:ext cx="0" cy="0"/>
+          <a:chOff x="0" y="0"/>
+          <a:chExt cx="0" cy="0"/>
+        </a:xfrm>
+      </p:grpSpPr>
+      <p:sp>
+        <p:nvSpPr>
+          <p:cNvPr id="2" name="Titel 1"/>
+          <p:cNvSpPr>
+            <a:spLocks noGrp="1"/>
+          </p:cNvSpPr>
+          <p:nvPr>
+            <p:ph type="ctrTitle"/>
+          </p:nvPr>
+        </p:nvSpPr>
+        <p:spPr>
+          <a:xfrm>
+            <a:off x="395289" y="1058863"/>
+            <a:ext cx="8353424" cy="1303551"/>
+          </a:xfrm>
+        </p:spPr>
+        <p:txBody>
+          <a:bodyPr anchor="ctr">
+            <a:noAutofit/>
+          </a:bodyPr>
+          <a:lstStyle/>
+          <a:p>
+            <a:pPr>
+              <a:lnSpc>
+                <a:spcPct val="100000"/>
+              </a:lnSpc>
+            </a:pPr>
+            <a:r>
+              <a:rPr lang="de-DE" sz="7000" dirty="0" smtClean="0">
+                <a:latin typeface="Roboto Thin" pitchFamily="2" charset="0"/>
+                <a:ea typeface="Roboto Thin" pitchFamily="2" charset="0"/>
+              </a:rPr>
+              <a:t>Vielen Dank!</a:t>
+            </a:r>
+            <a:endParaRPr lang="en-US" sz="7000" dirty="0">
+              <a:latin typeface="Roboto Thin" pitchFamily="2" charset="0"/>
+              <a:ea typeface="Roboto Thin" pitchFamily="2" charset="0"/>
+            </a:endParaRPr>
+          </a:p>
+        </p:txBody>
+      </p:sp>
+      <p:sp>
+        <p:nvSpPr>
+          <p:cNvPr id="3" name="Rechteck 2"/>
+          <p:cNvSpPr/>
+          <p:nvPr/>
+        </p:nvSpPr>
+        <p:spPr>
+          <a:xfrm>
+            <a:off x="0" y="2362414"/>
+            <a:ext cx="9144000" cy="418672"/>
+          </a:xfrm>
+          <a:prstGeom prst="rect">
+            <a:avLst/>
+          </a:prstGeom>
+          <a:solidFill>
+            <a:schemeClr val="bg1">
+              <a:lumMod val="95000"/>
+            </a:schemeClr>
+          </a:solidFill>
+          <a:ln>
+            <a:noFill/>
+          </a:ln>
+        </p:spPr>
+        <p:style>
+          <a:lnRef idx="2">
+            <a:schemeClr val="accent1">
+              <a:shade val="50000"/>
+            </a:schemeClr>
+          </a:lnRef>
+          <a:fillRef idx="1">
+            <a:schemeClr val="accent1"/>
+          </a:fillRef>
+          <a:effectRef idx="0">
+            <a:schemeClr val="accent1"/>
+          </a:effectRef>
+          <a:fontRef idx="minor">
+            <a:schemeClr val="lt1"/>
+          </a:fontRef>
+        </p:style>
+        <p:txBody>
+          <a:bodyPr rot="0" spcFirstLastPara="0" vertOverflow="overflow" horzOverflow="overflow" vert="horz" wrap="square" lIns="68580" tIns="34290" rIns="68580" bIns="34290" numCol="1" spcCol="0" rtlCol="0" fromWordArt="0" anchor="ctr" anchorCtr="0" forceAA="0" compatLnSpc="1">
+            <a:prstTxWarp prst="textNoShape">
+              <a:avLst/>
+            </a:prstTxWarp>
+            <a:noAutofit/>
+          </a:bodyPr>
+          <a:lstStyle/>
+          <a:p>
+            <a:pPr algn="ctr"/>
+            <a:endParaRPr lang="en-US" sz="1350"/>
+          </a:p>
+        </p:txBody>
+      </p:sp>
+      <p:sp>
+        <p:nvSpPr>
+          <p:cNvPr id="4" name="Titel 1"/>
+          <p:cNvSpPr txBox="1">
+            <a:spLocks/>
+          </p:cNvSpPr>
+          <p:nvPr/>
+        </p:nvSpPr>
+        <p:spPr>
+          <a:xfrm>
+            <a:off x="1" y="2371066"/>
+            <a:ext cx="9143999" cy="410019"/>
+          </a:xfrm>
+          <a:prstGeom prst="rect">
+            <a:avLst/>
+          </a:prstGeom>
+        </p:spPr>
+        <p:txBody>
+          <a:bodyPr vert="horz" lIns="68580" tIns="34290" rIns="68580" bIns="34290" rtlCol="0" anchor="ctr">
+            <a:noAutofit/>
+          </a:bodyPr>
+          <a:lstStyle>
+            <a:lvl1pPr algn="ctr" defTabSz="914400" rtl="0" eaLnBrk="1" latinLnBrk="0" hangingPunct="1">
+              <a:lnSpc>
+                <a:spcPct val="90000"/>
+              </a:lnSpc>
+              <a:spcBef>
+                <a:spcPct val="0"/>
+              </a:spcBef>
+              <a:buNone/>
+              <a:defRPr sz="6000" kern="1200">
+                <a:solidFill>
+                  <a:schemeClr val="tx1"/>
+                </a:solidFill>
+                <a:latin typeface="+mj-lt"/>
+                <a:ea typeface="+mj-ea"/>
+                <a:cs typeface="+mj-cs"/>
+              </a:defRPr>
+            </a:lvl1pPr>
+          </a:lstStyle>
+          <a:p>
+            <a:pPr>
+              <a:lnSpc>
+                <a:spcPct val="100000"/>
+              </a:lnSpc>
+            </a:pPr>
+            <a:r>
+              <a:rPr lang="de-DE" sz="2700" dirty="0" smtClean="0">
+                <a:latin typeface="Roboto Thin" pitchFamily="2" charset="0"/>
+                <a:ea typeface="Roboto Thin" pitchFamily="2" charset="0"/>
+              </a:rPr>
+              <a:t>FOLIEN ONLINE UNTER</a:t>
+            </a:r>
+            <a:endParaRPr lang="en-US" sz="2700" dirty="0">
+              <a:latin typeface="Roboto Thin" pitchFamily="2" charset="0"/>
+              <a:ea typeface="Roboto Thin" pitchFamily="2" charset="0"/>
+            </a:endParaRPr>
+          </a:p>
+        </p:txBody>
+      </p:sp>
+      <p:sp>
+        <p:nvSpPr>
+          <p:cNvPr id="5" name="Titel 1"/>
+          <p:cNvSpPr txBox="1">
+            <a:spLocks/>
+          </p:cNvSpPr>
+          <p:nvPr/>
+        </p:nvSpPr>
+        <p:spPr>
+          <a:xfrm>
+            <a:off x="0" y="2789737"/>
+            <a:ext cx="9143999" cy="410019"/>
+          </a:xfrm>
+          <a:prstGeom prst="rect">
+            <a:avLst/>
+          </a:prstGeom>
+        </p:spPr>
+        <p:txBody>
+          <a:bodyPr vert="horz" lIns="68580" tIns="34290" rIns="68580" bIns="34290" rtlCol="0" anchor="ctr">
+            <a:noAutofit/>
+          </a:bodyPr>
+          <a:lstStyle>
+            <a:lvl1pPr algn="ctr" defTabSz="914400" rtl="0" eaLnBrk="1" latinLnBrk="0" hangingPunct="1">
+              <a:lnSpc>
+                <a:spcPct val="90000"/>
+              </a:lnSpc>
+              <a:spcBef>
+                <a:spcPct val="0"/>
+              </a:spcBef>
+              <a:buNone/>
+              <a:defRPr sz="6000" kern="1200">
+                <a:solidFill>
+                  <a:schemeClr val="tx1"/>
+                </a:solidFill>
+                <a:latin typeface="+mj-lt"/>
+                <a:ea typeface="+mj-ea"/>
+                <a:cs typeface="+mj-cs"/>
+              </a:defRPr>
+            </a:lvl1pPr>
+          </a:lstStyle>
+          <a:p>
+            <a:pPr>
+              <a:lnSpc>
+                <a:spcPct val="100000"/>
+              </a:lnSpc>
+            </a:pPr>
+            <a:r>
+              <a:rPr lang="de-DE" sz="2400" dirty="0" smtClean="0">
+                <a:solidFill>
+                  <a:schemeClr val="tx1">
+                    <a:lumMod val="50000"/>
+                    <a:lumOff val="50000"/>
+                  </a:schemeClr>
+                </a:solidFill>
+                <a:latin typeface="Roboto Thin" pitchFamily="2" charset="0"/>
+                <a:ea typeface="Roboto Thin" pitchFamily="2" charset="0"/>
+              </a:rPr>
+              <a:t>www.fannon.de/url/swp-ppt</a:t>
+            </a:r>
+            <a:endParaRPr lang="en-US" sz="2400" dirty="0">
+              <a:solidFill>
+                <a:schemeClr val="tx1">
+                  <a:lumMod val="50000"/>
+                  <a:lumOff val="50000"/>
+                </a:schemeClr>
+              </a:solidFill>
+              <a:latin typeface="Roboto Thin" pitchFamily="2" charset="0"/>
+              <a:ea typeface="Roboto Thin" pitchFamily="2" charset="0"/>
+            </a:endParaRPr>
+          </a:p>
+        </p:txBody>
+      </p:sp>
+    </p:spTree>
+    <p:extLst>
+      <p:ext uri="{BB962C8B-B14F-4D97-AF65-F5344CB8AC3E}">
+        <p14:creationId xmlns:p14="http://schemas.microsoft.com/office/powerpoint/2010/main" val="3808437543"/>
       </p:ext>
     </p:extLst>
   </p:cSld>
@@ -3966,8 +5031,8 @@
         </p:nvSpPr>
         <p:spPr>
           <a:xfrm>
-            <a:off x="433387" y="333375"/>
-            <a:ext cx="8277225" cy="865393"/>
+            <a:off x="395288" y="231776"/>
+            <a:ext cx="8353425" cy="667302"/>
           </a:xfrm>
         </p:spPr>
         <p:txBody>
@@ -4002,19 +5067,19 @@
         </p:nvSpPr>
         <p:spPr>
           <a:xfrm>
-            <a:off x="433387" y="1404744"/>
-            <a:ext cx="8277225" cy="4805555"/>
+            <a:off x="395288" y="1058863"/>
+            <a:ext cx="8353425" cy="3708400"/>
           </a:xfrm>
         </p:spPr>
         <p:txBody>
           <a:bodyPr>
-            <a:normAutofit/>
+            <a:noAutofit/>
           </a:bodyPr>
           <a:lstStyle/>
           <a:p>
             <a:pPr>
               <a:lnSpc>
-                <a:spcPct val="112000"/>
+                <a:spcPct val="100000"/>
               </a:lnSpc>
               <a:buClr>
                 <a:schemeClr val="accent5"/>
@@ -4023,13 +5088,13 @@
               <a:buChar char="§"/>
             </a:pPr>
             <a:r>
-              <a:rPr lang="en-US" dirty="0" err="1" smtClean="0">
+              <a:rPr lang="en-US" sz="2400" dirty="0" err="1" smtClean="0">
                 <a:latin typeface="Roboto Light" pitchFamily="2" charset="0"/>
                 <a:ea typeface="Roboto Light" pitchFamily="2" charset="0"/>
               </a:rPr>
               <a:t>Einleitung</a:t>
             </a:r>
-            <a:endParaRPr lang="en-US" dirty="0" smtClean="0">
+            <a:endParaRPr lang="en-US" sz="2400" dirty="0" smtClean="0">
               <a:latin typeface="Roboto Light" pitchFamily="2" charset="0"/>
               <a:ea typeface="Roboto Light" pitchFamily="2" charset="0"/>
             </a:endParaRPr>
@@ -4037,7 +5102,7 @@
           <a:p>
             <a:pPr>
               <a:lnSpc>
-                <a:spcPct val="112000"/>
+                <a:spcPct val="100000"/>
               </a:lnSpc>
               <a:buClr>
                 <a:schemeClr val="accent5"/>
@@ -4046,27 +5111,27 @@
               <a:buChar char="§"/>
             </a:pPr>
             <a:r>
-              <a:rPr lang="en-US" dirty="0" err="1" smtClean="0">
+              <a:rPr lang="en-US" sz="2400" dirty="0" err="1" smtClean="0">
                 <a:latin typeface="Roboto Light" pitchFamily="2" charset="0"/>
                 <a:ea typeface="Roboto Light" pitchFamily="2" charset="0"/>
               </a:rPr>
               <a:t>Vorstellung</a:t>
             </a:r>
             <a:r>
-              <a:rPr lang="en-US" dirty="0" smtClean="0">
+              <a:rPr lang="en-US" sz="2400" dirty="0" smtClean="0">
                 <a:latin typeface="Roboto Light" pitchFamily="2" charset="0"/>
                 <a:ea typeface="Roboto Light" pitchFamily="2" charset="0"/>
               </a:rPr>
               <a:t> der 5 </a:t>
             </a:r>
             <a:r>
-              <a:rPr lang="en-US" dirty="0" err="1" smtClean="0">
+              <a:rPr lang="en-US" sz="2400" dirty="0" err="1" smtClean="0">
                 <a:latin typeface="Roboto Light" pitchFamily="2" charset="0"/>
                 <a:ea typeface="Roboto Light" pitchFamily="2" charset="0"/>
               </a:rPr>
               <a:t>Paradigmen</a:t>
             </a:r>
-            <a:endParaRPr lang="en-US" dirty="0" smtClean="0">
+            <a:endParaRPr lang="en-US" sz="2400" dirty="0" smtClean="0">
               <a:latin typeface="Roboto Light" pitchFamily="2" charset="0"/>
               <a:ea typeface="Roboto Light" pitchFamily="2" charset="0"/>
             </a:endParaRPr>
@@ -4074,7 +5139,7 @@
           <a:p>
             <a:pPr lvl="1">
               <a:lnSpc>
-                <a:spcPct val="112000"/>
+                <a:spcPct val="100000"/>
               </a:lnSpc>
               <a:buClr>
                 <a:schemeClr val="accent6"/>
@@ -4083,20 +5148,20 @@
               <a:buChar char="§"/>
             </a:pPr>
             <a:r>
-              <a:rPr lang="en-US" sz="2800" dirty="0" smtClean="0">
+              <a:rPr lang="en-US" dirty="0" smtClean="0">
                 <a:latin typeface="Roboto Light" pitchFamily="2" charset="0"/>
                 <a:ea typeface="Roboto Light" pitchFamily="2" charset="0"/>
               </a:rPr>
               <a:t>Mensch-Computer-</a:t>
             </a:r>
             <a:r>
-              <a:rPr lang="en-US" sz="2800" dirty="0" err="1" smtClean="0">
+              <a:rPr lang="en-US" dirty="0" err="1" smtClean="0">
                 <a:latin typeface="Roboto Light" pitchFamily="2" charset="0"/>
                 <a:ea typeface="Roboto Light" pitchFamily="2" charset="0"/>
               </a:rPr>
               <a:t>Kooperation</a:t>
             </a:r>
-            <a:endParaRPr lang="en-US" sz="2800" dirty="0" smtClean="0">
+            <a:endParaRPr lang="en-US" dirty="0" smtClean="0">
               <a:latin typeface="Roboto Light" pitchFamily="2" charset="0"/>
               <a:ea typeface="Roboto Light" pitchFamily="2" charset="0"/>
             </a:endParaRPr>
@@ -4104,7 +5169,7 @@
           <a:p>
             <a:pPr lvl="1">
               <a:lnSpc>
-                <a:spcPct val="112000"/>
+                <a:spcPct val="100000"/>
               </a:lnSpc>
               <a:buClr>
                 <a:schemeClr val="accent6"/>
@@ -4113,28 +5178,17 @@
               <a:buChar char="§"/>
             </a:pPr>
             <a:r>
-              <a:rPr lang="en-US" sz="2800" dirty="0" smtClean="0">
+              <a:rPr lang="en-US" dirty="0" smtClean="0">
                 <a:latin typeface="Roboto Light" pitchFamily="2" charset="0"/>
                 <a:ea typeface="Roboto Light" pitchFamily="2" charset="0"/>
               </a:rPr>
-              <a:t>Hy</a:t>
-            </a:r>
-            <a:r>
-              <a:rPr lang="en-US" sz="2800" dirty="0" smtClean="0">
-                <a:latin typeface="Roboto Light" pitchFamily="2" charset="0"/>
-                <a:ea typeface="Roboto Light" pitchFamily="2" charset="0"/>
-              </a:rPr>
-              <a:t>perlinks</a:t>
-            </a:r>
-            <a:endParaRPr lang="en-US" sz="2800" dirty="0" smtClean="0">
-              <a:latin typeface="Roboto Light" pitchFamily="2" charset="0"/>
-              <a:ea typeface="Roboto Light" pitchFamily="2" charset="0"/>
-            </a:endParaRPr>
+              <a:t>Hyperlinks</a:t>
+            </a:r>
           </a:p>
           <a:p>
             <a:pPr lvl="1">
               <a:lnSpc>
-                <a:spcPct val="112000"/>
+                <a:spcPct val="100000"/>
               </a:lnSpc>
               <a:buClr>
                 <a:schemeClr val="accent6"/>
@@ -4143,21 +5197,17 @@
               <a:buChar char="§"/>
             </a:pPr>
             <a:r>
-              <a:rPr lang="en-US" sz="2800" dirty="0" smtClean="0">
+              <a:rPr lang="en-US" dirty="0" smtClean="0">
                 <a:latin typeface="Roboto Light" pitchFamily="2" charset="0"/>
                 <a:ea typeface="Roboto Light" pitchFamily="2" charset="0"/>
               </a:rPr>
               <a:t>Graphenstruktur</a:t>
             </a:r>
-            <a:endParaRPr lang="en-US" sz="2800" dirty="0" smtClean="0">
-              <a:latin typeface="Roboto Light" pitchFamily="2" charset="0"/>
-              <a:ea typeface="Roboto Light" pitchFamily="2" charset="0"/>
-            </a:endParaRPr>
           </a:p>
           <a:p>
             <a:pPr lvl="1">
               <a:lnSpc>
-                <a:spcPct val="112000"/>
+                <a:spcPct val="100000"/>
               </a:lnSpc>
               <a:buClr>
                 <a:schemeClr val="accent6"/>
@@ -4166,42 +5216,38 @@
               <a:buChar char="§"/>
             </a:pPr>
             <a:r>
-              <a:rPr lang="en-US" sz="2800" dirty="0" err="1" smtClean="0">
+              <a:rPr lang="en-US" dirty="0" err="1" smtClean="0">
                 <a:latin typeface="Roboto Light" pitchFamily="2" charset="0"/>
                 <a:ea typeface="Roboto Light" pitchFamily="2" charset="0"/>
               </a:rPr>
               <a:t>Trennung</a:t>
             </a:r>
             <a:r>
-              <a:rPr lang="en-US" sz="2800" dirty="0" smtClean="0">
+              <a:rPr lang="en-US" dirty="0" smtClean="0">
                 <a:latin typeface="Roboto Light" pitchFamily="2" charset="0"/>
                 <a:ea typeface="Roboto Light" pitchFamily="2" charset="0"/>
               </a:rPr>
               <a:t> von </a:t>
             </a:r>
             <a:r>
-              <a:rPr lang="en-US" sz="2800" dirty="0" err="1" smtClean="0">
+              <a:rPr lang="en-US" dirty="0" err="1" smtClean="0">
                 <a:latin typeface="Roboto Light" pitchFamily="2" charset="0"/>
                 <a:ea typeface="Roboto Light" pitchFamily="2" charset="0"/>
               </a:rPr>
               <a:t>Fakt</a:t>
             </a:r>
             <a:r>
-              <a:rPr lang="en-US" sz="2800" dirty="0" smtClean="0">
+              <a:rPr lang="en-US" dirty="0" smtClean="0">
                 <a:latin typeface="Roboto Light" pitchFamily="2" charset="0"/>
                 <a:ea typeface="Roboto Light" pitchFamily="2" charset="0"/>
               </a:rPr>
               <a:t> und Interpretation</a:t>
             </a:r>
-            <a:endParaRPr lang="en-US" sz="2800" dirty="0" smtClean="0">
-              <a:latin typeface="Roboto Light" pitchFamily="2" charset="0"/>
-              <a:ea typeface="Roboto Light" pitchFamily="2" charset="0"/>
-            </a:endParaRPr>
           </a:p>
           <a:p>
             <a:pPr lvl="1">
               <a:lnSpc>
-                <a:spcPct val="112000"/>
+                <a:spcPct val="100000"/>
               </a:lnSpc>
               <a:buClr>
                 <a:schemeClr val="accent6"/>
@@ -4210,35 +5256,17 @@
               <a:buChar char="§"/>
             </a:pPr>
             <a:r>
-              <a:rPr lang="en-US" sz="2800" dirty="0" smtClean="0">
+              <a:rPr lang="en-US" dirty="0" smtClean="0">
                 <a:latin typeface="Roboto Light" pitchFamily="2" charset="0"/>
                 <a:ea typeface="Roboto Light" pitchFamily="2" charset="0"/>
               </a:rPr>
-              <a:t>Die “Open </a:t>
-            </a:r>
-            <a:r>
-              <a:rPr lang="en-US" sz="2800" dirty="0" smtClean="0">
-                <a:latin typeface="Roboto Light" pitchFamily="2" charset="0"/>
-                <a:ea typeface="Roboto Light" pitchFamily="2" charset="0"/>
-              </a:rPr>
-              <a:t>World </a:t>
-            </a:r>
-            <a:r>
-              <a:rPr lang="en-US" sz="2800" dirty="0" smtClean="0">
-                <a:latin typeface="Roboto Light" pitchFamily="2" charset="0"/>
-                <a:ea typeface="Roboto Light" pitchFamily="2" charset="0"/>
-              </a:rPr>
-              <a:t>Assumption”</a:t>
-            </a:r>
-            <a:endParaRPr lang="en-US" sz="2800" dirty="0" smtClean="0">
-              <a:latin typeface="Roboto Light" pitchFamily="2" charset="0"/>
-              <a:ea typeface="Roboto Light" pitchFamily="2" charset="0"/>
-            </a:endParaRPr>
+              <a:t>Die “Open World Assumption”</a:t>
+            </a:r>
           </a:p>
           <a:p>
             <a:pPr>
               <a:lnSpc>
-                <a:spcPct val="112000"/>
+                <a:spcPct val="100000"/>
               </a:lnSpc>
               <a:buClr>
                 <a:schemeClr val="accent5"/>
@@ -4247,13 +5275,13 @@
               <a:buChar char="§"/>
             </a:pPr>
             <a:r>
-              <a:rPr lang="en-US" dirty="0" err="1" smtClean="0">
+              <a:rPr lang="en-US" sz="2400" dirty="0" err="1" smtClean="0">
                 <a:latin typeface="Roboto Light" pitchFamily="2" charset="0"/>
                 <a:ea typeface="Roboto Light" pitchFamily="2" charset="0"/>
               </a:rPr>
               <a:t>Ausblick</a:t>
             </a:r>
-            <a:endParaRPr lang="en-US" dirty="0">
+            <a:endParaRPr lang="en-US" sz="2400" dirty="0">
               <a:latin typeface="Roboto Light" pitchFamily="2" charset="0"/>
               <a:ea typeface="Roboto Light" pitchFamily="2" charset="0"/>
             </a:endParaRPr>
@@ -4268,8 +5296,8 @@
         </p:nvCxnSpPr>
         <p:spPr>
           <a:xfrm>
-            <a:off x="496715" y="1198768"/>
-            <a:ext cx="8215112" cy="0"/>
+            <a:off x="395288" y="899077"/>
+            <a:ext cx="8353425" cy="0"/>
           </a:xfrm>
           <a:prstGeom prst="line">
             <a:avLst/>
@@ -4342,35 +5370,77 @@
             <a:spLocks noGrp="1"/>
           </p:cNvSpPr>
           <p:nvPr>
-            <p:ph type="title"/>
-          </p:nvPr>
-        </p:nvSpPr>
-        <p:spPr>
-          <a:xfrm>
-            <a:off x="433387" y="333375"/>
-            <a:ext cx="8277225" cy="865393"/>
-          </a:xfrm>
-        </p:spPr>
-        <p:txBody>
-          <a:bodyPr anchor="b">
-            <a:normAutofit/>
+            <p:ph type="ctrTitle"/>
+          </p:nvPr>
+        </p:nvSpPr>
+        <p:spPr>
+          <a:xfrm>
+            <a:off x="395289" y="231775"/>
+            <a:ext cx="8353424" cy="4058285"/>
+          </a:xfrm>
+        </p:spPr>
+        <p:txBody>
+          <a:bodyPr anchor="ctr">
+            <a:noAutofit/>
           </a:bodyPr>
           <a:lstStyle/>
           <a:p>
-            <a:r>
-              <a:rPr lang="de-DE" sz="4000" dirty="0" smtClean="0">
-                <a:latin typeface="Roboto Slab Bold" pitchFamily="2" charset="0"/>
-                <a:ea typeface="Roboto Slab Bold" pitchFamily="2" charset="0"/>
+            <a:pPr>
+              <a:lnSpc>
+                <a:spcPct val="100000"/>
+              </a:lnSpc>
+            </a:pPr>
+            <a:r>
+              <a:rPr lang="de-DE" sz="7000" dirty="0" smtClean="0">
+                <a:latin typeface="Roboto Thin" pitchFamily="2" charset="0"/>
+                <a:ea typeface="Roboto Thin" pitchFamily="2" charset="0"/>
               </a:rPr>
               <a:t>Einleitung</a:t>
             </a:r>
-            <a:endParaRPr lang="en-US" sz="4000" dirty="0">
-              <a:latin typeface="Roboto Slab Bold" pitchFamily="2" charset="0"/>
-              <a:ea typeface="Roboto Slab Bold" pitchFamily="2" charset="0"/>
+            <a:endParaRPr lang="en-US" sz="7000" dirty="0">
+              <a:latin typeface="Roboto Thin" pitchFamily="2" charset="0"/>
+              <a:ea typeface="Roboto Thin" pitchFamily="2" charset="0"/>
             </a:endParaRPr>
           </a:p>
         </p:txBody>
       </p:sp>
+    </p:spTree>
+    <p:extLst>
+      <p:ext uri="{BB962C8B-B14F-4D97-AF65-F5344CB8AC3E}">
+        <p14:creationId xmlns:p14="http://schemas.microsoft.com/office/powerpoint/2010/main" val="3632561142"/>
+      </p:ext>
+    </p:extLst>
+  </p:cSld>
+  <p:clrMapOvr>
+    <a:masterClrMapping/>
+  </p:clrMapOvr>
+  <p:timing>
+    <p:tnLst>
+      <p:par>
+        <p:cTn id="1" dur="indefinite" restart="never" nodeType="tmRoot"/>
+      </p:par>
+    </p:tnLst>
+  </p:timing>
+</p:sld>
+</file>
+
+<file path=ppt/slides/slide4.xml><?xml version="1.0" encoding="utf-8"?>
+<p:sld xmlns:a="http://schemas.openxmlformats.org/drawingml/2006/main" xmlns:r="http://schemas.openxmlformats.org/officeDocument/2006/relationships" xmlns:p="http://schemas.openxmlformats.org/presentationml/2006/main">
+  <p:cSld>
+    <p:spTree>
+      <p:nvGrpSpPr>
+        <p:cNvPr id="1" name=""/>
+        <p:cNvGrpSpPr/>
+        <p:nvPr/>
+      </p:nvGrpSpPr>
+      <p:grpSpPr>
+        <a:xfrm>
+          <a:off x="0" y="0"/>
+          <a:ext cx="0" cy="0"/>
+          <a:chOff x="0" y="0"/>
+          <a:chExt cx="0" cy="0"/>
+        </a:xfrm>
+      </p:grpSpPr>
       <p:sp>
         <p:nvSpPr>
           <p:cNvPr id="3" name="Inhaltsplatzhalter 2"/>
@@ -4383,8 +5453,8 @@
         </p:nvSpPr>
         <p:spPr>
           <a:xfrm>
-            <a:off x="433387" y="1404744"/>
-            <a:ext cx="8277225" cy="4805555"/>
+            <a:off x="395288" y="1058863"/>
+            <a:ext cx="8353425" cy="3708400"/>
           </a:xfrm>
         </p:spPr>
         <p:txBody>
@@ -4395,7 +5465,7 @@
           <a:p>
             <a:pPr>
               <a:lnSpc>
-                <a:spcPct val="112000"/>
+                <a:spcPct val="100000"/>
               </a:lnSpc>
               <a:buClr>
                 <a:schemeClr val="accent5"/>
@@ -4404,7 +5474,7 @@
               <a:buChar char="§"/>
             </a:pPr>
             <a:r>
-              <a:rPr lang="de-DE" dirty="0" smtClean="0">
+              <a:rPr lang="de-DE" sz="2400" dirty="0" smtClean="0">
                 <a:latin typeface="Roboto Light" pitchFamily="2" charset="0"/>
                 <a:ea typeface="Roboto Light" pitchFamily="2" charset="0"/>
               </a:rPr>
@@ -4414,7 +5484,7 @@
           <a:p>
             <a:pPr>
               <a:lnSpc>
-                <a:spcPct val="112000"/>
+                <a:spcPct val="100000"/>
               </a:lnSpc>
               <a:buClr>
                 <a:schemeClr val="accent5"/>
@@ -4423,7 +5493,7 @@
               <a:buChar char="§"/>
             </a:pPr>
             <a:r>
-              <a:rPr lang="de-DE" dirty="0" smtClean="0">
+              <a:rPr lang="de-DE" sz="2400" dirty="0" smtClean="0">
                 <a:latin typeface="Roboto Light" pitchFamily="2" charset="0"/>
                 <a:ea typeface="Roboto Light" pitchFamily="2" charset="0"/>
               </a:rPr>
@@ -4433,7 +5503,7 @@
           <a:p>
             <a:pPr>
               <a:lnSpc>
-                <a:spcPct val="112000"/>
+                <a:spcPct val="100000"/>
               </a:lnSpc>
               <a:buClr>
                 <a:schemeClr val="accent5"/>
@@ -4442,45 +5512,72 @@
               <a:buChar char="§"/>
             </a:pPr>
             <a:r>
-              <a:rPr lang="de-DE" dirty="0" smtClean="0">
+              <a:rPr lang="de-DE" sz="2400" dirty="0" smtClean="0">
                 <a:latin typeface="Roboto Light" pitchFamily="2" charset="0"/>
                 <a:ea typeface="Roboto Light" pitchFamily="2" charset="0"/>
               </a:rPr>
-              <a:t>Hier: Erklärung der Konzepte / Paradigmen dahinter</a:t>
-            </a:r>
-            <a:endParaRPr lang="de-DE" dirty="0" smtClean="0">
+              <a:t>Hier: Erklärung der Konzepte / Paradigmen </a:t>
+            </a:r>
+            <a:r>
+              <a:rPr lang="de-DE" sz="2400" dirty="0" smtClean="0">
+                <a:latin typeface="Roboto Light" pitchFamily="2" charset="0"/>
+                <a:ea typeface="Roboto Light" pitchFamily="2" charset="0"/>
+              </a:rPr>
+              <a:t>dahinter</a:t>
+            </a:r>
+            <a:endParaRPr lang="de-DE" sz="2400" dirty="0" smtClean="0">
               <a:latin typeface="Roboto Light" pitchFamily="2" charset="0"/>
               <a:ea typeface="Roboto Light" pitchFamily="2" charset="0"/>
             </a:endParaRPr>
           </a:p>
-          <a:p>
-            <a:pPr>
-              <a:lnSpc>
-                <a:spcPct val="112000"/>
-              </a:lnSpc>
-              <a:buClr>
-                <a:schemeClr val="accent5"/>
-              </a:buClr>
-              <a:buFont typeface="Wingdings" panose="05000000000000000000" pitchFamily="2" charset="2"/>
-              <a:buChar char="§"/>
-            </a:pPr>
-            <a:endParaRPr lang="de-DE" dirty="0">
-              <a:latin typeface="Roboto Light" pitchFamily="2" charset="0"/>
-              <a:ea typeface="Roboto Light" pitchFamily="2" charset="0"/>
+        </p:txBody>
+      </p:sp>
+      <p:sp>
+        <p:nvSpPr>
+          <p:cNvPr id="6" name="Titel 1"/>
+          <p:cNvSpPr>
+            <a:spLocks noGrp="1"/>
+          </p:cNvSpPr>
+          <p:nvPr>
+            <p:ph type="title"/>
+          </p:nvPr>
+        </p:nvSpPr>
+        <p:spPr>
+          <a:xfrm>
+            <a:off x="395288" y="231776"/>
+            <a:ext cx="8353425" cy="667302"/>
+          </a:xfrm>
+        </p:spPr>
+        <p:txBody>
+          <a:bodyPr anchor="b">
+            <a:normAutofit/>
+          </a:bodyPr>
+          <a:lstStyle/>
+          <a:p>
+            <a:r>
+              <a:rPr lang="de-DE" sz="4000" dirty="0" smtClean="0">
+                <a:latin typeface="Roboto Slab Bold" pitchFamily="2" charset="0"/>
+                <a:ea typeface="Roboto Slab Bold" pitchFamily="2" charset="0"/>
+              </a:rPr>
+              <a:t>Einleitung</a:t>
+            </a:r>
+            <a:endParaRPr lang="en-US" sz="4000" dirty="0">
+              <a:latin typeface="Roboto Slab Bold" pitchFamily="2" charset="0"/>
+              <a:ea typeface="Roboto Slab Bold" pitchFamily="2" charset="0"/>
             </a:endParaRPr>
           </a:p>
         </p:txBody>
       </p:sp>
       <p:cxnSp>
         <p:nvCxnSpPr>
-          <p:cNvPr id="5" name="Gerader Verbinder 4"/>
+          <p:cNvPr id="7" name="Gerader Verbinder 6"/>
           <p:cNvCxnSpPr/>
           <p:nvPr/>
         </p:nvCxnSpPr>
         <p:spPr>
           <a:xfrm>
-            <a:off x="496715" y="1198768"/>
-            <a:ext cx="8215112" cy="0"/>
+            <a:off x="395288" y="899077"/>
+            <a:ext cx="8353425" cy="0"/>
           </a:xfrm>
           <a:prstGeom prst="line">
             <a:avLst/>
@@ -4529,7 +5626,7 @@
 </p:sld>
 </file>
 
-<file path=ppt/slides/slide4.xml><?xml version="1.0" encoding="utf-8"?>
+<file path=ppt/slides/slide5.xml><?xml version="1.0" encoding="utf-8"?>
 <p:sld xmlns:a="http://schemas.openxmlformats.org/drawingml/2006/main" xmlns:r="http://schemas.openxmlformats.org/officeDocument/2006/relationships" xmlns:p="http://schemas.openxmlformats.org/presentationml/2006/main">
   <p:cSld>
     <p:spTree>
@@ -4548,42 +5645,6 @@
       </p:grpSpPr>
       <p:sp>
         <p:nvSpPr>
-          <p:cNvPr id="2" name="Titel 1"/>
-          <p:cNvSpPr>
-            <a:spLocks noGrp="1"/>
-          </p:cNvSpPr>
-          <p:nvPr>
-            <p:ph type="title"/>
-          </p:nvPr>
-        </p:nvSpPr>
-        <p:spPr>
-          <a:xfrm>
-            <a:off x="433387" y="333375"/>
-            <a:ext cx="8277225" cy="865393"/>
-          </a:xfrm>
-        </p:spPr>
-        <p:txBody>
-          <a:bodyPr anchor="b">
-            <a:normAutofit/>
-          </a:bodyPr>
-          <a:lstStyle/>
-          <a:p>
-            <a:r>
-              <a:rPr lang="de-DE" sz="4000" dirty="0" smtClean="0">
-                <a:latin typeface="Roboto Slab Bold" pitchFamily="2" charset="0"/>
-                <a:ea typeface="Roboto Slab Bold" pitchFamily="2" charset="0"/>
-              </a:rPr>
-              <a:t>Einleitung</a:t>
-            </a:r>
-            <a:endParaRPr lang="en-US" sz="4000" dirty="0">
-              <a:latin typeface="Roboto Slab Bold" pitchFamily="2" charset="0"/>
-              <a:ea typeface="Roboto Slab Bold" pitchFamily="2" charset="0"/>
-            </a:endParaRPr>
-          </a:p>
-        </p:txBody>
-      </p:sp>
-      <p:sp>
-        <p:nvSpPr>
           <p:cNvPr id="3" name="Inhaltsplatzhalter 2"/>
           <p:cNvSpPr>
             <a:spLocks noGrp="1"/>
@@ -4594,8 +5655,8 @@
         </p:nvSpPr>
         <p:spPr>
           <a:xfrm>
-            <a:off x="433387" y="1404744"/>
-            <a:ext cx="8277225" cy="1304589"/>
+            <a:off x="395288" y="1058862"/>
+            <a:ext cx="8353425" cy="1051878"/>
           </a:xfrm>
           <a:solidFill>
             <a:schemeClr val="bg1">
@@ -4604,8 +5665,8 @@
           </a:solidFill>
         </p:spPr>
         <p:txBody>
-          <a:bodyPr>
-            <a:normAutofit/>
+          <a:bodyPr anchor="ctr">
+            <a:normAutofit fontScale="92500" lnSpcReduction="10000"/>
           </a:bodyPr>
           <a:lstStyle/>
           <a:p>
@@ -4673,44 +5734,6 @@
           </a:p>
         </p:txBody>
       </p:sp>
-      <p:cxnSp>
-        <p:nvCxnSpPr>
-          <p:cNvPr id="5" name="Gerader Verbinder 4"/>
-          <p:cNvCxnSpPr/>
-          <p:nvPr/>
-        </p:nvCxnSpPr>
-        <p:spPr>
-          <a:xfrm>
-            <a:off x="496715" y="1198768"/>
-            <a:ext cx="8215112" cy="0"/>
-          </a:xfrm>
-          <a:prstGeom prst="line">
-            <a:avLst/>
-          </a:prstGeom>
-          <a:ln w="28575">
-            <a:solidFill>
-              <a:schemeClr val="bg1">
-                <a:lumMod val="75000"/>
-              </a:schemeClr>
-            </a:solidFill>
-            <a:prstDash val="sysDot"/>
-          </a:ln>
-        </p:spPr>
-        <p:style>
-          <a:lnRef idx="1">
-            <a:schemeClr val="accent1"/>
-          </a:lnRef>
-          <a:fillRef idx="0">
-            <a:schemeClr val="accent1"/>
-          </a:fillRef>
-          <a:effectRef idx="0">
-            <a:schemeClr val="accent1"/>
-          </a:effectRef>
-          <a:fontRef idx="minor">
-            <a:schemeClr val="tx1"/>
-          </a:fontRef>
-        </p:style>
-      </p:cxnSp>
       <p:sp>
         <p:nvSpPr>
           <p:cNvPr id="6" name="Inhaltsplatzhalter 2"/>
@@ -4721,8 +5744,8 @@
         </p:nvSpPr>
         <p:spPr>
           <a:xfrm>
-            <a:off x="433387" y="2915308"/>
-            <a:ext cx="8277225" cy="2781299"/>
+            <a:off x="395288" y="2270523"/>
+            <a:ext cx="8353425" cy="2496740"/>
           </a:xfrm>
           <a:prstGeom prst="rect">
             <a:avLst/>
@@ -4908,7 +5931,7 @@
               <a:buChar char="§"/>
             </a:pPr>
             <a:r>
-              <a:rPr lang="de-DE" dirty="0" smtClean="0">
+              <a:rPr lang="de-DE" sz="2400" dirty="0" smtClean="0">
                 <a:latin typeface="Roboto Light" pitchFamily="2" charset="0"/>
                 <a:ea typeface="Roboto Light" pitchFamily="2" charset="0"/>
               </a:rPr>
@@ -4926,223 +5949,16 @@
               <a:buFont typeface="Wingdings" panose="05000000000000000000" pitchFamily="2" charset="2"/>
               <a:buChar char="§"/>
             </a:pPr>
-            <a:endParaRPr lang="de-DE" dirty="0">
+            <a:endParaRPr lang="de-DE" sz="2400" dirty="0">
               <a:latin typeface="Roboto Light" pitchFamily="2" charset="0"/>
               <a:ea typeface="Roboto Light" pitchFamily="2" charset="0"/>
             </a:endParaRPr>
           </a:p>
         </p:txBody>
       </p:sp>
-    </p:spTree>
-    <p:extLst>
-      <p:ext uri="{BB962C8B-B14F-4D97-AF65-F5344CB8AC3E}">
-        <p14:creationId xmlns:p14="http://schemas.microsoft.com/office/powerpoint/2010/main" val="2663409159"/>
-      </p:ext>
-    </p:extLst>
-  </p:cSld>
-  <p:clrMapOvr>
-    <a:masterClrMapping/>
-  </p:clrMapOvr>
-  <p:timing>
-    <p:tnLst>
-      <p:par>
-        <p:cTn id="1" dur="indefinite" restart="never" nodeType="tmRoot"/>
-      </p:par>
-    </p:tnLst>
-  </p:timing>
-</p:sld>
-</file>
-
-<file path=ppt/slides/slide5.xml><?xml version="1.0" encoding="utf-8"?>
-<p:sld xmlns:a="http://schemas.openxmlformats.org/drawingml/2006/main" xmlns:r="http://schemas.openxmlformats.org/officeDocument/2006/relationships" xmlns:p="http://schemas.openxmlformats.org/presentationml/2006/main">
-  <p:cSld>
-    <p:spTree>
-      <p:nvGrpSpPr>
-        <p:cNvPr id="1" name=""/>
-        <p:cNvGrpSpPr/>
-        <p:nvPr/>
-      </p:nvGrpSpPr>
-      <p:grpSpPr>
-        <a:xfrm>
-          <a:off x="0" y="0"/>
-          <a:ext cx="0" cy="0"/>
-          <a:chOff x="0" y="0"/>
-          <a:chExt cx="0" cy="0"/>
-        </a:xfrm>
-      </p:grpSpPr>
-      <p:sp>
-        <p:nvSpPr>
-          <p:cNvPr id="2" name="Titel 1"/>
-          <p:cNvSpPr>
-            <a:spLocks noGrp="1"/>
-          </p:cNvSpPr>
-          <p:nvPr>
-            <p:ph type="title"/>
-          </p:nvPr>
-        </p:nvSpPr>
-        <p:spPr>
-          <a:xfrm>
-            <a:off x="433387" y="333375"/>
-            <a:ext cx="8277225" cy="865393"/>
-          </a:xfrm>
-        </p:spPr>
-        <p:txBody>
-          <a:bodyPr anchor="b">
-            <a:normAutofit/>
-          </a:bodyPr>
-          <a:lstStyle/>
-          <a:p>
-            <a:r>
-              <a:rPr lang="de-DE" sz="4000" dirty="0" smtClean="0">
-                <a:latin typeface="Roboto Slab Bold" pitchFamily="2" charset="0"/>
-                <a:ea typeface="Roboto Slab Bold" pitchFamily="2" charset="0"/>
-              </a:rPr>
-              <a:t>Mensch-Computer-Kooperation</a:t>
-            </a:r>
-            <a:endParaRPr lang="en-US" sz="4000" dirty="0">
-              <a:latin typeface="Roboto Slab Bold" pitchFamily="2" charset="0"/>
-              <a:ea typeface="Roboto Slab Bold" pitchFamily="2" charset="0"/>
-            </a:endParaRPr>
-          </a:p>
-        </p:txBody>
-      </p:sp>
-      <p:sp>
-        <p:nvSpPr>
-          <p:cNvPr id="3" name="Inhaltsplatzhalter 2"/>
-          <p:cNvSpPr>
-            <a:spLocks noGrp="1"/>
-          </p:cNvSpPr>
-          <p:nvPr>
-            <p:ph idx="1"/>
-          </p:nvPr>
-        </p:nvSpPr>
-        <p:spPr>
-          <a:xfrm>
-            <a:off x="433387" y="2038761"/>
-            <a:ext cx="8277225" cy="4146138"/>
-          </a:xfrm>
-        </p:spPr>
-        <p:txBody>
-          <a:bodyPr>
-            <a:normAutofit/>
-          </a:bodyPr>
-          <a:lstStyle/>
-          <a:p>
-            <a:pPr>
-              <a:lnSpc>
-                <a:spcPct val="112000"/>
-              </a:lnSpc>
-              <a:buClr>
-                <a:schemeClr val="accent5"/>
-              </a:buClr>
-              <a:buFont typeface="Wingdings" panose="05000000000000000000" pitchFamily="2" charset="2"/>
-              <a:buChar char="§"/>
-            </a:pPr>
-            <a:r>
-              <a:rPr lang="de-DE" dirty="0" smtClean="0">
-                <a:latin typeface="Roboto Light" pitchFamily="2" charset="0"/>
-                <a:ea typeface="Roboto Light" pitchFamily="2" charset="0"/>
-              </a:rPr>
-              <a:t>Maschinen haben gewisse Stärken</a:t>
-            </a:r>
-          </a:p>
-          <a:p>
-            <a:pPr>
-              <a:lnSpc>
-                <a:spcPct val="112000"/>
-              </a:lnSpc>
-              <a:buClr>
-                <a:schemeClr val="accent5"/>
-              </a:buClr>
-              <a:buFont typeface="Wingdings" panose="05000000000000000000" pitchFamily="2" charset="2"/>
-              <a:buChar char="§"/>
-            </a:pPr>
-            <a:r>
-              <a:rPr lang="de-DE" dirty="0" smtClean="0">
-                <a:latin typeface="Roboto Light" pitchFamily="2" charset="0"/>
-                <a:ea typeface="Roboto Light" pitchFamily="2" charset="0"/>
-              </a:rPr>
-              <a:t>Menschen auch, trotz aller KI</a:t>
-            </a:r>
-          </a:p>
-          <a:p>
-            <a:pPr>
-              <a:lnSpc>
-                <a:spcPct val="112000"/>
-              </a:lnSpc>
-              <a:buClr>
-                <a:schemeClr val="accent5"/>
-              </a:buClr>
-              <a:buFont typeface="Wingdings" panose="05000000000000000000" pitchFamily="2" charset="2"/>
-              <a:buChar char="§"/>
-            </a:pPr>
-            <a:r>
-              <a:rPr lang="de-DE" dirty="0" smtClean="0">
-                <a:latin typeface="Roboto Light" pitchFamily="2" charset="0"/>
-                <a:ea typeface="Roboto Light" pitchFamily="2" charset="0"/>
-              </a:rPr>
-              <a:t>Gelingt eine gute Kooperation zwischen Mensch und Maschine kann das Ergebnis beide Seiten im Alleingang übertreffen</a:t>
-            </a:r>
-          </a:p>
-          <a:p>
-            <a:pPr>
-              <a:lnSpc>
-                <a:spcPct val="112000"/>
-              </a:lnSpc>
-              <a:buClr>
-                <a:schemeClr val="accent5"/>
-              </a:buClr>
-              <a:buFont typeface="Wingdings" panose="05000000000000000000" pitchFamily="2" charset="2"/>
-              <a:buChar char="§"/>
-            </a:pPr>
-            <a:endParaRPr lang="de-DE" dirty="0">
-              <a:latin typeface="Roboto Light" pitchFamily="2" charset="0"/>
-              <a:ea typeface="Roboto Light" pitchFamily="2" charset="0"/>
-            </a:endParaRPr>
-          </a:p>
-        </p:txBody>
-      </p:sp>
-      <p:cxnSp>
-        <p:nvCxnSpPr>
-          <p:cNvPr id="5" name="Gerader Verbinder 4"/>
-          <p:cNvCxnSpPr/>
-          <p:nvPr/>
-        </p:nvCxnSpPr>
-        <p:spPr>
-          <a:xfrm>
-            <a:off x="496715" y="1198768"/>
-            <a:ext cx="8215112" cy="0"/>
-          </a:xfrm>
-          <a:prstGeom prst="line">
-            <a:avLst/>
-          </a:prstGeom>
-          <a:ln w="28575">
-            <a:solidFill>
-              <a:schemeClr val="bg1">
-                <a:lumMod val="75000"/>
-              </a:schemeClr>
-            </a:solidFill>
-            <a:prstDash val="sysDot"/>
-          </a:ln>
-        </p:spPr>
-        <p:style>
-          <a:lnRef idx="1">
-            <a:schemeClr val="accent1"/>
-          </a:lnRef>
-          <a:fillRef idx="0">
-            <a:schemeClr val="accent1"/>
-          </a:fillRef>
-          <a:effectRef idx="0">
-            <a:schemeClr val="accent1"/>
-          </a:effectRef>
-          <a:fontRef idx="minor">
-            <a:schemeClr val="tx1"/>
-          </a:fontRef>
-        </p:style>
-      </p:cxnSp>
-      <p:sp>
-        <p:nvSpPr>
-          <p:cNvPr id="6" name="Titel 1"/>
+      <p:sp>
+        <p:nvSpPr>
+          <p:cNvPr id="7" name="Titel 1"/>
           <p:cNvSpPr txBox="1">
             <a:spLocks/>
           </p:cNvSpPr>
@@ -5150,15 +5966,15 @@
         </p:nvSpPr>
         <p:spPr>
           <a:xfrm>
-            <a:off x="433386" y="1198769"/>
-            <a:ext cx="8277225" cy="596164"/>
+            <a:off x="395288" y="231776"/>
+            <a:ext cx="8353425" cy="667302"/>
           </a:xfrm>
           <a:prstGeom prst="rect">
             <a:avLst/>
           </a:prstGeom>
         </p:spPr>
         <p:txBody>
-          <a:bodyPr vert="horz" lIns="91440" tIns="45720" rIns="91440" bIns="45720" rtlCol="0" anchor="ctr">
+          <a:bodyPr vert="horz" lIns="91440" tIns="45720" rIns="91440" bIns="45720" rtlCol="0" anchor="b">
             <a:normAutofit/>
           </a:bodyPr>
           <a:lstStyle>
@@ -5182,29 +5998,61 @@
           </a:lstStyle>
           <a:p>
             <a:r>
-              <a:rPr lang="de-DE" sz="2800" dirty="0" smtClean="0">
-                <a:solidFill>
-                  <a:schemeClr val="accent6"/>
-                </a:solidFill>
+              <a:rPr lang="de-DE" sz="4000" smtClean="0">
                 <a:latin typeface="Roboto Slab Bold" pitchFamily="2" charset="0"/>
                 <a:ea typeface="Roboto Slab Bold" pitchFamily="2" charset="0"/>
               </a:rPr>
-              <a:t>Mensch vs. Maschine</a:t>
-            </a:r>
-            <a:endParaRPr lang="en-US" sz="2800" dirty="0">
-              <a:solidFill>
-                <a:schemeClr val="accent6"/>
-              </a:solidFill>
+              <a:t>Einleitung</a:t>
+            </a:r>
+            <a:endParaRPr lang="en-US" sz="4000" dirty="0">
               <a:latin typeface="Roboto Slab Bold" pitchFamily="2" charset="0"/>
               <a:ea typeface="Roboto Slab Bold" pitchFamily="2" charset="0"/>
             </a:endParaRPr>
           </a:p>
         </p:txBody>
       </p:sp>
+      <p:cxnSp>
+        <p:nvCxnSpPr>
+          <p:cNvPr id="8" name="Gerader Verbinder 7"/>
+          <p:cNvCxnSpPr/>
+          <p:nvPr/>
+        </p:nvCxnSpPr>
+        <p:spPr>
+          <a:xfrm>
+            <a:off x="395288" y="899077"/>
+            <a:ext cx="8353425" cy="0"/>
+          </a:xfrm>
+          <a:prstGeom prst="line">
+            <a:avLst/>
+          </a:prstGeom>
+          <a:ln w="28575">
+            <a:solidFill>
+              <a:schemeClr val="bg1">
+                <a:lumMod val="75000"/>
+              </a:schemeClr>
+            </a:solidFill>
+            <a:prstDash val="sysDot"/>
+          </a:ln>
+        </p:spPr>
+        <p:style>
+          <a:lnRef idx="1">
+            <a:schemeClr val="accent1"/>
+          </a:lnRef>
+          <a:fillRef idx="0">
+            <a:schemeClr val="accent1"/>
+          </a:fillRef>
+          <a:effectRef idx="0">
+            <a:schemeClr val="accent1"/>
+          </a:effectRef>
+          <a:fontRef idx="minor">
+            <a:schemeClr val="tx1"/>
+          </a:fontRef>
+        </p:style>
+      </p:cxnSp>
     </p:spTree>
     <p:extLst>
       <p:ext uri="{BB962C8B-B14F-4D97-AF65-F5344CB8AC3E}">
-        <p14:creationId xmlns:p14="http://schemas.microsoft.com/office/powerpoint/2010/main" val="945625338"/>
+        <p14:creationId xmlns:p14="http://schemas.microsoft.com/office/powerpoint/2010/main" val="2663409159"/>
       </p:ext>
     </p:extLst>
   </p:cSld>
@@ -5245,270 +6093,36 @@
             <a:spLocks noGrp="1"/>
           </p:cNvSpPr>
           <p:nvPr>
-            <p:ph type="title"/>
-          </p:nvPr>
-        </p:nvSpPr>
-        <p:spPr>
-          <a:xfrm>
-            <a:off x="433387" y="333375"/>
-            <a:ext cx="8277225" cy="865393"/>
-          </a:xfrm>
-        </p:spPr>
-        <p:txBody>
-          <a:bodyPr anchor="b">
-            <a:normAutofit/>
-          </a:bodyPr>
-          <a:lstStyle/>
-          <a:p>
-            <a:r>
-              <a:rPr lang="de-DE" sz="4000" dirty="0" smtClean="0">
-                <a:latin typeface="Roboto Slab Bold" pitchFamily="2" charset="0"/>
-                <a:ea typeface="Roboto Slab Bold" pitchFamily="2" charset="0"/>
-              </a:rPr>
-              <a:t>Mensch-Computer-Kooperation</a:t>
-            </a:r>
-            <a:endParaRPr lang="en-US" sz="4000" dirty="0">
-              <a:latin typeface="Roboto Slab Bold" pitchFamily="2" charset="0"/>
-              <a:ea typeface="Roboto Slab Bold" pitchFamily="2" charset="0"/>
-            </a:endParaRPr>
-          </a:p>
-        </p:txBody>
-      </p:sp>
-      <p:sp>
-        <p:nvSpPr>
-          <p:cNvPr id="3" name="Inhaltsplatzhalter 2"/>
-          <p:cNvSpPr>
-            <a:spLocks noGrp="1"/>
-          </p:cNvSpPr>
-          <p:nvPr>
-            <p:ph idx="1"/>
-          </p:nvPr>
-        </p:nvSpPr>
-        <p:spPr>
-          <a:xfrm>
-            <a:off x="433387" y="2064162"/>
-            <a:ext cx="8277225" cy="4395906"/>
-          </a:xfrm>
-        </p:spPr>
-        <p:txBody>
-          <a:bodyPr>
-            <a:normAutofit lnSpcReduction="10000"/>
+            <p:ph type="ctrTitle"/>
+          </p:nvPr>
+        </p:nvSpPr>
+        <p:spPr>
+          <a:xfrm>
+            <a:off x="395289" y="231775"/>
+            <a:ext cx="8353424" cy="4058285"/>
+          </a:xfrm>
+        </p:spPr>
+        <p:txBody>
+          <a:bodyPr anchor="ctr">
+            <a:noAutofit/>
           </a:bodyPr>
           <a:lstStyle/>
           <a:p>
             <a:pPr>
               <a:lnSpc>
-                <a:spcPct val="112000"/>
+                <a:spcPct val="100000"/>
               </a:lnSpc>
-              <a:buClr>
-                <a:schemeClr val="accent5"/>
-              </a:buClr>
-              <a:buFont typeface="Wingdings" panose="05000000000000000000" pitchFamily="2" charset="2"/>
-              <a:buChar char="§"/>
             </a:pPr>
             <a:r>
-              <a:rPr lang="de-DE" dirty="0" smtClean="0">
-                <a:latin typeface="Roboto Light" pitchFamily="2" charset="0"/>
-                <a:ea typeface="Roboto Light" pitchFamily="2" charset="0"/>
-              </a:rPr>
-              <a:t>Semantic Web für eine bessere Mensch-Computer-Kooperation</a:t>
-            </a:r>
-          </a:p>
-          <a:p>
-            <a:pPr>
-              <a:lnSpc>
-                <a:spcPct val="112000"/>
-              </a:lnSpc>
-              <a:buClr>
-                <a:schemeClr val="accent5"/>
-              </a:buClr>
-              <a:buFont typeface="Wingdings" panose="05000000000000000000" pitchFamily="2" charset="2"/>
-              <a:buChar char="§"/>
-            </a:pPr>
-            <a:r>
-              <a:rPr lang="de-DE" dirty="0" smtClean="0">
-                <a:latin typeface="Roboto Light" pitchFamily="2" charset="0"/>
-                <a:ea typeface="Roboto Light" pitchFamily="2" charset="0"/>
-              </a:rPr>
-              <a:t>Aktuelles Web ist menschen-lesbar</a:t>
-            </a:r>
-            <a:endParaRPr lang="de-DE" dirty="0" smtClean="0">
-              <a:latin typeface="Roboto Light" pitchFamily="2" charset="0"/>
-              <a:ea typeface="Roboto Light" pitchFamily="2" charset="0"/>
-            </a:endParaRPr>
-          </a:p>
-          <a:p>
-            <a:pPr>
-              <a:lnSpc>
-                <a:spcPct val="112000"/>
-              </a:lnSpc>
-              <a:buClr>
-                <a:schemeClr val="accent5"/>
-              </a:buClr>
-              <a:buFont typeface="Wingdings" panose="05000000000000000000" pitchFamily="2" charset="2"/>
-              <a:buChar char="§"/>
-            </a:pPr>
-            <a:r>
-              <a:rPr lang="de-DE" dirty="0" smtClean="0">
-                <a:latin typeface="Roboto Light" pitchFamily="2" charset="0"/>
-                <a:ea typeface="Roboto Light" pitchFamily="2" charset="0"/>
-              </a:rPr>
-              <a:t>Maschinen-lesbarkeit wird erreicht durch „Semantische Annotation“</a:t>
-            </a:r>
-          </a:p>
-          <a:p>
-            <a:pPr>
-              <a:lnSpc>
-                <a:spcPct val="112000"/>
-              </a:lnSpc>
-              <a:buClr>
-                <a:schemeClr val="accent5"/>
-              </a:buClr>
-              <a:buFont typeface="Wingdings" panose="05000000000000000000" pitchFamily="2" charset="2"/>
-              <a:buChar char="§"/>
-            </a:pPr>
-            <a:r>
-              <a:rPr lang="de-DE" dirty="0" smtClean="0">
-                <a:latin typeface="Roboto" pitchFamily="2" charset="0"/>
-                <a:ea typeface="Roboto" pitchFamily="2" charset="0"/>
-              </a:rPr>
-              <a:t>Semantik</a:t>
-            </a:r>
-            <a:r>
-              <a:rPr lang="de-DE" dirty="0" smtClean="0">
-                <a:latin typeface="Roboto Light" pitchFamily="2" charset="0"/>
-                <a:ea typeface="Roboto Light" pitchFamily="2" charset="0"/>
-              </a:rPr>
-              <a:t>: Bedeutung des Inhaltes</a:t>
-            </a:r>
-          </a:p>
-          <a:p>
-            <a:pPr>
-              <a:lnSpc>
-                <a:spcPct val="112000"/>
-              </a:lnSpc>
-              <a:buClr>
-                <a:schemeClr val="accent5"/>
-              </a:buClr>
-              <a:buFont typeface="Wingdings" panose="05000000000000000000" pitchFamily="2" charset="2"/>
-              <a:buChar char="§"/>
-            </a:pPr>
-            <a:r>
-              <a:rPr lang="de-DE" dirty="0" smtClean="0">
-                <a:latin typeface="Roboto Normal"/>
-                <a:ea typeface="Roboto Light" pitchFamily="2" charset="0"/>
-              </a:rPr>
-              <a:t>Annotation</a:t>
-            </a:r>
-            <a:r>
-              <a:rPr lang="de-DE" dirty="0" smtClean="0">
-                <a:latin typeface="Roboto Light" pitchFamily="2" charset="0"/>
-                <a:ea typeface="Roboto Light" pitchFamily="2" charset="0"/>
-              </a:rPr>
-              <a:t>: Inhalt wird maschinenlesbar „kommentiert“</a:t>
-            </a:r>
-            <a:endParaRPr lang="de-DE" dirty="0">
-              <a:latin typeface="Roboto Light" pitchFamily="2" charset="0"/>
-              <a:ea typeface="Roboto Light" pitchFamily="2" charset="0"/>
-            </a:endParaRPr>
-          </a:p>
-        </p:txBody>
-      </p:sp>
-      <p:cxnSp>
-        <p:nvCxnSpPr>
-          <p:cNvPr id="5" name="Gerader Verbinder 4"/>
-          <p:cNvCxnSpPr/>
-          <p:nvPr/>
-        </p:nvCxnSpPr>
-        <p:spPr>
-          <a:xfrm>
-            <a:off x="496715" y="1198768"/>
-            <a:ext cx="8215112" cy="0"/>
-          </a:xfrm>
-          <a:prstGeom prst="line">
-            <a:avLst/>
-          </a:prstGeom>
-          <a:ln w="28575">
-            <a:solidFill>
-              <a:schemeClr val="bg1">
-                <a:lumMod val="75000"/>
-              </a:schemeClr>
-            </a:solidFill>
-            <a:prstDash val="sysDot"/>
-          </a:ln>
-        </p:spPr>
-        <p:style>
-          <a:lnRef idx="1">
-            <a:schemeClr val="accent1"/>
-          </a:lnRef>
-          <a:fillRef idx="0">
-            <a:schemeClr val="accent1"/>
-          </a:fillRef>
-          <a:effectRef idx="0">
-            <a:schemeClr val="accent1"/>
-          </a:effectRef>
-          <a:fontRef idx="minor">
-            <a:schemeClr val="tx1"/>
-          </a:fontRef>
-        </p:style>
-      </p:cxnSp>
-      <p:sp>
-        <p:nvSpPr>
-          <p:cNvPr id="6" name="Titel 1"/>
-          <p:cNvSpPr txBox="1">
-            <a:spLocks/>
-          </p:cNvSpPr>
-          <p:nvPr/>
-        </p:nvSpPr>
-        <p:spPr>
-          <a:xfrm>
-            <a:off x="433386" y="1198769"/>
-            <a:ext cx="8277225" cy="596164"/>
-          </a:xfrm>
-          <a:prstGeom prst="rect">
-            <a:avLst/>
-          </a:prstGeom>
-        </p:spPr>
-        <p:txBody>
-          <a:bodyPr vert="horz" lIns="91440" tIns="45720" rIns="91440" bIns="45720" rtlCol="0" anchor="ctr">
-            <a:normAutofit/>
-          </a:bodyPr>
-          <a:lstStyle>
-            <a:lvl1pPr algn="l" defTabSz="914400" rtl="0" eaLnBrk="1" latinLnBrk="0" hangingPunct="1">
-              <a:lnSpc>
-                <a:spcPct val="90000"/>
-              </a:lnSpc>
-              <a:spcBef>
-                <a:spcPct val="0"/>
-              </a:spcBef>
-              <a:buNone/>
-              <a:defRPr sz="4400" kern="1200">
-                <a:solidFill>
-                  <a:schemeClr val="tx1"/>
-                </a:solidFill>
-                <a:latin typeface="+mj-lt"/>
-                <a:ea typeface="+mj-ea"/>
-                <a:cs typeface="+mj-cs"/>
-              </a:defRPr>
-            </a:lvl1pPr>
-          </a:lstStyle>
-          <a:p>
-            <a:r>
-              <a:rPr lang="de-DE" sz="2800" dirty="0" smtClean="0">
-                <a:solidFill>
-                  <a:schemeClr val="accent6"/>
-                </a:solidFill>
-                <a:latin typeface="Roboto Slab Bold" pitchFamily="2" charset="0"/>
-                <a:ea typeface="Roboto Slab Bold" pitchFamily="2" charset="0"/>
-              </a:rPr>
-              <a:t>Semantische Annotation</a:t>
-            </a:r>
-            <a:endParaRPr lang="en-US" sz="2800" dirty="0">
-              <a:solidFill>
-                <a:schemeClr val="accent6"/>
-              </a:solidFill>
-              <a:latin typeface="Roboto Slab Bold" pitchFamily="2" charset="0"/>
-              <a:ea typeface="Roboto Slab Bold" pitchFamily="2" charset="0"/>
+              <a:rPr lang="de-DE" sz="7000" dirty="0" smtClean="0">
+                <a:latin typeface="Roboto Thin" pitchFamily="2" charset="0"/>
+                <a:ea typeface="Roboto Thin" pitchFamily="2" charset="0"/>
+              </a:rPr>
+              <a:t>Mensch-Maschine-Kooperation</a:t>
+            </a:r>
+            <a:endParaRPr lang="en-US" sz="7000" dirty="0">
+              <a:latin typeface="Roboto Thin" pitchFamily="2" charset="0"/>
+              <a:ea typeface="Roboto Thin" pitchFamily="2" charset="0"/>
             </a:endParaRPr>
           </a:p>
         </p:txBody>
@@ -5516,7 +6130,7 @@
     </p:spTree>
     <p:extLst>
       <p:ext uri="{BB962C8B-B14F-4D97-AF65-F5344CB8AC3E}">
-        <p14:creationId xmlns:p14="http://schemas.microsoft.com/office/powerpoint/2010/main" val="1039951075"/>
+        <p14:creationId xmlns:p14="http://schemas.microsoft.com/office/powerpoint/2010/main" val="2939444823"/>
       </p:ext>
     </p:extLst>
   </p:cSld>
@@ -5562,8 +6176,8 @@
         </p:nvSpPr>
         <p:spPr>
           <a:xfrm>
-            <a:off x="433387" y="333375"/>
-            <a:ext cx="8277225" cy="865393"/>
+            <a:off x="395288" y="231776"/>
+            <a:ext cx="8353425" cy="667302"/>
           </a:xfrm>
         </p:spPr>
         <p:txBody>
@@ -5598,8 +6212,8 @@
         </p:nvSpPr>
         <p:spPr>
           <a:xfrm>
-            <a:off x="433387" y="2064162"/>
-            <a:ext cx="8277225" cy="4395906"/>
+            <a:off x="395288" y="1455738"/>
+            <a:ext cx="8353425" cy="3311525"/>
           </a:xfrm>
         </p:spPr>
         <p:txBody>
@@ -5619,11 +6233,11 @@
               <a:buChar char="§"/>
             </a:pPr>
             <a:r>
-              <a:rPr lang="de-DE" dirty="0" smtClean="0">
+              <a:rPr lang="de-DE" sz="2400" dirty="0" smtClean="0">
                 <a:latin typeface="Roboto Light" pitchFamily="2" charset="0"/>
                 <a:ea typeface="Roboto Light" pitchFamily="2" charset="0"/>
               </a:rPr>
-              <a:t>Wird langsam von den großen Webfirmen wie Google, Microsoft, Facebook unterstützt</a:t>
+              <a:t>Maschinen haben gewisse Stärken</a:t>
             </a:r>
           </a:p>
           <a:p>
@@ -5638,11 +6252,11 @@
               <a:buChar char="§"/>
             </a:pPr>
             <a:r>
-              <a:rPr lang="de-DE" dirty="0" smtClean="0">
+              <a:rPr lang="de-DE" sz="2400" dirty="0" smtClean="0">
                 <a:latin typeface="Roboto Light" pitchFamily="2" charset="0"/>
                 <a:ea typeface="Roboto Light" pitchFamily="2" charset="0"/>
               </a:rPr>
-              <a:t>Ermöglicht schlauere Suchmaschinen (SEO), Neukombination von Wissen, besser vernetzte Dienste im Web</a:t>
+              <a:t>Menschen auch, trotz aller KI</a:t>
             </a:r>
           </a:p>
           <a:p>
@@ -5657,13 +6271,25 @@
               <a:buChar char="§"/>
             </a:pPr>
             <a:r>
-              <a:rPr lang="de-DE" dirty="0" smtClean="0">
+              <a:rPr lang="de-DE" sz="2400" dirty="0" smtClean="0">
                 <a:latin typeface="Roboto Light" pitchFamily="2" charset="0"/>
                 <a:ea typeface="Roboto Light" pitchFamily="2" charset="0"/>
               </a:rPr>
-              <a:t>Reguläre Nutzer profitieren dadurch indirekt</a:t>
-            </a:r>
-            <a:endParaRPr lang="de-DE" dirty="0">
+              <a:t>Gelingt eine gute Kooperation zwischen Mensch und Maschine kann das Ergebnis beide Seiten im Alleingang übertreffen</a:t>
+            </a:r>
+          </a:p>
+          <a:p>
+            <a:pPr>
+              <a:lnSpc>
+                <a:spcPct val="112000"/>
+              </a:lnSpc>
+              <a:buClr>
+                <a:schemeClr val="accent5"/>
+              </a:buClr>
+              <a:buFont typeface="Wingdings" panose="05000000000000000000" pitchFamily="2" charset="2"/>
+              <a:buChar char="§"/>
+            </a:pPr>
+            <a:endParaRPr lang="de-DE" sz="2400" dirty="0">
               <a:latin typeface="Roboto Light" pitchFamily="2" charset="0"/>
               <a:ea typeface="Roboto Light" pitchFamily="2" charset="0"/>
             </a:endParaRPr>
@@ -5677,9 +6303,9 @@
           <p:nvPr/>
         </p:nvCxnSpPr>
         <p:spPr>
-          <a:xfrm>
-            <a:off x="496715" y="1198768"/>
-            <a:ext cx="8215112" cy="0"/>
+          <a:xfrm flipV="1">
+            <a:off x="395288" y="899077"/>
+            <a:ext cx="8353425" cy="1"/>
           </a:xfrm>
           <a:prstGeom prst="line">
             <a:avLst/>
@@ -5718,8 +6344,8 @@
         </p:nvSpPr>
         <p:spPr>
           <a:xfrm>
-            <a:off x="433386" y="1198769"/>
-            <a:ext cx="8277225" cy="596164"/>
+            <a:off x="395289" y="899077"/>
+            <a:ext cx="8353424" cy="442043"/>
           </a:xfrm>
           <a:prstGeom prst="rect">
             <a:avLst/>
@@ -5727,7 +6353,7 @@
         </p:spPr>
         <p:txBody>
           <a:bodyPr vert="horz" lIns="91440" tIns="45720" rIns="91440" bIns="45720" rtlCol="0" anchor="ctr">
-            <a:normAutofit/>
+            <a:noAutofit/>
           </a:bodyPr>
           <a:lstStyle>
             <a:lvl1pPr algn="l" defTabSz="914400" rtl="0" eaLnBrk="1" latinLnBrk="0" hangingPunct="1">
@@ -5749,22 +6375,27 @@
             </a:lvl1pPr>
           </a:lstStyle>
           <a:p>
-            <a:r>
-              <a:rPr lang="de-DE" sz="2800" dirty="0" smtClean="0">
+            <a:pPr>
+              <a:lnSpc>
+                <a:spcPct val="100000"/>
+              </a:lnSpc>
+            </a:pPr>
+            <a:r>
+              <a:rPr lang="de-DE" sz="2400" dirty="0" smtClean="0">
                 <a:solidFill>
-                  <a:schemeClr val="accent6"/>
+                  <a:schemeClr val="accent5"/>
                 </a:solidFill>
-                <a:latin typeface="Roboto Slab Bold" pitchFamily="2" charset="0"/>
-                <a:ea typeface="Roboto Slab Bold" pitchFamily="2" charset="0"/>
-              </a:rPr>
-              <a:t>Praktischer Nutzen</a:t>
-            </a:r>
-            <a:endParaRPr lang="en-US" sz="2800" dirty="0">
+                <a:latin typeface="Roboto Slab" pitchFamily="2" charset="0"/>
+                <a:ea typeface="Roboto Slab" pitchFamily="2" charset="0"/>
+              </a:rPr>
+              <a:t>Mensch vs. Maschine</a:t>
+            </a:r>
+            <a:endParaRPr lang="en-US" sz="2400" dirty="0">
               <a:solidFill>
-                <a:schemeClr val="accent6"/>
+                <a:schemeClr val="accent5"/>
               </a:solidFill>
-              <a:latin typeface="Roboto Slab Bold" pitchFamily="2" charset="0"/>
-              <a:ea typeface="Roboto Slab Bold" pitchFamily="2" charset="0"/>
+              <a:latin typeface="Roboto Slab" pitchFamily="2" charset="0"/>
+              <a:ea typeface="Roboto Slab" pitchFamily="2" charset="0"/>
             </a:endParaRPr>
           </a:p>
         </p:txBody>
@@ -5772,7 +6403,7 @@
     </p:spTree>
     <p:extLst>
       <p:ext uri="{BB962C8B-B14F-4D97-AF65-F5344CB8AC3E}">
-        <p14:creationId xmlns:p14="http://schemas.microsoft.com/office/powerpoint/2010/main" val="3233289326"/>
+        <p14:creationId xmlns:p14="http://schemas.microsoft.com/office/powerpoint/2010/main" val="945625338"/>
       </p:ext>
     </p:extLst>
   </p:cSld>
@@ -5808,42 +6439,6 @@
       </p:grpSpPr>
       <p:sp>
         <p:nvSpPr>
-          <p:cNvPr id="2" name="Titel 1"/>
-          <p:cNvSpPr>
-            <a:spLocks noGrp="1"/>
-          </p:cNvSpPr>
-          <p:nvPr>
-            <p:ph type="title"/>
-          </p:nvPr>
-        </p:nvSpPr>
-        <p:spPr>
-          <a:xfrm>
-            <a:off x="433387" y="333375"/>
-            <a:ext cx="8277225" cy="865393"/>
-          </a:xfrm>
-        </p:spPr>
-        <p:txBody>
-          <a:bodyPr anchor="b">
-            <a:normAutofit/>
-          </a:bodyPr>
-          <a:lstStyle/>
-          <a:p>
-            <a:r>
-              <a:rPr lang="de-DE" sz="4000" dirty="0" smtClean="0">
-                <a:latin typeface="Roboto Slab Bold" pitchFamily="2" charset="0"/>
-                <a:ea typeface="Roboto Slab Bold" pitchFamily="2" charset="0"/>
-              </a:rPr>
-              <a:t>Hyperlinks</a:t>
-            </a:r>
-            <a:endParaRPr lang="en-US" sz="4000" dirty="0">
-              <a:latin typeface="Roboto Slab Bold" pitchFamily="2" charset="0"/>
-              <a:ea typeface="Roboto Slab Bold" pitchFamily="2" charset="0"/>
-            </a:endParaRPr>
-          </a:p>
-        </p:txBody>
-      </p:sp>
-      <p:sp>
-        <p:nvSpPr>
           <p:cNvPr id="3" name="Inhaltsplatzhalter 2"/>
           <p:cNvSpPr>
             <a:spLocks noGrp="1"/>
@@ -5854,19 +6449,19 @@
         </p:nvSpPr>
         <p:spPr>
           <a:xfrm>
-            <a:off x="433387" y="1404744"/>
-            <a:ext cx="8277225" cy="4805555"/>
+            <a:off x="395288" y="1455737"/>
+            <a:ext cx="8353425" cy="3311525"/>
           </a:xfrm>
         </p:spPr>
         <p:txBody>
           <a:bodyPr>
-            <a:normAutofit/>
+            <a:noAutofit/>
           </a:bodyPr>
           <a:lstStyle/>
           <a:p>
             <a:pPr>
               <a:lnSpc>
-                <a:spcPct val="112000"/>
+                <a:spcPct val="100000"/>
               </a:lnSpc>
               <a:buClr>
                 <a:schemeClr val="accent5"/>
@@ -5875,17 +6470,17 @@
               <a:buChar char="§"/>
             </a:pPr>
             <a:r>
-              <a:rPr lang="de-DE" dirty="0" smtClean="0">
+              <a:rPr lang="de-DE" sz="2400" dirty="0" smtClean="0">
                 <a:latin typeface="Roboto Light" pitchFamily="2" charset="0"/>
                 <a:ea typeface="Roboto Light" pitchFamily="2" charset="0"/>
               </a:rPr>
-              <a:t>Ursprung in den Hypertextsystemen der 60er</a:t>
+              <a:t>Semantic Web für eine bessere Mensch-Computer-Kooperation</a:t>
             </a:r>
           </a:p>
           <a:p>
             <a:pPr>
               <a:lnSpc>
-                <a:spcPct val="112000"/>
+                <a:spcPct val="100000"/>
               </a:lnSpc>
               <a:buClr>
                 <a:schemeClr val="accent5"/>
@@ -5894,28 +6489,17 @@
               <a:buChar char="§"/>
             </a:pPr>
             <a:r>
-              <a:rPr lang="de-DE" dirty="0" smtClean="0">
+              <a:rPr lang="de-DE" sz="2400" dirty="0" smtClean="0">
                 <a:latin typeface="Roboto Light" pitchFamily="2" charset="0"/>
                 <a:ea typeface="Roboto Light" pitchFamily="2" charset="0"/>
               </a:rPr>
-              <a:t>Hyperlinks können </a:t>
-            </a:r>
-            <a:r>
-              <a:rPr lang="de-DE" smtClean="0">
-                <a:latin typeface="Roboto Light" pitchFamily="2" charset="0"/>
-                <a:ea typeface="Roboto Light" pitchFamily="2" charset="0"/>
-              </a:rPr>
-              <a:t>unterschiedlich mächtig sein:</a:t>
-            </a:r>
-            <a:endParaRPr lang="de-DE" dirty="0" smtClean="0">
-              <a:latin typeface="Roboto Light" pitchFamily="2" charset="0"/>
-              <a:ea typeface="Roboto Light" pitchFamily="2" charset="0"/>
-            </a:endParaRPr>
+              <a:t>Aktuelles Web ist menschen-lesbar</a:t>
+            </a:r>
           </a:p>
           <a:p>
             <a:pPr>
               <a:lnSpc>
-                <a:spcPct val="112000"/>
+                <a:spcPct val="100000"/>
               </a:lnSpc>
               <a:buClr>
                 <a:schemeClr val="accent5"/>
@@ -5923,23 +6507,118 @@
               <a:buFont typeface="Wingdings" panose="05000000000000000000" pitchFamily="2" charset="2"/>
               <a:buChar char="§"/>
             </a:pPr>
-            <a:endParaRPr lang="de-DE" dirty="0">
+            <a:r>
+              <a:rPr lang="de-DE" sz="2400" dirty="0" smtClean="0">
+                <a:latin typeface="Roboto Light" pitchFamily="2" charset="0"/>
+                <a:ea typeface="Roboto Light" pitchFamily="2" charset="0"/>
+              </a:rPr>
+              <a:t>Maschinen-lesbarkeit wird erreicht durch „Semantische Annotation“</a:t>
+            </a:r>
+          </a:p>
+          <a:p>
+            <a:pPr>
+              <a:lnSpc>
+                <a:spcPct val="100000"/>
+              </a:lnSpc>
+              <a:buClr>
+                <a:schemeClr val="accent5"/>
+              </a:buClr>
+              <a:buFont typeface="Wingdings" panose="05000000000000000000" pitchFamily="2" charset="2"/>
+              <a:buChar char="§"/>
+            </a:pPr>
+            <a:r>
+              <a:rPr lang="de-DE" sz="2400" dirty="0" smtClean="0">
+                <a:latin typeface="Roboto" pitchFamily="2" charset="0"/>
+                <a:ea typeface="Roboto" pitchFamily="2" charset="0"/>
+              </a:rPr>
+              <a:t>Semantik</a:t>
+            </a:r>
+            <a:r>
+              <a:rPr lang="de-DE" sz="2400" dirty="0" smtClean="0">
+                <a:latin typeface="Roboto Light" pitchFamily="2" charset="0"/>
+                <a:ea typeface="Roboto Light" pitchFamily="2" charset="0"/>
+              </a:rPr>
+              <a:t>: Bedeutung des Inhaltes</a:t>
+            </a:r>
+          </a:p>
+          <a:p>
+            <a:pPr>
+              <a:lnSpc>
+                <a:spcPct val="100000"/>
+              </a:lnSpc>
+              <a:buClr>
+                <a:schemeClr val="accent5"/>
+              </a:buClr>
+              <a:buFont typeface="Wingdings" panose="05000000000000000000" pitchFamily="2" charset="2"/>
+              <a:buChar char="§"/>
+            </a:pPr>
+            <a:r>
+              <a:rPr lang="de-DE" sz="2400" dirty="0" smtClean="0">
+                <a:latin typeface="Roboto Normal"/>
+                <a:ea typeface="Roboto Light" pitchFamily="2" charset="0"/>
+              </a:rPr>
+              <a:t>Annotation</a:t>
+            </a:r>
+            <a:r>
+              <a:rPr lang="de-DE" sz="2400" dirty="0" smtClean="0">
+                <a:latin typeface="Roboto Light" pitchFamily="2" charset="0"/>
+                <a:ea typeface="Roboto Light" pitchFamily="2" charset="0"/>
+              </a:rPr>
+              <a:t>: Inhalt wird maschinenlesbar „kommentiert“</a:t>
+            </a:r>
+            <a:endParaRPr lang="de-DE" sz="2400" dirty="0">
               <a:latin typeface="Roboto Light" pitchFamily="2" charset="0"/>
               <a:ea typeface="Roboto Light" pitchFamily="2" charset="0"/>
             </a:endParaRPr>
           </a:p>
         </p:txBody>
       </p:sp>
+      <p:sp>
+        <p:nvSpPr>
+          <p:cNvPr id="7" name="Titel 1"/>
+          <p:cNvSpPr>
+            <a:spLocks noGrp="1"/>
+          </p:cNvSpPr>
+          <p:nvPr>
+            <p:ph type="title"/>
+          </p:nvPr>
+        </p:nvSpPr>
+        <p:spPr>
+          <a:xfrm>
+            <a:off x="395288" y="231776"/>
+            <a:ext cx="8353425" cy="667302"/>
+          </a:xfrm>
+        </p:spPr>
+        <p:txBody>
+          <a:bodyPr anchor="b">
+            <a:normAutofit/>
+          </a:bodyPr>
+          <a:lstStyle/>
+          <a:p>
+            <a:r>
+              <a:rPr lang="de-DE" sz="4000" dirty="0" smtClean="0">
+                <a:latin typeface="Roboto Slab Bold" pitchFamily="2" charset="0"/>
+                <a:ea typeface="Roboto Slab Bold" pitchFamily="2" charset="0"/>
+              </a:rPr>
+              <a:t>Mensch-Computer-Kooperation</a:t>
+            </a:r>
+            <a:endParaRPr lang="en-US" sz="4000" dirty="0">
+              <a:latin typeface="Roboto Slab Bold" pitchFamily="2" charset="0"/>
+              <a:ea typeface="Roboto Slab Bold" pitchFamily="2" charset="0"/>
+            </a:endParaRPr>
+          </a:p>
+        </p:txBody>
+      </p:sp>
       <p:cxnSp>
         <p:nvCxnSpPr>
-          <p:cNvPr id="5" name="Gerader Verbinder 4"/>
+          <p:cNvPr id="8" name="Gerader Verbinder 7"/>
           <p:cNvCxnSpPr/>
           <p:nvPr/>
         </p:nvCxnSpPr>
         <p:spPr>
-          <a:xfrm>
-            <a:off x="496715" y="1198768"/>
-            <a:ext cx="8215112" cy="0"/>
+          <a:xfrm flipV="1">
+            <a:off x="395288" y="899077"/>
+            <a:ext cx="8353425" cy="1"/>
           </a:xfrm>
           <a:prstGeom prst="line">
             <a:avLst/>
@@ -5968,10 +6647,76 @@
           </a:fontRef>
         </p:style>
       </p:cxnSp>
+      <p:sp>
+        <p:nvSpPr>
+          <p:cNvPr id="9" name="Titel 1"/>
+          <p:cNvSpPr txBox="1">
+            <a:spLocks/>
+          </p:cNvSpPr>
+          <p:nvPr/>
+        </p:nvSpPr>
+        <p:spPr>
+          <a:xfrm>
+            <a:off x="395289" y="899077"/>
+            <a:ext cx="8353424" cy="442043"/>
+          </a:xfrm>
+          <a:prstGeom prst="rect">
+            <a:avLst/>
+          </a:prstGeom>
+        </p:spPr>
+        <p:txBody>
+          <a:bodyPr vert="horz" lIns="91440" tIns="45720" rIns="91440" bIns="45720" rtlCol="0" anchor="ctr">
+            <a:noAutofit/>
+          </a:bodyPr>
+          <a:lstStyle>
+            <a:lvl1pPr algn="l" defTabSz="914400" rtl="0" eaLnBrk="1" latinLnBrk="0" hangingPunct="1">
+              <a:lnSpc>
+                <a:spcPct val="90000"/>
+              </a:lnSpc>
+              <a:spcBef>
+                <a:spcPct val="0"/>
+              </a:spcBef>
+              <a:buNone/>
+              <a:defRPr sz="4400" kern="1200">
+                <a:solidFill>
+                  <a:schemeClr val="tx1"/>
+                </a:solidFill>
+                <a:latin typeface="+mj-lt"/>
+                <a:ea typeface="+mj-ea"/>
+                <a:cs typeface="+mj-cs"/>
+              </a:defRPr>
+            </a:lvl1pPr>
+          </a:lstStyle>
+          <a:p>
+            <a:pPr>
+              <a:lnSpc>
+                <a:spcPct val="100000"/>
+              </a:lnSpc>
+            </a:pPr>
+            <a:r>
+              <a:rPr lang="de-DE" sz="2400" dirty="0" smtClean="0">
+                <a:solidFill>
+                  <a:schemeClr val="accent5"/>
+                </a:solidFill>
+                <a:latin typeface="Roboto Slab" pitchFamily="2" charset="0"/>
+                <a:ea typeface="Roboto Slab" pitchFamily="2" charset="0"/>
+              </a:rPr>
+              <a:t>Semantische Annotation</a:t>
+            </a:r>
+            <a:endParaRPr lang="en-US" sz="2400" dirty="0">
+              <a:solidFill>
+                <a:schemeClr val="accent5"/>
+              </a:solidFill>
+              <a:latin typeface="Roboto Slab" pitchFamily="2" charset="0"/>
+              <a:ea typeface="Roboto Slab" pitchFamily="2" charset="0"/>
+            </a:endParaRPr>
+          </a:p>
+        </p:txBody>
+      </p:sp>
     </p:spTree>
     <p:extLst>
       <p:ext uri="{BB962C8B-B14F-4D97-AF65-F5344CB8AC3E}">
-        <p14:creationId xmlns:p14="http://schemas.microsoft.com/office/powerpoint/2010/main" val="891235150"/>
+        <p14:creationId xmlns:p14="http://schemas.microsoft.com/office/powerpoint/2010/main" val="1039951075"/>
       </p:ext>
     </p:extLst>
   </p:cSld>
@@ -6007,42 +6752,6 @@
       </p:grpSpPr>
       <p:sp>
         <p:nvSpPr>
-          <p:cNvPr id="2" name="Titel 1"/>
-          <p:cNvSpPr>
-            <a:spLocks noGrp="1"/>
-          </p:cNvSpPr>
-          <p:nvPr>
-            <p:ph type="title"/>
-          </p:nvPr>
-        </p:nvSpPr>
-        <p:spPr>
-          <a:xfrm>
-            <a:off x="433387" y="333375"/>
-            <a:ext cx="8277225" cy="865393"/>
-          </a:xfrm>
-        </p:spPr>
-        <p:txBody>
-          <a:bodyPr anchor="b">
-            <a:normAutofit/>
-          </a:bodyPr>
-          <a:lstStyle/>
-          <a:p>
-            <a:r>
-              <a:rPr lang="de-DE" sz="4000" dirty="0" smtClean="0">
-                <a:latin typeface="Roboto Slab Bold" pitchFamily="2" charset="0"/>
-                <a:ea typeface="Roboto Slab Bold" pitchFamily="2" charset="0"/>
-              </a:rPr>
-              <a:t>Mensch-Computer-Kooperation</a:t>
-            </a:r>
-            <a:endParaRPr lang="en-US" sz="4000" dirty="0">
-              <a:latin typeface="Roboto Slab Bold" pitchFamily="2" charset="0"/>
-              <a:ea typeface="Roboto Slab Bold" pitchFamily="2" charset="0"/>
-            </a:endParaRPr>
-          </a:p>
-        </p:txBody>
-      </p:sp>
-      <p:sp>
-        <p:nvSpPr>
           <p:cNvPr id="3" name="Inhaltsplatzhalter 2"/>
           <p:cNvSpPr>
             <a:spLocks noGrp="1"/>
@@ -6053,8 +6762,8 @@
         </p:nvSpPr>
         <p:spPr>
           <a:xfrm>
-            <a:off x="433387" y="2064162"/>
-            <a:ext cx="8277225" cy="4395906"/>
+            <a:off x="395288" y="1455738"/>
+            <a:ext cx="8353425" cy="3311525"/>
           </a:xfrm>
         </p:spPr>
         <p:txBody>
@@ -6074,7 +6783,7 @@
               <a:buChar char="§"/>
             </a:pPr>
             <a:r>
-              <a:rPr lang="de-DE" dirty="0" smtClean="0">
+              <a:rPr lang="de-DE" sz="2400" dirty="0" smtClean="0">
                 <a:latin typeface="Roboto Light" pitchFamily="2" charset="0"/>
                 <a:ea typeface="Roboto Light" pitchFamily="2" charset="0"/>
               </a:rPr>
@@ -6093,11 +6802,38 @@
               <a:buChar char="§"/>
             </a:pPr>
             <a:r>
-              <a:rPr lang="de-DE" dirty="0" smtClean="0">
+              <a:rPr lang="de-DE" sz="2400" dirty="0" smtClean="0">
                 <a:latin typeface="Roboto Light" pitchFamily="2" charset="0"/>
                 <a:ea typeface="Roboto Light" pitchFamily="2" charset="0"/>
               </a:rPr>
-              <a:t>Ermöglicht schlauere Suchmaschinen (SEO), Neukombination von Wissen, besser vernetzte Dienste im Web</a:t>
+              <a:t>Ermöglicht schlauere Suchmaschinen (SEO), Neukombination von Wissen, </a:t>
+            </a:r>
+            <a:r>
+              <a:rPr lang="de-DE" sz="2400" dirty="0" smtClean="0">
+                <a:latin typeface="Roboto Light" pitchFamily="2" charset="0"/>
+                <a:ea typeface="Roboto Light" pitchFamily="2" charset="0"/>
+              </a:rPr>
+              <a:t/>
+            </a:r>
+            <a:br>
+              <a:rPr lang="de-DE" sz="2400" dirty="0" smtClean="0">
+                <a:latin typeface="Roboto Light" pitchFamily="2" charset="0"/>
+                <a:ea typeface="Roboto Light" pitchFamily="2" charset="0"/>
+              </a:rPr>
+            </a:br>
+            <a:r>
+              <a:rPr lang="de-DE" sz="2400" dirty="0" smtClean="0">
+                <a:latin typeface="Roboto Light" pitchFamily="2" charset="0"/>
+                <a:ea typeface="Roboto Light" pitchFamily="2" charset="0"/>
+              </a:rPr>
+              <a:t>dadurch besser </a:t>
+            </a:r>
+            <a:r>
+              <a:rPr lang="de-DE" sz="2400" dirty="0" smtClean="0">
+                <a:latin typeface="Roboto Light" pitchFamily="2" charset="0"/>
+                <a:ea typeface="Roboto Light" pitchFamily="2" charset="0"/>
+              </a:rPr>
+              <a:t>vernetzte Dienste im Web</a:t>
             </a:r>
           </a:p>
           <a:p>
@@ -6112,29 +6848,65 @@
               <a:buChar char="§"/>
             </a:pPr>
             <a:r>
-              <a:rPr lang="de-DE" dirty="0" smtClean="0">
+              <a:rPr lang="de-DE" sz="2400" dirty="0" smtClean="0">
                 <a:latin typeface="Roboto Light" pitchFamily="2" charset="0"/>
                 <a:ea typeface="Roboto Light" pitchFamily="2" charset="0"/>
               </a:rPr>
               <a:t>Reguläre Nutzer profitieren dadurch indirekt</a:t>
             </a:r>
-            <a:endParaRPr lang="de-DE" dirty="0">
+            <a:endParaRPr lang="de-DE" sz="2400" dirty="0">
               <a:latin typeface="Roboto Light" pitchFamily="2" charset="0"/>
               <a:ea typeface="Roboto Light" pitchFamily="2" charset="0"/>
             </a:endParaRPr>
           </a:p>
         </p:txBody>
       </p:sp>
+      <p:sp>
+        <p:nvSpPr>
+          <p:cNvPr id="7" name="Titel 1"/>
+          <p:cNvSpPr>
+            <a:spLocks noGrp="1"/>
+          </p:cNvSpPr>
+          <p:nvPr>
+            <p:ph type="title"/>
+          </p:nvPr>
+        </p:nvSpPr>
+        <p:spPr>
+          <a:xfrm>
+            <a:off x="395288" y="231776"/>
+            <a:ext cx="8353425" cy="667302"/>
+          </a:xfrm>
+        </p:spPr>
+        <p:txBody>
+          <a:bodyPr anchor="b">
+            <a:normAutofit/>
+          </a:bodyPr>
+          <a:lstStyle/>
+          <a:p>
+            <a:r>
+              <a:rPr lang="de-DE" sz="4000" dirty="0" smtClean="0">
+                <a:latin typeface="Roboto Slab Bold" pitchFamily="2" charset="0"/>
+                <a:ea typeface="Roboto Slab Bold" pitchFamily="2" charset="0"/>
+              </a:rPr>
+              <a:t>Mensch-Computer-Kooperation</a:t>
+            </a:r>
+            <a:endParaRPr lang="en-US" sz="4000" dirty="0">
+              <a:latin typeface="Roboto Slab Bold" pitchFamily="2" charset="0"/>
+              <a:ea typeface="Roboto Slab Bold" pitchFamily="2" charset="0"/>
+            </a:endParaRPr>
+          </a:p>
+        </p:txBody>
+      </p:sp>
       <p:cxnSp>
         <p:nvCxnSpPr>
-          <p:cNvPr id="5" name="Gerader Verbinder 4"/>
+          <p:cNvPr id="8" name="Gerader Verbinder 7"/>
           <p:cNvCxnSpPr/>
           <p:nvPr/>
         </p:nvCxnSpPr>
         <p:spPr>
-          <a:xfrm>
-            <a:off x="496715" y="1198768"/>
-            <a:ext cx="8215112" cy="0"/>
+          <a:xfrm flipV="1">
+            <a:off x="395288" y="899077"/>
+            <a:ext cx="8353425" cy="1"/>
           </a:xfrm>
           <a:prstGeom prst="line">
             <a:avLst/>
@@ -6165,7 +6937,7 @@
       </p:cxnSp>
       <p:sp>
         <p:nvSpPr>
-          <p:cNvPr id="6" name="Titel 1"/>
+          <p:cNvPr id="9" name="Titel 1"/>
           <p:cNvSpPr txBox="1">
             <a:spLocks/>
           </p:cNvSpPr>
@@ -6173,8 +6945,8 @@
         </p:nvSpPr>
         <p:spPr>
           <a:xfrm>
-            <a:off x="433386" y="1198769"/>
-            <a:ext cx="8277225" cy="596164"/>
+            <a:off x="395289" y="899077"/>
+            <a:ext cx="8353424" cy="442043"/>
           </a:xfrm>
           <a:prstGeom prst="rect">
             <a:avLst/>
@@ -6182,7 +6954,7 @@
         </p:spPr>
         <p:txBody>
           <a:bodyPr vert="horz" lIns="91440" tIns="45720" rIns="91440" bIns="45720" rtlCol="0" anchor="ctr">
-            <a:normAutofit/>
+            <a:noAutofit/>
           </a:bodyPr>
           <a:lstStyle>
             <a:lvl1pPr algn="l" defTabSz="914400" rtl="0" eaLnBrk="1" latinLnBrk="0" hangingPunct="1">
@@ -6204,22 +6976,27 @@
             </a:lvl1pPr>
           </a:lstStyle>
           <a:p>
-            <a:r>
-              <a:rPr lang="de-DE" sz="2800" dirty="0" smtClean="0">
+            <a:pPr>
+              <a:lnSpc>
+                <a:spcPct val="100000"/>
+              </a:lnSpc>
+            </a:pPr>
+            <a:r>
+              <a:rPr lang="de-DE" sz="2400" dirty="0" smtClean="0">
                 <a:solidFill>
-                  <a:schemeClr val="accent6"/>
+                  <a:schemeClr val="accent5"/>
                 </a:solidFill>
-                <a:latin typeface="Roboto Slab Bold" pitchFamily="2" charset="0"/>
-                <a:ea typeface="Roboto Slab Bold" pitchFamily="2" charset="0"/>
-              </a:rPr>
-              <a:t>Praktischer Nutzen</a:t>
-            </a:r>
-            <a:endParaRPr lang="en-US" sz="2800" dirty="0">
+                <a:latin typeface="Roboto Slab" pitchFamily="2" charset="0"/>
+                <a:ea typeface="Roboto Slab" pitchFamily="2" charset="0"/>
+              </a:rPr>
+              <a:t>Anwendung und Nutzen</a:t>
+            </a:r>
+            <a:endParaRPr lang="en-US" sz="2400" dirty="0">
               <a:solidFill>
-                <a:schemeClr val="accent6"/>
+                <a:schemeClr val="accent5"/>
               </a:solidFill>
-              <a:latin typeface="Roboto Slab Bold" pitchFamily="2" charset="0"/>
-              <a:ea typeface="Roboto Slab Bold" pitchFamily="2" charset="0"/>
+              <a:latin typeface="Roboto Slab" pitchFamily="2" charset="0"/>
+              <a:ea typeface="Roboto Slab" pitchFamily="2" charset="0"/>
             </a:endParaRPr>
           </a:p>
         </p:txBody>
@@ -6227,7 +7004,7 @@
     </p:spTree>
     <p:extLst>
       <p:ext uri="{BB962C8B-B14F-4D97-AF65-F5344CB8AC3E}">
-        <p14:creationId xmlns:p14="http://schemas.microsoft.com/office/powerpoint/2010/main" val="342453843"/>
+        <p14:creationId xmlns:p14="http://schemas.microsoft.com/office/powerpoint/2010/main" val="3233289326"/>
       </p:ext>
     </p:extLst>
   </p:cSld>

--- a/Semantic Web Paradigmen PPT.pptx
+++ b/Semantic Web Paradigmen PPT.pptx
@@ -2813,20 +2813,20 @@
       </p:sp>
       <p:sp>
         <p:nvSpPr>
-          <p:cNvPr id="4" name="Rechteck 3"/>
+          <p:cNvPr id="14" name="Rechteck 13"/>
           <p:cNvSpPr/>
           <p:nvPr userDrawn="1"/>
         </p:nvSpPr>
         <p:spPr>
           <a:xfrm>
-            <a:off x="0" y="4985201"/>
-            <a:ext cx="673093" cy="158300"/>
+            <a:off x="8934450" y="4985200"/>
+            <a:ext cx="209551" cy="158300"/>
           </a:xfrm>
           <a:prstGeom prst="rect">
             <a:avLst/>
           </a:prstGeom>
           <a:solidFill>
-            <a:srgbClr val="670097"/>
+            <a:srgbClr val="C4EE28"/>
           </a:solidFill>
           <a:ln>
             <a:noFill/>
@@ -2859,152 +2859,16 @@
       </p:sp>
       <p:sp>
         <p:nvSpPr>
-          <p:cNvPr id="10" name="Rechteck 9"/>
-          <p:cNvSpPr/>
+          <p:cNvPr id="16" name="Slide Number Placeholder 5"/>
+          <p:cNvSpPr txBox="1">
+            <a:spLocks/>
+          </p:cNvSpPr>
           <p:nvPr userDrawn="1"/>
         </p:nvSpPr>
         <p:spPr>
           <a:xfrm>
-            <a:off x="673101" y="4985201"/>
-            <a:ext cx="1130295" cy="158300"/>
-          </a:xfrm>
-          <a:prstGeom prst="rect">
-            <a:avLst/>
-          </a:prstGeom>
-          <a:solidFill>
-            <a:srgbClr val="46268F"/>
-          </a:solidFill>
-          <a:ln>
-            <a:noFill/>
-          </a:ln>
-        </p:spPr>
-        <p:style>
-          <a:lnRef idx="2">
-            <a:schemeClr val="accent1">
-              <a:shade val="50000"/>
-            </a:schemeClr>
-          </a:lnRef>
-          <a:fillRef idx="1">
-            <a:schemeClr val="accent1"/>
-          </a:fillRef>
-          <a:effectRef idx="0">
-            <a:schemeClr val="accent1"/>
-          </a:effectRef>
-          <a:fontRef idx="minor">
-            <a:schemeClr val="lt1"/>
-          </a:fontRef>
-        </p:style>
-        <p:txBody>
-          <a:bodyPr rtlCol="0" anchor="ctr"/>
-          <a:lstStyle/>
-          <a:p>
-            <a:pPr algn="ctr"/>
-            <a:endParaRPr lang="de-DE"/>
-          </a:p>
-        </p:txBody>
-      </p:sp>
-      <p:sp>
-        <p:nvSpPr>
-          <p:cNvPr id="11" name="Rechteck 10"/>
-          <p:cNvSpPr/>
-          <p:nvPr userDrawn="1"/>
-        </p:nvSpPr>
-        <p:spPr>
-          <a:xfrm>
-            <a:off x="1803401" y="4985202"/>
-            <a:ext cx="3651247" cy="158299"/>
-          </a:xfrm>
-          <a:prstGeom prst="rect">
-            <a:avLst/>
-          </a:prstGeom>
-          <a:solidFill>
-            <a:srgbClr val="2758B5"/>
-          </a:solidFill>
-          <a:ln>
-            <a:noFill/>
-          </a:ln>
-        </p:spPr>
-        <p:style>
-          <a:lnRef idx="2">
-            <a:schemeClr val="accent1">
-              <a:shade val="50000"/>
-            </a:schemeClr>
-          </a:lnRef>
-          <a:fillRef idx="1">
-            <a:schemeClr val="accent1"/>
-          </a:fillRef>
-          <a:effectRef idx="0">
-            <a:schemeClr val="accent1"/>
-          </a:effectRef>
-          <a:fontRef idx="minor">
-            <a:schemeClr val="lt1"/>
-          </a:fontRef>
-        </p:style>
-        <p:txBody>
-          <a:bodyPr rtlCol="0" anchor="ctr"/>
-          <a:lstStyle/>
-          <a:p>
-            <a:pPr algn="ctr"/>
-            <a:endParaRPr lang="de-DE"/>
-          </a:p>
-        </p:txBody>
-      </p:sp>
-      <p:sp>
-        <p:nvSpPr>
-          <p:cNvPr id="12" name="Rechteck 11"/>
-          <p:cNvSpPr/>
-          <p:nvPr userDrawn="1"/>
-        </p:nvSpPr>
-        <p:spPr>
-          <a:xfrm>
-            <a:off x="5454650" y="4985201"/>
-            <a:ext cx="1752597" cy="158299"/>
-          </a:xfrm>
-          <a:prstGeom prst="rect">
-            <a:avLst/>
-          </a:prstGeom>
-          <a:solidFill>
-            <a:srgbClr val="4D9596"/>
-          </a:solidFill>
-          <a:ln>
-            <a:noFill/>
-          </a:ln>
-        </p:spPr>
-        <p:style>
-          <a:lnRef idx="2">
-            <a:schemeClr val="accent1">
-              <a:shade val="50000"/>
-            </a:schemeClr>
-          </a:lnRef>
-          <a:fillRef idx="1">
-            <a:schemeClr val="accent1"/>
-          </a:fillRef>
-          <a:effectRef idx="0">
-            <a:schemeClr val="accent1"/>
-          </a:effectRef>
-          <a:fontRef idx="minor">
-            <a:schemeClr val="lt1"/>
-          </a:fontRef>
-        </p:style>
-        <p:txBody>
-          <a:bodyPr rtlCol="0" anchor="ctr"/>
-          <a:lstStyle/>
-          <a:p>
-            <a:pPr algn="ctr"/>
-            <a:endParaRPr lang="de-DE"/>
-          </a:p>
-        </p:txBody>
-      </p:sp>
-      <p:sp>
-        <p:nvSpPr>
-          <p:cNvPr id="13" name="Rechteck 12"/>
-          <p:cNvSpPr/>
-          <p:nvPr userDrawn="1"/>
-        </p:nvSpPr>
-        <p:spPr>
-          <a:xfrm>
-            <a:off x="7207247" y="4985202"/>
-            <a:ext cx="749303" cy="158298"/>
+            <a:off x="7816846" y="4985201"/>
+            <a:ext cx="1155704" cy="157270"/>
           </a:xfrm>
           <a:prstGeom prst="rect">
             <a:avLst/>
@@ -3012,98 +2876,6 @@
           <a:solidFill>
             <a:srgbClr val="A0D349"/>
           </a:solidFill>
-          <a:ln>
-            <a:noFill/>
-          </a:ln>
-        </p:spPr>
-        <p:style>
-          <a:lnRef idx="2">
-            <a:schemeClr val="accent1">
-              <a:shade val="50000"/>
-            </a:schemeClr>
-          </a:lnRef>
-          <a:fillRef idx="1">
-            <a:schemeClr val="accent1"/>
-          </a:fillRef>
-          <a:effectRef idx="0">
-            <a:schemeClr val="accent1"/>
-          </a:effectRef>
-          <a:fontRef idx="minor">
-            <a:schemeClr val="lt1"/>
-          </a:fontRef>
-        </p:style>
-        <p:txBody>
-          <a:bodyPr rtlCol="0" anchor="ctr"/>
-          <a:lstStyle/>
-          <a:p>
-            <a:pPr algn="ctr"/>
-            <a:endParaRPr lang="de-DE"/>
-          </a:p>
-        </p:txBody>
-      </p:sp>
-      <p:sp>
-        <p:nvSpPr>
-          <p:cNvPr id="14" name="Rechteck 13"/>
-          <p:cNvSpPr/>
-          <p:nvPr userDrawn="1"/>
-        </p:nvSpPr>
-        <p:spPr>
-          <a:xfrm>
-            <a:off x="7956551" y="4985200"/>
-            <a:ext cx="1187450" cy="158299"/>
-          </a:xfrm>
-          <a:prstGeom prst="rect">
-            <a:avLst/>
-          </a:prstGeom>
-          <a:solidFill>
-            <a:srgbClr val="C4EE28"/>
-          </a:solidFill>
-          <a:ln>
-            <a:noFill/>
-          </a:ln>
-        </p:spPr>
-        <p:style>
-          <a:lnRef idx="2">
-            <a:schemeClr val="accent1">
-              <a:shade val="50000"/>
-            </a:schemeClr>
-          </a:lnRef>
-          <a:fillRef idx="1">
-            <a:schemeClr val="accent1"/>
-          </a:fillRef>
-          <a:effectRef idx="0">
-            <a:schemeClr val="accent1"/>
-          </a:effectRef>
-          <a:fontRef idx="minor">
-            <a:schemeClr val="lt1"/>
-          </a:fontRef>
-        </p:style>
-        <p:txBody>
-          <a:bodyPr rtlCol="0" anchor="ctr"/>
-          <a:lstStyle/>
-          <a:p>
-            <a:pPr algn="ctr"/>
-            <a:endParaRPr lang="de-DE"/>
-          </a:p>
-        </p:txBody>
-      </p:sp>
-      <p:sp>
-        <p:nvSpPr>
-          <p:cNvPr id="8" name="Slide Number Placeholder 5"/>
-          <p:cNvSpPr txBox="1">
-            <a:spLocks/>
-          </p:cNvSpPr>
-          <p:nvPr userDrawn="1"/>
-        </p:nvSpPr>
-        <p:spPr>
-          <a:xfrm>
-            <a:off x="1803398" y="4984750"/>
-            <a:ext cx="3651250" cy="156367"/>
-          </a:xfrm>
-          <a:prstGeom prst="rect">
-            <a:avLst/>
-          </a:prstGeom>
-          <a:noFill/>
         </p:spPr>
         <p:txBody>
           <a:bodyPr vert="horz" lIns="91440" tIns="45720" rIns="91440" bIns="45720" rtlCol="0" anchor="ctr"/>
@@ -3205,7 +2977,7 @@
             </a:lvl9pPr>
           </a:lstStyle>
           <a:p>
-            <a:pPr algn="l"/>
+            <a:pPr algn="ctr"/>
             <a:r>
               <a:rPr lang="en-US" sz="900" dirty="0" smtClean="0">
                 <a:solidFill>
@@ -3214,7 +2986,7 @@
                 <a:latin typeface="Roboto Light" pitchFamily="2" charset="0"/>
                 <a:ea typeface="Roboto Light" pitchFamily="2" charset="0"/>
               </a:rPr>
-              <a:t>SIMON HEIMLER</a:t>
+              <a:t>WWW.FANNON.DE</a:t>
             </a:r>
             <a:endParaRPr lang="en-US" sz="900" dirty="0">
               <a:solidFill>
@@ -3228,7 +3000,7 @@
       </p:sp>
       <p:sp>
         <p:nvSpPr>
-          <p:cNvPr id="9" name="Slide Number Placeholder 5"/>
+          <p:cNvPr id="17" name="Slide Number Placeholder 5"/>
           <p:cNvSpPr txBox="1">
             <a:spLocks/>
           </p:cNvSpPr>
@@ -3236,13 +3008,15 @@
         </p:nvSpPr>
         <p:spPr>
           <a:xfrm>
-            <a:off x="1" y="4987136"/>
-            <a:ext cx="673092" cy="156364"/>
+            <a:off x="0" y="4985200"/>
+            <a:ext cx="628650" cy="158300"/>
           </a:xfrm>
           <a:prstGeom prst="rect">
             <a:avLst/>
           </a:prstGeom>
-          <a:noFill/>
+          <a:solidFill>
+            <a:srgbClr val="670097"/>
+          </a:solidFill>
         </p:spPr>
         <p:txBody>
           <a:bodyPr vert="horz" lIns="91440" tIns="45720" rIns="91440" bIns="45720" rtlCol="0" anchor="ctr"/>
@@ -3345,6 +3119,16 @@
           </a:lstStyle>
           <a:p>
             <a:pPr algn="l"/>
+            <a:r>
+              <a:rPr lang="en-US" sz="900" dirty="0" smtClean="0">
+                <a:solidFill>
+                  <a:schemeClr val="bg1"/>
+                </a:solidFill>
+                <a:latin typeface="Roboto Light" pitchFamily="2" charset="0"/>
+                <a:ea typeface="Roboto Light" pitchFamily="2" charset="0"/>
+              </a:rPr>
+              <a:t>#</a:t>
+            </a:r>
             <a:fld id="{F9C60BF9-9066-468F-B844-D06CEFC73884}" type="slidenum">
               <a:rPr lang="en-US" sz="900" smtClean="0">
                 <a:solidFill>
@@ -3368,6 +3152,288 @@
       </p:sp>
       <p:sp>
         <p:nvSpPr>
+          <p:cNvPr id="18" name="Slide Number Placeholder 5"/>
+          <p:cNvSpPr txBox="1">
+            <a:spLocks/>
+          </p:cNvSpPr>
+          <p:nvPr userDrawn="1"/>
+        </p:nvSpPr>
+        <p:spPr>
+          <a:xfrm>
+            <a:off x="5600700" y="4985201"/>
+            <a:ext cx="2216146" cy="158300"/>
+          </a:xfrm>
+          <a:prstGeom prst="rect">
+            <a:avLst/>
+          </a:prstGeom>
+          <a:solidFill>
+            <a:srgbClr val="4D9596"/>
+          </a:solidFill>
+        </p:spPr>
+        <p:txBody>
+          <a:bodyPr vert="horz" lIns="91440" tIns="45720" rIns="91440" bIns="45720" rtlCol="0" anchor="ctr"/>
+          <a:lstStyle>
+            <a:defPPr>
+              <a:defRPr lang="en-US"/>
+            </a:defPPr>
+            <a:lvl1pPr marL="0" algn="r" defTabSz="914400" rtl="0" eaLnBrk="1" latinLnBrk="0" hangingPunct="1">
+              <a:defRPr sz="1200" kern="1200">
+                <a:solidFill>
+                  <a:schemeClr val="tx1">
+                    <a:tint val="75000"/>
+                  </a:schemeClr>
+                </a:solidFill>
+                <a:latin typeface="Roboto Thin" pitchFamily="2" charset="0"/>
+                <a:ea typeface="Roboto Thin" pitchFamily="2" charset="0"/>
+                <a:cs typeface="+mn-cs"/>
+              </a:defRPr>
+            </a:lvl1pPr>
+            <a:lvl2pPr marL="457200" algn="l" defTabSz="914400" rtl="0" eaLnBrk="1" latinLnBrk="0" hangingPunct="1">
+              <a:defRPr sz="1800" kern="1200">
+                <a:solidFill>
+                  <a:schemeClr val="tx1"/>
+                </a:solidFill>
+                <a:latin typeface="+mn-lt"/>
+                <a:ea typeface="+mn-ea"/>
+                <a:cs typeface="+mn-cs"/>
+              </a:defRPr>
+            </a:lvl2pPr>
+            <a:lvl3pPr marL="914400" algn="l" defTabSz="914400" rtl="0" eaLnBrk="1" latinLnBrk="0" hangingPunct="1">
+              <a:defRPr sz="1800" kern="1200">
+                <a:solidFill>
+                  <a:schemeClr val="tx1"/>
+                </a:solidFill>
+                <a:latin typeface="+mn-lt"/>
+                <a:ea typeface="+mn-ea"/>
+                <a:cs typeface="+mn-cs"/>
+              </a:defRPr>
+            </a:lvl3pPr>
+            <a:lvl4pPr marL="1371600" algn="l" defTabSz="914400" rtl="0" eaLnBrk="1" latinLnBrk="0" hangingPunct="1">
+              <a:defRPr sz="1800" kern="1200">
+                <a:solidFill>
+                  <a:schemeClr val="tx1"/>
+                </a:solidFill>
+                <a:latin typeface="+mn-lt"/>
+                <a:ea typeface="+mn-ea"/>
+                <a:cs typeface="+mn-cs"/>
+              </a:defRPr>
+            </a:lvl4pPr>
+            <a:lvl5pPr marL="1828800" algn="l" defTabSz="914400" rtl="0" eaLnBrk="1" latinLnBrk="0" hangingPunct="1">
+              <a:defRPr sz="1800" kern="1200">
+                <a:solidFill>
+                  <a:schemeClr val="tx1"/>
+                </a:solidFill>
+                <a:latin typeface="+mn-lt"/>
+                <a:ea typeface="+mn-ea"/>
+                <a:cs typeface="+mn-cs"/>
+              </a:defRPr>
+            </a:lvl5pPr>
+            <a:lvl6pPr marL="2286000" algn="l" defTabSz="914400" rtl="0" eaLnBrk="1" latinLnBrk="0" hangingPunct="1">
+              <a:defRPr sz="1800" kern="1200">
+                <a:solidFill>
+                  <a:schemeClr val="tx1"/>
+                </a:solidFill>
+                <a:latin typeface="+mn-lt"/>
+                <a:ea typeface="+mn-ea"/>
+                <a:cs typeface="+mn-cs"/>
+              </a:defRPr>
+            </a:lvl6pPr>
+            <a:lvl7pPr marL="2743200" algn="l" defTabSz="914400" rtl="0" eaLnBrk="1" latinLnBrk="0" hangingPunct="1">
+              <a:defRPr sz="1800" kern="1200">
+                <a:solidFill>
+                  <a:schemeClr val="tx1"/>
+                </a:solidFill>
+                <a:latin typeface="+mn-lt"/>
+                <a:ea typeface="+mn-ea"/>
+                <a:cs typeface="+mn-cs"/>
+              </a:defRPr>
+            </a:lvl7pPr>
+            <a:lvl8pPr marL="3200400" algn="l" defTabSz="914400" rtl="0" eaLnBrk="1" latinLnBrk="0" hangingPunct="1">
+              <a:defRPr sz="1800" kern="1200">
+                <a:solidFill>
+                  <a:schemeClr val="tx1"/>
+                </a:solidFill>
+                <a:latin typeface="+mn-lt"/>
+                <a:ea typeface="+mn-ea"/>
+                <a:cs typeface="+mn-cs"/>
+              </a:defRPr>
+            </a:lvl8pPr>
+            <a:lvl9pPr marL="3657600" algn="l" defTabSz="914400" rtl="0" eaLnBrk="1" latinLnBrk="0" hangingPunct="1">
+              <a:defRPr sz="1800" kern="1200">
+                <a:solidFill>
+                  <a:schemeClr val="tx1"/>
+                </a:solidFill>
+                <a:latin typeface="+mn-lt"/>
+                <a:ea typeface="+mn-ea"/>
+                <a:cs typeface="+mn-cs"/>
+              </a:defRPr>
+            </a:lvl9pPr>
+          </a:lstStyle>
+          <a:p>
+            <a:pPr algn="l"/>
+            <a:endParaRPr lang="en-US" sz="900" dirty="0">
+              <a:solidFill>
+                <a:schemeClr val="bg1"/>
+              </a:solidFill>
+              <a:latin typeface="Roboto Light" pitchFamily="2" charset="0"/>
+              <a:ea typeface="Roboto Light" pitchFamily="2" charset="0"/>
+            </a:endParaRPr>
+          </a:p>
+        </p:txBody>
+      </p:sp>
+      <p:sp>
+        <p:nvSpPr>
+          <p:cNvPr id="8" name="Slide Number Placeholder 5"/>
+          <p:cNvSpPr txBox="1">
+            <a:spLocks/>
+          </p:cNvSpPr>
+          <p:nvPr userDrawn="1"/>
+        </p:nvSpPr>
+        <p:spPr>
+          <a:xfrm>
+            <a:off x="1739895" y="4985200"/>
+            <a:ext cx="3860805" cy="158300"/>
+          </a:xfrm>
+          <a:prstGeom prst="rect">
+            <a:avLst/>
+          </a:prstGeom>
+          <a:solidFill>
+            <a:srgbClr val="2758B5"/>
+          </a:solidFill>
+        </p:spPr>
+        <p:txBody>
+          <a:bodyPr vert="horz" lIns="91440" tIns="45720" rIns="91440" bIns="45720" rtlCol="0" anchor="ctr"/>
+          <a:lstStyle>
+            <a:defPPr>
+              <a:defRPr lang="en-US"/>
+            </a:defPPr>
+            <a:lvl1pPr marL="0" algn="r" defTabSz="914400" rtl="0" eaLnBrk="1" latinLnBrk="0" hangingPunct="1">
+              <a:defRPr sz="1200" kern="1200">
+                <a:solidFill>
+                  <a:schemeClr val="tx1">
+                    <a:tint val="75000"/>
+                  </a:schemeClr>
+                </a:solidFill>
+                <a:latin typeface="Roboto Thin" pitchFamily="2" charset="0"/>
+                <a:ea typeface="Roboto Thin" pitchFamily="2" charset="0"/>
+                <a:cs typeface="+mn-cs"/>
+              </a:defRPr>
+            </a:lvl1pPr>
+            <a:lvl2pPr marL="457200" algn="l" defTabSz="914400" rtl="0" eaLnBrk="1" latinLnBrk="0" hangingPunct="1">
+              <a:defRPr sz="1800" kern="1200">
+                <a:solidFill>
+                  <a:schemeClr val="tx1"/>
+                </a:solidFill>
+                <a:latin typeface="+mn-lt"/>
+                <a:ea typeface="+mn-ea"/>
+                <a:cs typeface="+mn-cs"/>
+              </a:defRPr>
+            </a:lvl2pPr>
+            <a:lvl3pPr marL="914400" algn="l" defTabSz="914400" rtl="0" eaLnBrk="1" latinLnBrk="0" hangingPunct="1">
+              <a:defRPr sz="1800" kern="1200">
+                <a:solidFill>
+                  <a:schemeClr val="tx1"/>
+                </a:solidFill>
+                <a:latin typeface="+mn-lt"/>
+                <a:ea typeface="+mn-ea"/>
+                <a:cs typeface="+mn-cs"/>
+              </a:defRPr>
+            </a:lvl3pPr>
+            <a:lvl4pPr marL="1371600" algn="l" defTabSz="914400" rtl="0" eaLnBrk="1" latinLnBrk="0" hangingPunct="1">
+              <a:defRPr sz="1800" kern="1200">
+                <a:solidFill>
+                  <a:schemeClr val="tx1"/>
+                </a:solidFill>
+                <a:latin typeface="+mn-lt"/>
+                <a:ea typeface="+mn-ea"/>
+                <a:cs typeface="+mn-cs"/>
+              </a:defRPr>
+            </a:lvl4pPr>
+            <a:lvl5pPr marL="1828800" algn="l" defTabSz="914400" rtl="0" eaLnBrk="1" latinLnBrk="0" hangingPunct="1">
+              <a:defRPr sz="1800" kern="1200">
+                <a:solidFill>
+                  <a:schemeClr val="tx1"/>
+                </a:solidFill>
+                <a:latin typeface="+mn-lt"/>
+                <a:ea typeface="+mn-ea"/>
+                <a:cs typeface="+mn-cs"/>
+              </a:defRPr>
+            </a:lvl5pPr>
+            <a:lvl6pPr marL="2286000" algn="l" defTabSz="914400" rtl="0" eaLnBrk="1" latinLnBrk="0" hangingPunct="1">
+              <a:defRPr sz="1800" kern="1200">
+                <a:solidFill>
+                  <a:schemeClr val="tx1"/>
+                </a:solidFill>
+                <a:latin typeface="+mn-lt"/>
+                <a:ea typeface="+mn-ea"/>
+                <a:cs typeface="+mn-cs"/>
+              </a:defRPr>
+            </a:lvl6pPr>
+            <a:lvl7pPr marL="2743200" algn="l" defTabSz="914400" rtl="0" eaLnBrk="1" latinLnBrk="0" hangingPunct="1">
+              <a:defRPr sz="1800" kern="1200">
+                <a:solidFill>
+                  <a:schemeClr val="tx1"/>
+                </a:solidFill>
+                <a:latin typeface="+mn-lt"/>
+                <a:ea typeface="+mn-ea"/>
+                <a:cs typeface="+mn-cs"/>
+              </a:defRPr>
+            </a:lvl7pPr>
+            <a:lvl8pPr marL="3200400" algn="l" defTabSz="914400" rtl="0" eaLnBrk="1" latinLnBrk="0" hangingPunct="1">
+              <a:defRPr sz="1800" kern="1200">
+                <a:solidFill>
+                  <a:schemeClr val="tx1"/>
+                </a:solidFill>
+                <a:latin typeface="+mn-lt"/>
+                <a:ea typeface="+mn-ea"/>
+                <a:cs typeface="+mn-cs"/>
+              </a:defRPr>
+            </a:lvl8pPr>
+            <a:lvl9pPr marL="3657600" algn="l" defTabSz="914400" rtl="0" eaLnBrk="1" latinLnBrk="0" hangingPunct="1">
+              <a:defRPr sz="1800" kern="1200">
+                <a:solidFill>
+                  <a:schemeClr val="tx1"/>
+                </a:solidFill>
+                <a:latin typeface="+mn-lt"/>
+                <a:ea typeface="+mn-ea"/>
+                <a:cs typeface="+mn-cs"/>
+              </a:defRPr>
+            </a:lvl9pPr>
+          </a:lstStyle>
+          <a:p>
+            <a:pPr algn="l"/>
+            <a:r>
+              <a:rPr lang="en-US" sz="900" dirty="0" smtClean="0">
+                <a:solidFill>
+                  <a:schemeClr val="bg1"/>
+                </a:solidFill>
+                <a:latin typeface="Roboto Light" pitchFamily="2" charset="0"/>
+                <a:ea typeface="Roboto Light" pitchFamily="2" charset="0"/>
+              </a:rPr>
+              <a:t>SIMON </a:t>
+            </a:r>
+            <a:r>
+              <a:rPr lang="en-US" sz="900" dirty="0" smtClean="0">
+                <a:solidFill>
+                  <a:schemeClr val="bg1"/>
+                </a:solidFill>
+                <a:latin typeface="Roboto Light" pitchFamily="2" charset="0"/>
+                <a:ea typeface="Roboto Light" pitchFamily="2" charset="0"/>
+              </a:rPr>
+              <a:t>HEIMLER</a:t>
+            </a:r>
+            <a:endParaRPr lang="en-US" sz="900" dirty="0">
+              <a:solidFill>
+                <a:schemeClr val="bg1"/>
+              </a:solidFill>
+              <a:latin typeface="Roboto Light" pitchFamily="2" charset="0"/>
+              <a:ea typeface="Roboto Light" pitchFamily="2" charset="0"/>
+            </a:endParaRPr>
+          </a:p>
+        </p:txBody>
+      </p:sp>
+      <p:sp>
+        <p:nvSpPr>
           <p:cNvPr id="15" name="Slide Number Placeholder 5"/>
           <p:cNvSpPr txBox="1">
             <a:spLocks/>
@@ -3376,13 +3442,15 @@
         </p:nvSpPr>
         <p:spPr>
           <a:xfrm>
-            <a:off x="673098" y="4985202"/>
-            <a:ext cx="1130297" cy="158297"/>
+            <a:off x="628650" y="4985200"/>
+            <a:ext cx="1111245" cy="158300"/>
           </a:xfrm>
           <a:prstGeom prst="rect">
             <a:avLst/>
           </a:prstGeom>
-          <a:noFill/>
+          <a:solidFill>
+            <a:srgbClr val="46268F"/>
+          </a:solidFill>
         </p:spPr>
         <p:txBody>
           <a:bodyPr vert="horz" lIns="91440" tIns="45720" rIns="91440" bIns="45720" rtlCol="0" anchor="ctr"/>
@@ -4506,14 +4574,7 @@
                 <a:latin typeface="Roboto Light" pitchFamily="2" charset="0"/>
                 <a:ea typeface="Roboto Light" pitchFamily="2" charset="0"/>
               </a:rPr>
-              <a:t>: </a:t>
-            </a:r>
-            <a:r>
-              <a:rPr lang="de-DE" sz="2000" dirty="0" smtClean="0">
-                <a:latin typeface="Roboto Light" pitchFamily="2" charset="0"/>
-                <a:ea typeface="Roboto Light" pitchFamily="2" charset="0"/>
-              </a:rPr>
-              <a:t>Unidirektional oder Bidirektional</a:t>
+              <a:t>: Unidirektional oder Bidirektional</a:t>
             </a:r>
           </a:p>
           <a:p>
@@ -4560,10 +4621,6 @@
               </a:rPr>
               <a:t>Benennung: Die Relation kann benannt sein, oder nicht</a:t>
             </a:r>
-            <a:endParaRPr lang="de-DE" sz="2000" dirty="0" smtClean="0">
-              <a:latin typeface="Roboto Light" pitchFamily="2" charset="0"/>
-              <a:ea typeface="Roboto Light" pitchFamily="2" charset="0"/>
-            </a:endParaRPr>
           </a:p>
         </p:txBody>
       </p:sp>
@@ -5516,19 +5573,8 @@
                 <a:latin typeface="Roboto Light" pitchFamily="2" charset="0"/>
                 <a:ea typeface="Roboto Light" pitchFamily="2" charset="0"/>
               </a:rPr>
-              <a:t>Hier: Erklärung der Konzepte / Paradigmen </a:t>
-            </a:r>
-            <a:r>
-              <a:rPr lang="de-DE" sz="2400" dirty="0" smtClean="0">
-                <a:latin typeface="Roboto Light" pitchFamily="2" charset="0"/>
-                <a:ea typeface="Roboto Light" pitchFamily="2" charset="0"/>
-              </a:rPr>
-              <a:t>dahinter</a:t>
-            </a:r>
-            <a:endParaRPr lang="de-DE" sz="2400" dirty="0" smtClean="0">
-              <a:latin typeface="Roboto Light" pitchFamily="2" charset="0"/>
-              <a:ea typeface="Roboto Light" pitchFamily="2" charset="0"/>
-            </a:endParaRPr>
+              <a:t>Hier: Erklärung der Konzepte / Paradigmen dahinter</a:t>
+            </a:r>
           </a:p>
         </p:txBody>
       </p:sp>
@@ -6383,7 +6429,7 @@
             <a:r>
               <a:rPr lang="de-DE" sz="2400" dirty="0" smtClean="0">
                 <a:solidFill>
-                  <a:schemeClr val="accent5"/>
+                  <a:srgbClr val="670097"/>
                 </a:solidFill>
                 <a:latin typeface="Roboto Slab" pitchFamily="2" charset="0"/>
                 <a:ea typeface="Roboto Slab" pitchFamily="2" charset="0"/>
@@ -6392,7 +6438,7 @@
             </a:r>
             <a:endParaRPr lang="en-US" sz="2400" dirty="0">
               <a:solidFill>
-                <a:schemeClr val="accent5"/>
+                <a:srgbClr val="670097"/>
               </a:solidFill>
               <a:latin typeface="Roboto Slab" pitchFamily="2" charset="0"/>
               <a:ea typeface="Roboto Slab" pitchFamily="2" charset="0"/>
@@ -6696,7 +6742,7 @@
             <a:r>
               <a:rPr lang="de-DE" sz="2400" dirty="0" smtClean="0">
                 <a:solidFill>
-                  <a:schemeClr val="accent5"/>
+                  <a:srgbClr val="670097"/>
                 </a:solidFill>
                 <a:latin typeface="Roboto Slab" pitchFamily="2" charset="0"/>
                 <a:ea typeface="Roboto Slab" pitchFamily="2" charset="0"/>
@@ -6705,7 +6751,7 @@
             </a:r>
             <a:endParaRPr lang="en-US" sz="2400" dirty="0">
               <a:solidFill>
-                <a:schemeClr val="accent5"/>
+                <a:srgbClr val="670097"/>
               </a:solidFill>
               <a:latin typeface="Roboto Slab" pitchFamily="2" charset="0"/>
               <a:ea typeface="Roboto Slab" pitchFamily="2" charset="0"/>
@@ -6808,13 +6854,6 @@
               </a:rPr>
               <a:t>Ermöglicht schlauere Suchmaschinen (SEO), Neukombination von Wissen, </a:t>
             </a:r>
-            <a:r>
-              <a:rPr lang="de-DE" sz="2400" dirty="0" smtClean="0">
-                <a:latin typeface="Roboto Light" pitchFamily="2" charset="0"/>
-                <a:ea typeface="Roboto Light" pitchFamily="2" charset="0"/>
-              </a:rPr>
-              <a:t/>
-            </a:r>
             <a:br>
               <a:rPr lang="de-DE" sz="2400" dirty="0" smtClean="0">
                 <a:latin typeface="Roboto Light" pitchFamily="2" charset="0"/>
@@ -6826,14 +6865,7 @@
                 <a:latin typeface="Roboto Light" pitchFamily="2" charset="0"/>
                 <a:ea typeface="Roboto Light" pitchFamily="2" charset="0"/>
               </a:rPr>
-              <a:t>dadurch besser </a:t>
-            </a:r>
-            <a:r>
-              <a:rPr lang="de-DE" sz="2400" dirty="0" smtClean="0">
-                <a:latin typeface="Roboto Light" pitchFamily="2" charset="0"/>
-                <a:ea typeface="Roboto Light" pitchFamily="2" charset="0"/>
-              </a:rPr>
-              <a:t>vernetzte Dienste im Web</a:t>
+              <a:t>dadurch besser vernetzte Dienste im Web</a:t>
             </a:r>
           </a:p>
           <a:p>
@@ -6984,7 +7016,7 @@
             <a:r>
               <a:rPr lang="de-DE" sz="2400" dirty="0" smtClean="0">
                 <a:solidFill>
-                  <a:schemeClr val="accent5"/>
+                  <a:srgbClr val="670097"/>
                 </a:solidFill>
                 <a:latin typeface="Roboto Slab" pitchFamily="2" charset="0"/>
                 <a:ea typeface="Roboto Slab" pitchFamily="2" charset="0"/>
@@ -6993,7 +7025,7 @@
             </a:r>
             <a:endParaRPr lang="en-US" sz="2400" dirty="0">
               <a:solidFill>
-                <a:schemeClr val="accent5"/>
+                <a:srgbClr val="670097"/>
               </a:solidFill>
               <a:latin typeface="Roboto Slab" pitchFamily="2" charset="0"/>
               <a:ea typeface="Roboto Slab" pitchFamily="2" charset="0"/>

--- a/Semantic Web Paradigmen PPT.pptx
+++ b/Semantic Web Paradigmen PPT.pptx
@@ -447,7 +447,7 @@
           <a:p>
             <a:fld id="{BC2B6DF2-033D-47A1-97E2-0A3F57E3BB09}" type="datetimeFigureOut">
               <a:rPr lang="en-US" smtClean="0"/>
-              <a:t>11/6/2014</a:t>
+              <a:t>11/10/2014</a:t>
             </a:fld>
             <a:endParaRPr lang="en-US"/>
           </a:p>
@@ -651,7 +651,7 @@
           <a:p>
             <a:fld id="{BC2B6DF2-033D-47A1-97E2-0A3F57E3BB09}" type="datetimeFigureOut">
               <a:rPr lang="en-US" smtClean="0"/>
-              <a:t>11/6/2014</a:t>
+              <a:t>11/10/2014</a:t>
             </a:fld>
             <a:endParaRPr lang="en-US"/>
           </a:p>
@@ -845,7 +845,7 @@
           <a:p>
             <a:fld id="{BC2B6DF2-033D-47A1-97E2-0A3F57E3BB09}" type="datetimeFigureOut">
               <a:rPr lang="en-US" smtClean="0"/>
-              <a:t>11/6/2014</a:t>
+              <a:t>11/10/2014</a:t>
             </a:fld>
             <a:endParaRPr lang="en-US"/>
           </a:p>
@@ -1120,7 +1120,7 @@
           <a:p>
             <a:fld id="{BC2B6DF2-033D-47A1-97E2-0A3F57E3BB09}" type="datetimeFigureOut">
               <a:rPr lang="en-US" smtClean="0"/>
-              <a:t>11/6/2014</a:t>
+              <a:t>11/10/2014</a:t>
             </a:fld>
             <a:endParaRPr lang="en-US"/>
           </a:p>
@@ -1383,7 +1383,7 @@
           <a:p>
             <a:fld id="{BC2B6DF2-033D-47A1-97E2-0A3F57E3BB09}" type="datetimeFigureOut">
               <a:rPr lang="en-US" smtClean="0"/>
-              <a:t>11/6/2014</a:t>
+              <a:t>11/10/2014</a:t>
             </a:fld>
             <a:endParaRPr lang="en-US"/>
           </a:p>
@@ -1774,7 +1774,7 @@
           <a:p>
             <a:fld id="{BC2B6DF2-033D-47A1-97E2-0A3F57E3BB09}" type="datetimeFigureOut">
               <a:rPr lang="en-US" smtClean="0"/>
-              <a:t>11/6/2014</a:t>
+              <a:t>11/10/2014</a:t>
             </a:fld>
             <a:endParaRPr lang="en-US"/>
           </a:p>
@@ -1916,7 +1916,7 @@
           <a:p>
             <a:fld id="{BC2B6DF2-033D-47A1-97E2-0A3F57E3BB09}" type="datetimeFigureOut">
               <a:rPr lang="en-US" smtClean="0"/>
-              <a:t>11/6/2014</a:t>
+              <a:t>11/10/2014</a:t>
             </a:fld>
             <a:endParaRPr lang="en-US"/>
           </a:p>
@@ -2035,7 +2035,7 @@
           <a:p>
             <a:fld id="{BC2B6DF2-033D-47A1-97E2-0A3F57E3BB09}" type="datetimeFigureOut">
               <a:rPr lang="en-US" smtClean="0"/>
-              <a:t>11/6/2014</a:t>
+              <a:t>11/10/2014</a:t>
             </a:fld>
             <a:endParaRPr lang="en-US"/>
           </a:p>
@@ -2336,7 +2336,7 @@
           <a:p>
             <a:fld id="{BC2B6DF2-033D-47A1-97E2-0A3F57E3BB09}" type="datetimeFigureOut">
               <a:rPr lang="en-US" smtClean="0"/>
-              <a:t>11/6/2014</a:t>
+              <a:t>11/10/2014</a:t>
             </a:fld>
             <a:endParaRPr lang="en-US"/>
           </a:p>
@@ -2617,7 +2617,7 @@
           <a:p>
             <a:fld id="{BC2B6DF2-033D-47A1-97E2-0A3F57E3BB09}" type="datetimeFigureOut">
               <a:rPr lang="en-US" smtClean="0"/>
-              <a:t>11/6/2014</a:t>
+              <a:t>11/10/2014</a:t>
             </a:fld>
             <a:endParaRPr lang="en-US"/>
           </a:p>
@@ -3410,17 +3410,7 @@
                 <a:latin typeface="Roboto Light" pitchFamily="2" charset="0"/>
                 <a:ea typeface="Roboto Light" pitchFamily="2" charset="0"/>
               </a:rPr>
-              <a:t>SIMON </a:t>
-            </a:r>
-            <a:r>
-              <a:rPr lang="en-US" sz="900" dirty="0" smtClean="0">
-                <a:solidFill>
-                  <a:schemeClr val="bg1"/>
-                </a:solidFill>
-                <a:latin typeface="Roboto Light" pitchFamily="2" charset="0"/>
-                <a:ea typeface="Roboto Light" pitchFamily="2" charset="0"/>
-              </a:rPr>
-              <a:t>HEIMLER</a:t>
+              <a:t>SIMON HEIMLER</a:t>
             </a:r>
             <a:endParaRPr lang="en-US" sz="900" dirty="0">
               <a:solidFill>
@@ -3561,8 +3551,8 @@
                 <a:latin typeface="Roboto Light" pitchFamily="2" charset="0"/>
                 <a:ea typeface="Roboto Light" pitchFamily="2" charset="0"/>
               </a:rPr>
-              <a:pPr/>
-              <a:t>06.11.2014</a:t>
+              <a:pPr algn="l"/>
+              <a:t>10.11.2014</a:t>
             </a:fld>
             <a:endParaRPr lang="en-US" sz="900" dirty="0">
               <a:solidFill>

--- a/Semantic Web Paradigmen PPT.pptx
+++ b/Semantic Web Paradigmen PPT.pptx
@@ -118,7 +118,7 @@
   </p:defaultTextStyle>
   <p:extLst>
     <p:ext uri="{EFAFB233-063F-42B5-8137-9DF3F51BA10A}">
-      <p15:sldGuideLst xmlns:p15="http://schemas.microsoft.com/office/powerpoint/2012/main">
+      <p15:sldGuideLst xmlns:p15="http://schemas.microsoft.com/office/powerpoint/2012/main" xmlns="">
         <p15:guide id="1" orient="horz" pos="3003" userDrawn="1">
           <p15:clr>
             <a:srgbClr val="A4A3A4"/>
@@ -447,7 +447,7 @@
           <a:p>
             <a:fld id="{BC2B6DF2-033D-47A1-97E2-0A3F57E3BB09}" type="datetimeFigureOut">
               <a:rPr lang="en-US" smtClean="0"/>
-              <a:t>11/10/2014</a:t>
+              <a:t>11/20/2014</a:t>
             </a:fld>
             <a:endParaRPr lang="en-US"/>
           </a:p>
@@ -651,7 +651,7 @@
           <a:p>
             <a:fld id="{BC2B6DF2-033D-47A1-97E2-0A3F57E3BB09}" type="datetimeFigureOut">
               <a:rPr lang="en-US" smtClean="0"/>
-              <a:t>11/10/2014</a:t>
+              <a:t>11/20/2014</a:t>
             </a:fld>
             <a:endParaRPr lang="en-US"/>
           </a:p>
@@ -845,7 +845,7 @@
           <a:p>
             <a:fld id="{BC2B6DF2-033D-47A1-97E2-0A3F57E3BB09}" type="datetimeFigureOut">
               <a:rPr lang="en-US" smtClean="0"/>
-              <a:t>11/10/2014</a:t>
+              <a:t>11/20/2014</a:t>
             </a:fld>
             <a:endParaRPr lang="en-US"/>
           </a:p>
@@ -1120,7 +1120,7 @@
           <a:p>
             <a:fld id="{BC2B6DF2-033D-47A1-97E2-0A3F57E3BB09}" type="datetimeFigureOut">
               <a:rPr lang="en-US" smtClean="0"/>
-              <a:t>11/10/2014</a:t>
+              <a:t>11/20/2014</a:t>
             </a:fld>
             <a:endParaRPr lang="en-US"/>
           </a:p>
@@ -1383,7 +1383,7 @@
           <a:p>
             <a:fld id="{BC2B6DF2-033D-47A1-97E2-0A3F57E3BB09}" type="datetimeFigureOut">
               <a:rPr lang="en-US" smtClean="0"/>
-              <a:t>11/10/2014</a:t>
+              <a:t>11/20/2014</a:t>
             </a:fld>
             <a:endParaRPr lang="en-US"/>
           </a:p>
@@ -1774,7 +1774,7 @@
           <a:p>
             <a:fld id="{BC2B6DF2-033D-47A1-97E2-0A3F57E3BB09}" type="datetimeFigureOut">
               <a:rPr lang="en-US" smtClean="0"/>
-              <a:t>11/10/2014</a:t>
+              <a:t>11/20/2014</a:t>
             </a:fld>
             <a:endParaRPr lang="en-US"/>
           </a:p>
@@ -1916,7 +1916,7 @@
           <a:p>
             <a:fld id="{BC2B6DF2-033D-47A1-97E2-0A3F57E3BB09}" type="datetimeFigureOut">
               <a:rPr lang="en-US" smtClean="0"/>
-              <a:t>11/10/2014</a:t>
+              <a:t>11/20/2014</a:t>
             </a:fld>
             <a:endParaRPr lang="en-US"/>
           </a:p>
@@ -2035,7 +2035,7 @@
           <a:p>
             <a:fld id="{BC2B6DF2-033D-47A1-97E2-0A3F57E3BB09}" type="datetimeFigureOut">
               <a:rPr lang="en-US" smtClean="0"/>
-              <a:t>11/10/2014</a:t>
+              <a:t>11/20/2014</a:t>
             </a:fld>
             <a:endParaRPr lang="en-US"/>
           </a:p>
@@ -2336,7 +2336,7 @@
           <a:p>
             <a:fld id="{BC2B6DF2-033D-47A1-97E2-0A3F57E3BB09}" type="datetimeFigureOut">
               <a:rPr lang="en-US" smtClean="0"/>
-              <a:t>11/10/2014</a:t>
+              <a:t>11/20/2014</a:t>
             </a:fld>
             <a:endParaRPr lang="en-US"/>
           </a:p>
@@ -2617,7 +2617,7 @@
           <a:p>
             <a:fld id="{BC2B6DF2-033D-47A1-97E2-0A3F57E3BB09}" type="datetimeFigureOut">
               <a:rPr lang="en-US" smtClean="0"/>
-              <a:t>11/10/2014</a:t>
+              <a:t>11/20/2014</a:t>
             </a:fld>
             <a:endParaRPr lang="en-US"/>
           </a:p>
@@ -3552,7 +3552,7 @@
                 <a:ea typeface="Roboto Light" pitchFamily="2" charset="0"/>
               </a:rPr>
               <a:pPr algn="l"/>
-              <a:t>10.11.2014</a:t>
+              <a:t>20.11.2014</a:t>
             </a:fld>
             <a:endParaRPr lang="en-US" sz="900" dirty="0">
               <a:solidFill>
@@ -4232,8 +4232,8 @@
             <a:r>
               <a:rPr lang="en-US" sz="1500" dirty="0">
                 <a:effectLst/>
-                <a:latin typeface="Roboto Thin" pitchFamily="2" charset="0"/>
-                <a:ea typeface="Times New Roman" panose="02020603050405020304" pitchFamily="18" charset="0"/>
+                <a:latin typeface="Roboto Light" pitchFamily="2" charset="0"/>
+                <a:ea typeface="Roboto Light" pitchFamily="2" charset="0"/>
                 <a:cs typeface="Times New Roman" panose="02020603050405020304" pitchFamily="18" charset="0"/>
               </a:rPr>
               <a:t>Prof. Dr. Sabine Müllenbach</a:t>
@@ -4241,26 +4241,20 @@
             <a:br>
               <a:rPr lang="en-US" sz="1500" dirty="0">
                 <a:effectLst/>
-                <a:latin typeface="Roboto Thin" pitchFamily="2" charset="0"/>
-                <a:ea typeface="Times New Roman" panose="02020603050405020304" pitchFamily="18" charset="0"/>
+                <a:latin typeface="Roboto Light" pitchFamily="2" charset="0"/>
+                <a:ea typeface="Roboto Light" pitchFamily="2" charset="0"/>
                 <a:cs typeface="Times New Roman" panose="02020603050405020304" pitchFamily="18" charset="0"/>
               </a:rPr>
             </a:br>
             <a:r>
               <a:rPr lang="en-US" sz="1500" dirty="0">
                 <a:effectLst/>
-                <a:latin typeface="Roboto Thin" pitchFamily="2" charset="0"/>
-                <a:ea typeface="Times New Roman" panose="02020603050405020304" pitchFamily="18" charset="0"/>
+                <a:latin typeface="Roboto Light" pitchFamily="2" charset="0"/>
+                <a:ea typeface="Roboto Light" pitchFamily="2" charset="0"/>
                 <a:cs typeface="Times New Roman" panose="02020603050405020304" pitchFamily="18" charset="0"/>
               </a:rPr>
               <a:t>University of Applied Sciences Augsburg</a:t>
             </a:r>
-            <a:endParaRPr lang="en-US" sz="1500" dirty="0">
-              <a:effectLst/>
-              <a:latin typeface="Roboto Slab" pitchFamily="2" charset="0"/>
-              <a:ea typeface="Times New Roman" panose="02020603050405020304" pitchFamily="18" charset="0"/>
-              <a:cs typeface="Times New Roman" panose="02020603050405020304" pitchFamily="18" charset="0"/>
-            </a:endParaRPr>
           </a:p>
         </p:txBody>
       </p:sp>
@@ -4317,8 +4311,8 @@
             <a:r>
               <a:rPr lang="en-US" sz="1500" dirty="0">
                 <a:effectLst/>
-                <a:latin typeface="Roboto Thin" pitchFamily="2" charset="0"/>
-                <a:ea typeface="Times New Roman" panose="02020603050405020304" pitchFamily="18" charset="0"/>
+                <a:latin typeface="Roboto Light" pitchFamily="2" charset="0"/>
+                <a:ea typeface="Roboto Light" pitchFamily="2" charset="0"/>
                 <a:cs typeface="Times New Roman" panose="02020603050405020304" pitchFamily="18" charset="0"/>
               </a:rPr>
               <a:t>heimlersimon@gmail.com</a:t>
@@ -4326,16 +4320,16 @@
             <a:br>
               <a:rPr lang="en-US" sz="1500" dirty="0">
                 <a:effectLst/>
-                <a:latin typeface="Roboto Thin" pitchFamily="2" charset="0"/>
-                <a:ea typeface="Times New Roman" panose="02020603050405020304" pitchFamily="18" charset="0"/>
+                <a:latin typeface="Roboto Light" pitchFamily="2" charset="0"/>
+                <a:ea typeface="Roboto Light" pitchFamily="2" charset="0"/>
                 <a:cs typeface="Times New Roman" panose="02020603050405020304" pitchFamily="18" charset="0"/>
               </a:rPr>
             </a:br>
             <a:r>
               <a:rPr lang="en-US" sz="1500" dirty="0">
                 <a:effectLst/>
-                <a:latin typeface="Roboto Thin" pitchFamily="2" charset="0"/>
-                <a:ea typeface="Times New Roman" panose="02020603050405020304" pitchFamily="18" charset="0"/>
+                <a:latin typeface="Roboto Light" pitchFamily="2" charset="0"/>
+                <a:ea typeface="Roboto Light" pitchFamily="2" charset="0"/>
                 <a:cs typeface="Times New Roman" panose="02020603050405020304" pitchFamily="18" charset="0"/>
               </a:rPr>
               <a:t>Master of Applied </a:t>
@@ -4343,8 +4337,8 @@
             <a:r>
               <a:rPr lang="en-US" sz="1500" dirty="0" smtClean="0">
                 <a:effectLst/>
-                <a:latin typeface="Roboto Thin" pitchFamily="2" charset="0"/>
-                <a:ea typeface="Times New Roman" panose="02020603050405020304" pitchFamily="18" charset="0"/>
+                <a:latin typeface="Roboto Light" pitchFamily="2" charset="0"/>
+                <a:ea typeface="Roboto Light" pitchFamily="2" charset="0"/>
                 <a:cs typeface="Times New Roman" panose="02020603050405020304" pitchFamily="18" charset="0"/>
               </a:rPr>
               <a:t>Research </a:t>
@@ -4352,18 +4346,12 @@
             <a:r>
               <a:rPr lang="en-US" sz="1500" dirty="0">
                 <a:effectLst/>
-                <a:latin typeface="Roboto Thin" pitchFamily="2" charset="0"/>
-                <a:ea typeface="Times New Roman" panose="02020603050405020304" pitchFamily="18" charset="0"/>
+                <a:latin typeface="Roboto Light" pitchFamily="2" charset="0"/>
+                <a:ea typeface="Roboto Light" pitchFamily="2" charset="0"/>
                 <a:cs typeface="Times New Roman" panose="02020603050405020304" pitchFamily="18" charset="0"/>
               </a:rPr>
               <a:t>Computer Science</a:t>
             </a:r>
-            <a:endParaRPr lang="en-US" sz="1500" dirty="0">
-              <a:effectLst/>
-              <a:latin typeface="Roboto Slab" pitchFamily="2" charset="0"/>
-              <a:ea typeface="Times New Roman" panose="02020603050405020304" pitchFamily="18" charset="0"/>
-              <a:cs typeface="Times New Roman" panose="02020603050405020304" pitchFamily="18" charset="0"/>
-            </a:endParaRPr>
           </a:p>
         </p:txBody>
       </p:sp>
@@ -7298,7 +7286,7 @@
   <a:extraClrSchemeLst/>
   <a:extLst>
     <a:ext uri="{05A4C25C-085E-4340-85A3-A5531E510DB2}">
-      <thm15:themeFamily xmlns:thm15="http://schemas.microsoft.com/office/thememl/2012/main" name="Office Theme" id="{62F939B6-93AF-4DB8-9C6B-D6C7DFDC589F}" vid="{4A3C46E8-61CC-4603-A589-7422A47A8E4A}"/>
+      <thm15:themeFamily xmlns:thm15="http://schemas.microsoft.com/office/thememl/2012/main" xmlns="" name="Office Theme" id="{62F939B6-93AF-4DB8-9C6B-D6C7DFDC589F}" vid="{4A3C46E8-61CC-4603-A589-7422A47A8E4A}"/>
     </a:ext>
   </a:extLst>
 </a:theme>
